--- a/SmartMeds.pptx
+++ b/SmartMeds.pptx
@@ -14,6 +14,9 @@
     <p:sldId id="262" r:id="rId8"/>
     <p:sldId id="263" r:id="rId9"/>
     <p:sldId id="264" r:id="rId10"/>
+    <p:sldId id="266" r:id="rId11"/>
+    <p:sldId id="267" r:id="rId12"/>
+    <p:sldId id="268" r:id="rId13"/>
   </p:sldIdLst>
   <p:sldSz cx="12192000" cy="6858000"/>
   <p:notesSz cx="6858000" cy="9144000"/>
@@ -112,6 +115,11 @@
       </a:defRPr>
     </a:lvl9pPr>
   </p:defaultTextStyle>
+  <p:extLst>
+    <p:ext uri="{EFAFB233-063F-42B5-8137-9DF3F51BA10A}">
+      <p15:sldGuideLst xmlns:p15="http://schemas.microsoft.com/office/powerpoint/2012/main"/>
+    </p:ext>
+  </p:extLst>
 </p:presentation>
 </file>
 
@@ -5760,17 +5768,19 @@
         </p:nvSpPr>
         <p:spPr/>
         <p:txBody>
-          <a:bodyPr/>
+          <a:bodyPr>
+            <a:normAutofit/>
+          </a:bodyPr>
           <a:lstStyle/>
           <a:p>
             <a:pPr algn="ctr"/>
             <a:r>
-              <a:rPr lang="en-US" dirty="0" err="1" smtClean="0">
+              <a:rPr lang="en-US" sz="7200" dirty="0" err="1" smtClean="0">
                 <a:latin typeface="Britannic Bold" panose="020B0903060703020204" pitchFamily="34" charset="0"/>
               </a:rPr>
               <a:t>SmartMeds</a:t>
             </a:r>
-            <a:endParaRPr lang="en-US" dirty="0">
+            <a:endParaRPr lang="en-US" sz="7200" dirty="0">
               <a:latin typeface="Britannic Bold" panose="020B0903060703020204" pitchFamily="34" charset="0"/>
             </a:endParaRPr>
           </a:p>
@@ -5788,17 +5798,19 @@
         </p:nvSpPr>
         <p:spPr/>
         <p:txBody>
-          <a:bodyPr/>
+          <a:bodyPr>
+            <a:normAutofit/>
+          </a:bodyPr>
           <a:lstStyle/>
           <a:p>
             <a:pPr algn="ctr"/>
             <a:r>
-              <a:rPr lang="en-US" dirty="0" err="1" smtClean="0">
+              <a:rPr lang="en-US" sz="2800" dirty="0" err="1" smtClean="0">
                 <a:latin typeface="Britannic Bold" panose="020B0903060703020204" pitchFamily="34" charset="0"/>
               </a:rPr>
               <a:t>RuntimeTerror</a:t>
             </a:r>
-            <a:endParaRPr lang="en-US" dirty="0">
+            <a:endParaRPr lang="en-US" sz="2800" dirty="0">
               <a:latin typeface="Britannic Bold" panose="020B0903060703020204" pitchFamily="34" charset="0"/>
             </a:endParaRPr>
           </a:p>
@@ -5808,6 +5820,1700 @@
     <p:extLst>
       <p:ext uri="{BB962C8B-B14F-4D97-AF65-F5344CB8AC3E}">
         <p14:creationId xmlns:p14="http://schemas.microsoft.com/office/powerpoint/2010/main" val="3985304726"/>
+      </p:ext>
+    </p:extLst>
+  </p:cSld>
+  <p:clrMapOvr>
+    <a:masterClrMapping/>
+  </p:clrMapOvr>
+  <p:timing>
+    <p:tnLst>
+      <p:par>
+        <p:cTn id="1" dur="indefinite" restart="never" nodeType="tmRoot">
+          <p:childTnLst>
+            <p:seq concurrent="1" nextAc="seek">
+              <p:cTn id="2" dur="indefinite" nodeType="mainSeq">
+                <p:childTnLst>
+                  <p:par>
+                    <p:cTn id="3" fill="hold">
+                      <p:stCondLst>
+                        <p:cond delay="indefinite"/>
+                      </p:stCondLst>
+                      <p:childTnLst>
+                        <p:par>
+                          <p:cTn id="4" fill="hold">
+                            <p:stCondLst>
+                              <p:cond delay="0"/>
+                            </p:stCondLst>
+                            <p:childTnLst>
+                              <p:par>
+                                <p:cTn id="5" presetID="16" presetClass="entr" presetSubtype="37" fill="hold" grpId="0" nodeType="clickEffect">
+                                  <p:stCondLst>
+                                    <p:cond delay="0"/>
+                                  </p:stCondLst>
+                                  <p:childTnLst>
+                                    <p:set>
+                                      <p:cBhvr>
+                                        <p:cTn id="6" dur="1" fill="hold">
+                                          <p:stCondLst>
+                                            <p:cond delay="0"/>
+                                          </p:stCondLst>
+                                        </p:cTn>
+                                        <p:tgtEl>
+                                          <p:spTgt spid="2"/>
+                                        </p:tgtEl>
+                                        <p:attrNameLst>
+                                          <p:attrName>style.visibility</p:attrName>
+                                        </p:attrNameLst>
+                                      </p:cBhvr>
+                                      <p:to>
+                                        <p:strVal val="visible"/>
+                                      </p:to>
+                                    </p:set>
+                                    <p:animEffect transition="in" filter="barn(outVertical)">
+                                      <p:cBhvr>
+                                        <p:cTn id="7" dur="1250"/>
+                                        <p:tgtEl>
+                                          <p:spTgt spid="2"/>
+                                        </p:tgtEl>
+                                      </p:cBhvr>
+                                    </p:animEffect>
+                                  </p:childTnLst>
+                                </p:cTn>
+                              </p:par>
+                            </p:childTnLst>
+                          </p:cTn>
+                        </p:par>
+                      </p:childTnLst>
+                    </p:cTn>
+                  </p:par>
+                  <p:par>
+                    <p:cTn id="8" fill="hold">
+                      <p:stCondLst>
+                        <p:cond delay="indefinite"/>
+                      </p:stCondLst>
+                      <p:childTnLst>
+                        <p:par>
+                          <p:cTn id="9" fill="hold">
+                            <p:stCondLst>
+                              <p:cond delay="0"/>
+                            </p:stCondLst>
+                            <p:childTnLst>
+                              <p:par>
+                                <p:cTn id="10" presetID="42" presetClass="entr" presetSubtype="0" fill="hold" nodeType="clickEffect">
+                                  <p:stCondLst>
+                                    <p:cond delay="0"/>
+                                  </p:stCondLst>
+                                  <p:childTnLst>
+                                    <p:set>
+                                      <p:cBhvr>
+                                        <p:cTn id="11" dur="1" fill="hold">
+                                          <p:stCondLst>
+                                            <p:cond delay="0"/>
+                                          </p:stCondLst>
+                                        </p:cTn>
+                                        <p:tgtEl>
+                                          <p:spTgt spid="3">
+                                            <p:txEl>
+                                              <p:pRg st="0" end="0"/>
+                                            </p:txEl>
+                                          </p:spTgt>
+                                        </p:tgtEl>
+                                        <p:attrNameLst>
+                                          <p:attrName>style.visibility</p:attrName>
+                                        </p:attrNameLst>
+                                      </p:cBhvr>
+                                      <p:to>
+                                        <p:strVal val="visible"/>
+                                      </p:to>
+                                    </p:set>
+                                    <p:animEffect transition="in" filter="fade">
+                                      <p:cBhvr>
+                                        <p:cTn id="12" dur="1000"/>
+                                        <p:tgtEl>
+                                          <p:spTgt spid="3">
+                                            <p:txEl>
+                                              <p:pRg st="0" end="0"/>
+                                            </p:txEl>
+                                          </p:spTgt>
+                                        </p:tgtEl>
+                                      </p:cBhvr>
+                                    </p:animEffect>
+                                    <p:anim calcmode="lin" valueType="num">
+                                      <p:cBhvr>
+                                        <p:cTn id="13" dur="1000" fill="hold"/>
+                                        <p:tgtEl>
+                                          <p:spTgt spid="3">
+                                            <p:txEl>
+                                              <p:pRg st="0" end="0"/>
+                                            </p:txEl>
+                                          </p:spTgt>
+                                        </p:tgtEl>
+                                        <p:attrNameLst>
+                                          <p:attrName>ppt_x</p:attrName>
+                                        </p:attrNameLst>
+                                      </p:cBhvr>
+                                      <p:tavLst>
+                                        <p:tav tm="0">
+                                          <p:val>
+                                            <p:strVal val="#ppt_x"/>
+                                          </p:val>
+                                        </p:tav>
+                                        <p:tav tm="100000">
+                                          <p:val>
+                                            <p:strVal val="#ppt_x"/>
+                                          </p:val>
+                                        </p:tav>
+                                      </p:tavLst>
+                                    </p:anim>
+                                    <p:anim calcmode="lin" valueType="num">
+                                      <p:cBhvr>
+                                        <p:cTn id="14" dur="1000" fill="hold"/>
+                                        <p:tgtEl>
+                                          <p:spTgt spid="3">
+                                            <p:txEl>
+                                              <p:pRg st="0" end="0"/>
+                                            </p:txEl>
+                                          </p:spTgt>
+                                        </p:tgtEl>
+                                        <p:attrNameLst>
+                                          <p:attrName>ppt_y</p:attrName>
+                                        </p:attrNameLst>
+                                      </p:cBhvr>
+                                      <p:tavLst>
+                                        <p:tav tm="0">
+                                          <p:val>
+                                            <p:strVal val="#ppt_y+.1"/>
+                                          </p:val>
+                                        </p:tav>
+                                        <p:tav tm="100000">
+                                          <p:val>
+                                            <p:strVal val="#ppt_y"/>
+                                          </p:val>
+                                        </p:tav>
+                                      </p:tavLst>
+                                    </p:anim>
+                                  </p:childTnLst>
+                                </p:cTn>
+                              </p:par>
+                            </p:childTnLst>
+                          </p:cTn>
+                        </p:par>
+                      </p:childTnLst>
+                    </p:cTn>
+                  </p:par>
+                </p:childTnLst>
+              </p:cTn>
+              <p:prevCondLst>
+                <p:cond evt="onPrev" delay="0">
+                  <p:tgtEl>
+                    <p:sldTgt/>
+                  </p:tgtEl>
+                </p:cond>
+              </p:prevCondLst>
+              <p:nextCondLst>
+                <p:cond evt="onNext" delay="0">
+                  <p:tgtEl>
+                    <p:sldTgt/>
+                  </p:tgtEl>
+                </p:cond>
+              </p:nextCondLst>
+            </p:seq>
+          </p:childTnLst>
+        </p:cTn>
+      </p:par>
+    </p:tnLst>
+    <p:bldLst>
+      <p:bldP spid="2" grpId="0"/>
+    </p:bldLst>
+  </p:timing>
+</p:sld>
+</file>
+
+<file path=ppt/slides/slide10.xml><?xml version="1.0" encoding="utf-8"?>
+<p:sld xmlns:a="http://schemas.openxmlformats.org/drawingml/2006/main" xmlns:r="http://schemas.openxmlformats.org/officeDocument/2006/relationships" xmlns:p="http://schemas.openxmlformats.org/presentationml/2006/main">
+  <p:cSld>
+    <p:spTree>
+      <p:nvGrpSpPr>
+        <p:cNvPr id="1" name=""/>
+        <p:cNvGrpSpPr/>
+        <p:nvPr/>
+      </p:nvGrpSpPr>
+      <p:grpSpPr>
+        <a:xfrm>
+          <a:off x="0" y="0"/>
+          <a:ext cx="0" cy="0"/>
+          <a:chOff x="0" y="0"/>
+          <a:chExt cx="0" cy="0"/>
+        </a:xfrm>
+      </p:grpSpPr>
+      <p:sp>
+        <p:nvSpPr>
+          <p:cNvPr id="4" name="Title 3"/>
+          <p:cNvSpPr>
+            <a:spLocks noGrp="1"/>
+          </p:cNvSpPr>
+          <p:nvPr>
+            <p:ph type="title"/>
+          </p:nvPr>
+        </p:nvSpPr>
+        <p:spPr>
+          <a:xfrm>
+            <a:off x="1024467" y="980179"/>
+            <a:ext cx="10151533" cy="2604495"/>
+          </a:xfrm>
+        </p:spPr>
+        <p:txBody>
+          <a:bodyPr>
+            <a:normAutofit/>
+          </a:bodyPr>
+          <a:lstStyle/>
+          <a:p>
+            <a:r>
+              <a:rPr lang="bg-BG" sz="5400" b="1" dirty="0" smtClean="0"/>
+              <a:t>Софтуерна Архитектура на разработката</a:t>
+            </a:r>
+            <a:endParaRPr lang="en-US" sz="5400" b="1" dirty="0"/>
+          </a:p>
+        </p:txBody>
+      </p:sp>
+    </p:spTree>
+    <p:extLst>
+      <p:ext uri="{BB962C8B-B14F-4D97-AF65-F5344CB8AC3E}">
+        <p14:creationId xmlns:p14="http://schemas.microsoft.com/office/powerpoint/2010/main" val="1256816778"/>
+      </p:ext>
+    </p:extLst>
+  </p:cSld>
+  <p:clrMapOvr>
+    <a:masterClrMapping/>
+  </p:clrMapOvr>
+  <mc:AlternateContent xmlns:mc="http://schemas.openxmlformats.org/markup-compatibility/2006">
+    <mc:Choice xmlns:p14="http://schemas.microsoft.com/office/powerpoint/2010/main" Requires="p14">
+      <p:transition spd="slow" p14:dur="1250">
+        <p14:switch dir="r"/>
+      </p:transition>
+    </mc:Choice>
+    <mc:Fallback>
+      <p:transition spd="slow">
+        <p:fade/>
+      </p:transition>
+    </mc:Fallback>
+  </mc:AlternateContent>
+  <p:timing>
+    <p:tnLst>
+      <p:par>
+        <p:cTn id="1" dur="indefinite" restart="never" nodeType="tmRoot"/>
+      </p:par>
+    </p:tnLst>
+  </p:timing>
+</p:sld>
+</file>
+
+<file path=ppt/slides/slide11.xml><?xml version="1.0" encoding="utf-8"?>
+<p:sld xmlns:a="http://schemas.openxmlformats.org/drawingml/2006/main" xmlns:r="http://schemas.openxmlformats.org/officeDocument/2006/relationships" xmlns:p="http://schemas.openxmlformats.org/presentationml/2006/main">
+  <p:cSld>
+    <p:spTree>
+      <p:nvGrpSpPr>
+        <p:cNvPr id="1" name=""/>
+        <p:cNvGrpSpPr/>
+        <p:nvPr/>
+      </p:nvGrpSpPr>
+      <p:grpSpPr>
+        <a:xfrm>
+          <a:off x="0" y="0"/>
+          <a:ext cx="0" cy="0"/>
+          <a:chOff x="0" y="0"/>
+          <a:chExt cx="0" cy="0"/>
+        </a:xfrm>
+      </p:grpSpPr>
+      <p:grpSp>
+        <p:nvGrpSpPr>
+          <p:cNvPr id="35" name="Group 34"/>
+          <p:cNvGrpSpPr/>
+          <p:nvPr/>
+        </p:nvGrpSpPr>
+        <p:grpSpPr>
+          <a:xfrm>
+            <a:off x="5039263" y="1098482"/>
+            <a:ext cx="2191626" cy="1868853"/>
+            <a:chOff x="5039263" y="1098482"/>
+            <a:chExt cx="2191626" cy="1868853"/>
+          </a:xfrm>
+        </p:grpSpPr>
+        <p:pic>
+          <p:nvPicPr>
+            <p:cNvPr id="10" name="Picture 9"/>
+            <p:cNvPicPr>
+              <a:picLocks noChangeAspect="1"/>
+            </p:cNvPicPr>
+            <p:nvPr/>
+          </p:nvPicPr>
+          <p:blipFill>
+            <a:blip r:embed="rId2">
+              <a:extLst>
+                <a:ext uri="{28A0092B-C50C-407E-A947-70E740481C1C}">
+                  <a14:useLocalDpi xmlns:a14="http://schemas.microsoft.com/office/drawing/2010/main" val="0"/>
+                </a:ext>
+              </a:extLst>
+            </a:blip>
+            <a:stretch>
+              <a:fillRect/>
+            </a:stretch>
+          </p:blipFill>
+          <p:spPr>
+            <a:xfrm>
+              <a:off x="5624512" y="1479481"/>
+              <a:ext cx="1227480" cy="1487854"/>
+            </a:xfrm>
+            <a:prstGeom prst="rect">
+              <a:avLst/>
+            </a:prstGeom>
+          </p:spPr>
+        </p:pic>
+        <p:sp>
+          <p:nvSpPr>
+            <p:cNvPr id="13" name="Rectangle 12"/>
+            <p:cNvSpPr/>
+            <p:nvPr/>
+          </p:nvSpPr>
+          <p:spPr>
+            <a:xfrm>
+              <a:off x="5039263" y="1098482"/>
+              <a:ext cx="2191626" cy="461665"/>
+            </a:xfrm>
+            <a:prstGeom prst="rect">
+              <a:avLst/>
+            </a:prstGeom>
+            <a:noFill/>
+          </p:spPr>
+          <p:txBody>
+            <a:bodyPr wrap="none" lIns="91440" tIns="45720" rIns="91440" bIns="45720">
+              <a:spAutoFit/>
+            </a:bodyPr>
+            <a:lstStyle/>
+            <a:p>
+              <a:pPr algn="ctr"/>
+              <a:r>
+                <a:rPr lang="en-US" sz="2400" b="0" cap="none" spc="0" dirty="0" smtClean="0">
+                  <a:ln w="0"/>
+                  <a:gradFill>
+                    <a:gsLst>
+                      <a:gs pos="0">
+                        <a:schemeClr val="accent5">
+                          <a:lumMod val="50000"/>
+                        </a:schemeClr>
+                      </a:gs>
+                      <a:gs pos="50000">
+                        <a:schemeClr val="accent5"/>
+                      </a:gs>
+                      <a:gs pos="100000">
+                        <a:schemeClr val="accent5">
+                          <a:lumMod val="60000"/>
+                          <a:lumOff val="40000"/>
+                        </a:schemeClr>
+                      </a:gs>
+                    </a:gsLst>
+                    <a:lin ang="5400000"/>
+                  </a:gradFill>
+                  <a:effectLst>
+                    <a:reflection blurRad="6350" stA="53000" endA="300" endPos="35500" dir="5400000" sy="-90000" algn="bl" rotWithShape="0"/>
+                  </a:effectLst>
+                </a:rPr>
+                <a:t>ASP.NET MVC</a:t>
+              </a:r>
+              <a:endParaRPr lang="en-US" sz="2400" b="0" cap="none" spc="0" dirty="0">
+                <a:ln w="0"/>
+                <a:gradFill>
+                  <a:gsLst>
+                    <a:gs pos="0">
+                      <a:schemeClr val="accent5">
+                        <a:lumMod val="50000"/>
+                      </a:schemeClr>
+                    </a:gs>
+                    <a:gs pos="50000">
+                      <a:schemeClr val="accent5"/>
+                    </a:gs>
+                    <a:gs pos="100000">
+                      <a:schemeClr val="accent5">
+                        <a:lumMod val="60000"/>
+                        <a:lumOff val="40000"/>
+                      </a:schemeClr>
+                    </a:gs>
+                  </a:gsLst>
+                  <a:lin ang="5400000"/>
+                </a:gradFill>
+                <a:effectLst>
+                  <a:reflection blurRad="6350" stA="53000" endA="300" endPos="35500" dir="5400000" sy="-90000" algn="bl" rotWithShape="0"/>
+                </a:effectLst>
+              </a:endParaRPr>
+            </a:p>
+          </p:txBody>
+        </p:sp>
+      </p:grpSp>
+      <p:sp>
+        <p:nvSpPr>
+          <p:cNvPr id="14" name="Rectangle 13"/>
+          <p:cNvSpPr/>
+          <p:nvPr/>
+        </p:nvSpPr>
+        <p:spPr>
+          <a:xfrm>
+            <a:off x="6496111" y="2107642"/>
+            <a:ext cx="1747593" cy="461665"/>
+          </a:xfrm>
+          <a:prstGeom prst="rect">
+            <a:avLst/>
+          </a:prstGeom>
+          <a:noFill/>
+        </p:spPr>
+        <p:txBody>
+          <a:bodyPr wrap="none" lIns="91440" tIns="45720" rIns="91440" bIns="45720">
+            <a:spAutoFit/>
+          </a:bodyPr>
+          <a:lstStyle/>
+          <a:p>
+            <a:pPr algn="ctr"/>
+            <a:r>
+              <a:rPr lang="en-US" sz="2400" b="1" cap="none" spc="0" dirty="0" smtClean="0">
+                <a:ln w="12700">
+                  <a:solidFill>
+                    <a:schemeClr val="accent5"/>
+                  </a:solidFill>
+                  <a:prstDash val="solid"/>
+                </a:ln>
+                <a:pattFill prst="ltDnDiag">
+                  <a:fgClr>
+                    <a:schemeClr val="accent5">
+                      <a:lumMod val="60000"/>
+                      <a:lumOff val="40000"/>
+                    </a:schemeClr>
+                  </a:fgClr>
+                  <a:bgClr>
+                    <a:schemeClr val="bg1"/>
+                  </a:bgClr>
+                </a:pattFill>
+                <a:effectLst/>
+              </a:rPr>
+              <a:t>SQL Server</a:t>
+            </a:r>
+            <a:endParaRPr lang="en-US" sz="2400" b="1" cap="none" spc="0" dirty="0">
+              <a:ln w="12700">
+                <a:solidFill>
+                  <a:schemeClr val="accent5"/>
+                </a:solidFill>
+                <a:prstDash val="solid"/>
+              </a:ln>
+              <a:pattFill prst="ltDnDiag">
+                <a:fgClr>
+                  <a:schemeClr val="accent5">
+                    <a:lumMod val="60000"/>
+                    <a:lumOff val="40000"/>
+                  </a:schemeClr>
+                </a:fgClr>
+                <a:bgClr>
+                  <a:schemeClr val="bg1"/>
+                </a:bgClr>
+              </a:pattFill>
+              <a:effectLst/>
+            </a:endParaRPr>
+          </a:p>
+        </p:txBody>
+      </p:sp>
+      <p:grpSp>
+        <p:nvGrpSpPr>
+          <p:cNvPr id="36" name="Group 35"/>
+          <p:cNvGrpSpPr/>
+          <p:nvPr/>
+        </p:nvGrpSpPr>
+        <p:grpSpPr>
+          <a:xfrm>
+            <a:off x="2133610" y="3467365"/>
+            <a:ext cx="2058576" cy="2075140"/>
+            <a:chOff x="2133610" y="3467365"/>
+            <a:chExt cx="2058576" cy="2075140"/>
+          </a:xfrm>
+        </p:grpSpPr>
+        <p:pic>
+          <p:nvPicPr>
+            <p:cNvPr id="15" name="Picture 14"/>
+            <p:cNvPicPr>
+              <a:picLocks noChangeAspect="1"/>
+            </p:cNvPicPr>
+            <p:nvPr/>
+          </p:nvPicPr>
+          <p:blipFill>
+            <a:blip r:embed="rId2">
+              <a:extLst>
+                <a:ext uri="{28A0092B-C50C-407E-A947-70E740481C1C}">
+                  <a14:useLocalDpi xmlns:a14="http://schemas.microsoft.com/office/drawing/2010/main" val="0"/>
+                </a:ext>
+              </a:extLst>
+            </a:blip>
+            <a:stretch>
+              <a:fillRect/>
+            </a:stretch>
+          </p:blipFill>
+          <p:spPr>
+            <a:xfrm>
+              <a:off x="2549158" y="4054651"/>
+              <a:ext cx="1227480" cy="1487854"/>
+            </a:xfrm>
+            <a:prstGeom prst="rect">
+              <a:avLst/>
+            </a:prstGeom>
+          </p:spPr>
+        </p:pic>
+        <p:sp>
+          <p:nvSpPr>
+            <p:cNvPr id="16" name="Rectangle 15"/>
+            <p:cNvSpPr/>
+            <p:nvPr/>
+          </p:nvSpPr>
+          <p:spPr>
+            <a:xfrm>
+              <a:off x="2133610" y="3467365"/>
+              <a:ext cx="2058576" cy="584775"/>
+            </a:xfrm>
+            <a:prstGeom prst="rect">
+              <a:avLst/>
+            </a:prstGeom>
+            <a:noFill/>
+          </p:spPr>
+          <p:txBody>
+            <a:bodyPr wrap="none" lIns="91440" tIns="45720" rIns="91440" bIns="45720">
+              <a:spAutoFit/>
+            </a:bodyPr>
+            <a:lstStyle/>
+            <a:p>
+              <a:pPr algn="ctr"/>
+              <a:r>
+                <a:rPr lang="en-US" sz="3200" b="1" cap="none" spc="0" dirty="0" smtClean="0">
+                  <a:ln w="12700">
+                    <a:solidFill>
+                      <a:schemeClr val="accent1"/>
+                    </a:solidFill>
+                    <a:prstDash val="solid"/>
+                  </a:ln>
+                  <a:pattFill prst="pct50">
+                    <a:fgClr>
+                      <a:schemeClr val="accent1"/>
+                    </a:fgClr>
+                    <a:bgClr>
+                      <a:schemeClr val="accent1">
+                        <a:lumMod val="20000"/>
+                        <a:lumOff val="80000"/>
+                      </a:schemeClr>
+                    </a:bgClr>
+                  </a:pattFill>
+                  <a:effectLst>
+                    <a:outerShdw dist="38100" dir="2640000" algn="bl" rotWithShape="0">
+                      <a:schemeClr val="accent1"/>
+                    </a:outerShdw>
+                  </a:effectLst>
+                </a:rPr>
+                <a:t>Express.js</a:t>
+              </a:r>
+              <a:endParaRPr lang="en-US" sz="3200" b="1" cap="none" spc="0" dirty="0">
+                <a:ln w="12700">
+                  <a:solidFill>
+                    <a:schemeClr val="accent1"/>
+                  </a:solidFill>
+                  <a:prstDash val="solid"/>
+                </a:ln>
+                <a:pattFill prst="pct50">
+                  <a:fgClr>
+                    <a:schemeClr val="accent1"/>
+                  </a:fgClr>
+                  <a:bgClr>
+                    <a:schemeClr val="accent1">
+                      <a:lumMod val="20000"/>
+                      <a:lumOff val="80000"/>
+                    </a:schemeClr>
+                  </a:bgClr>
+                </a:pattFill>
+                <a:effectLst>
+                  <a:outerShdw dist="38100" dir="2640000" algn="bl" rotWithShape="0">
+                    <a:schemeClr val="accent1"/>
+                  </a:outerShdw>
+                </a:effectLst>
+              </a:endParaRPr>
+            </a:p>
+          </p:txBody>
+        </p:sp>
+      </p:grpSp>
+      <p:grpSp>
+        <p:nvGrpSpPr>
+          <p:cNvPr id="37" name="Group 36"/>
+          <p:cNvGrpSpPr/>
+          <p:nvPr/>
+        </p:nvGrpSpPr>
+        <p:grpSpPr>
+          <a:xfrm>
+            <a:off x="7832163" y="3414593"/>
+            <a:ext cx="2050561" cy="2125401"/>
+            <a:chOff x="7832163" y="3414593"/>
+            <a:chExt cx="2050561" cy="2125401"/>
+          </a:xfrm>
+        </p:grpSpPr>
+        <p:pic>
+          <p:nvPicPr>
+            <p:cNvPr id="18" name="Picture 17"/>
+            <p:cNvPicPr>
+              <a:picLocks noChangeAspect="1"/>
+            </p:cNvPicPr>
+            <p:nvPr/>
+          </p:nvPicPr>
+          <p:blipFill>
+            <a:blip r:embed="rId2">
+              <a:extLst>
+                <a:ext uri="{28A0092B-C50C-407E-A947-70E740481C1C}">
+                  <a14:useLocalDpi xmlns:a14="http://schemas.microsoft.com/office/drawing/2010/main" val="0"/>
+                </a:ext>
+              </a:extLst>
+            </a:blip>
+            <a:stretch>
+              <a:fillRect/>
+            </a:stretch>
+          </p:blipFill>
+          <p:spPr>
+            <a:xfrm>
+              <a:off x="8243704" y="4052140"/>
+              <a:ext cx="1227480" cy="1487854"/>
+            </a:xfrm>
+            <a:prstGeom prst="rect">
+              <a:avLst/>
+            </a:prstGeom>
+          </p:spPr>
+        </p:pic>
+        <p:sp>
+          <p:nvSpPr>
+            <p:cNvPr id="19" name="Rectangle 18"/>
+            <p:cNvSpPr/>
+            <p:nvPr/>
+          </p:nvSpPr>
+          <p:spPr>
+            <a:xfrm>
+              <a:off x="7832163" y="3414593"/>
+              <a:ext cx="2050561" cy="646331"/>
+            </a:xfrm>
+            <a:prstGeom prst="rect">
+              <a:avLst/>
+            </a:prstGeom>
+            <a:noFill/>
+          </p:spPr>
+          <p:txBody>
+            <a:bodyPr wrap="none" lIns="91440" tIns="45720" rIns="91440" bIns="45720">
+              <a:spAutoFit/>
+            </a:bodyPr>
+            <a:lstStyle/>
+            <a:p>
+              <a:pPr algn="ctr"/>
+              <a:r>
+                <a:rPr lang="en-US" sz="3600" b="1" dirty="0" err="1" smtClean="0">
+                  <a:ln w="12700">
+                    <a:solidFill>
+                      <a:srgbClr val="00B050"/>
+                    </a:solidFill>
+                    <a:prstDash val="solid"/>
+                  </a:ln>
+                  <a:solidFill>
+                    <a:srgbClr val="99FF66"/>
+                  </a:solidFill>
+                  <a:effectLst>
+                    <a:outerShdw dist="38100" dir="2640000" algn="bl" rotWithShape="0">
+                      <a:schemeClr val="tx2">
+                        <a:lumMod val="75000"/>
+                      </a:schemeClr>
+                    </a:outerShdw>
+                  </a:effectLst>
+                </a:rPr>
+                <a:t>Quarkus</a:t>
+              </a:r>
+              <a:endParaRPr lang="en-US" sz="3600" b="1" dirty="0">
+                <a:ln w="12700">
+                  <a:solidFill>
+                    <a:srgbClr val="00B050"/>
+                  </a:solidFill>
+                  <a:prstDash val="solid"/>
+                </a:ln>
+                <a:solidFill>
+                  <a:srgbClr val="99FF66"/>
+                </a:solidFill>
+                <a:effectLst>
+                  <a:outerShdw dist="38100" dir="2640000" algn="bl" rotWithShape="0">
+                    <a:schemeClr val="tx2">
+                      <a:lumMod val="75000"/>
+                    </a:schemeClr>
+                  </a:outerShdw>
+                </a:effectLst>
+              </a:endParaRPr>
+            </a:p>
+          </p:txBody>
+        </p:sp>
+      </p:grpSp>
+      <p:sp>
+        <p:nvSpPr>
+          <p:cNvPr id="20" name="Rectangle 19"/>
+          <p:cNvSpPr/>
+          <p:nvPr/>
+        </p:nvSpPr>
+        <p:spPr>
+          <a:xfrm>
+            <a:off x="9098051" y="4644600"/>
+            <a:ext cx="2108269" cy="523220"/>
+          </a:xfrm>
+          <a:prstGeom prst="rect">
+            <a:avLst/>
+          </a:prstGeom>
+          <a:noFill/>
+        </p:spPr>
+        <p:txBody>
+          <a:bodyPr wrap="none" lIns="91440" tIns="45720" rIns="91440" bIns="45720">
+            <a:spAutoFit/>
+          </a:bodyPr>
+          <a:lstStyle/>
+          <a:p>
+            <a:pPr algn="ctr"/>
+            <a:r>
+              <a:rPr lang="en-US" sz="2800" b="1" cap="none" spc="0" dirty="0" smtClean="0">
+                <a:ln w="12700">
+                  <a:solidFill>
+                    <a:schemeClr val="accent5"/>
+                  </a:solidFill>
+                  <a:prstDash val="solid"/>
+                </a:ln>
+                <a:pattFill prst="ltDnDiag">
+                  <a:fgClr>
+                    <a:schemeClr val="accent5">
+                      <a:lumMod val="60000"/>
+                      <a:lumOff val="40000"/>
+                    </a:schemeClr>
+                  </a:fgClr>
+                  <a:bgClr>
+                    <a:schemeClr val="bg1"/>
+                  </a:bgClr>
+                </a:pattFill>
+                <a:effectLst/>
+              </a:rPr>
+              <a:t>PostgreSQL</a:t>
+            </a:r>
+            <a:endParaRPr lang="en-US" sz="2800" b="1" cap="none" spc="0" dirty="0">
+              <a:ln w="12700">
+                <a:solidFill>
+                  <a:schemeClr val="accent5"/>
+                </a:solidFill>
+                <a:prstDash val="solid"/>
+              </a:ln>
+              <a:pattFill prst="ltDnDiag">
+                <a:fgClr>
+                  <a:schemeClr val="accent5">
+                    <a:lumMod val="60000"/>
+                    <a:lumOff val="40000"/>
+                  </a:schemeClr>
+                </a:fgClr>
+                <a:bgClr>
+                  <a:schemeClr val="bg1"/>
+                </a:bgClr>
+              </a:pattFill>
+              <a:effectLst/>
+            </a:endParaRPr>
+          </a:p>
+        </p:txBody>
+      </p:sp>
+      <p:sp>
+        <p:nvSpPr>
+          <p:cNvPr id="21" name="Rectangle 20"/>
+          <p:cNvSpPr/>
+          <p:nvPr/>
+        </p:nvSpPr>
+        <p:spPr>
+          <a:xfrm>
+            <a:off x="3420982" y="4626458"/>
+            <a:ext cx="1534394" cy="523220"/>
+          </a:xfrm>
+          <a:prstGeom prst="rect">
+            <a:avLst/>
+          </a:prstGeom>
+          <a:noFill/>
+        </p:spPr>
+        <p:txBody>
+          <a:bodyPr wrap="none" lIns="91440" tIns="45720" rIns="91440" bIns="45720">
+            <a:spAutoFit/>
+          </a:bodyPr>
+          <a:lstStyle/>
+          <a:p>
+            <a:pPr algn="ctr"/>
+            <a:r>
+              <a:rPr lang="en-US" sz="2800" b="1" cap="none" spc="0" dirty="0" smtClean="0">
+                <a:ln w="12700">
+                  <a:solidFill>
+                    <a:schemeClr val="accent5"/>
+                  </a:solidFill>
+                  <a:prstDash val="solid"/>
+                </a:ln>
+                <a:pattFill prst="ltDnDiag">
+                  <a:fgClr>
+                    <a:schemeClr val="accent5">
+                      <a:lumMod val="60000"/>
+                      <a:lumOff val="40000"/>
+                    </a:schemeClr>
+                  </a:fgClr>
+                  <a:bgClr>
+                    <a:schemeClr val="bg1"/>
+                  </a:bgClr>
+                </a:pattFill>
+                <a:effectLst/>
+              </a:rPr>
+              <a:t>UPC_DB</a:t>
+            </a:r>
+            <a:endParaRPr lang="en-US" sz="2800" b="1" cap="none" spc="0" dirty="0">
+              <a:ln w="12700">
+                <a:solidFill>
+                  <a:schemeClr val="accent5"/>
+                </a:solidFill>
+                <a:prstDash val="solid"/>
+              </a:ln>
+              <a:pattFill prst="ltDnDiag">
+                <a:fgClr>
+                  <a:schemeClr val="accent5">
+                    <a:lumMod val="60000"/>
+                    <a:lumOff val="40000"/>
+                  </a:schemeClr>
+                </a:fgClr>
+                <a:bgClr>
+                  <a:schemeClr val="bg1"/>
+                </a:bgClr>
+              </a:pattFill>
+              <a:effectLst/>
+            </a:endParaRPr>
+          </a:p>
+        </p:txBody>
+      </p:sp>
+      <p:sp>
+        <p:nvSpPr>
+          <p:cNvPr id="23" name="Rectangle 22"/>
+          <p:cNvSpPr/>
+          <p:nvPr/>
+        </p:nvSpPr>
+        <p:spPr>
+          <a:xfrm>
+            <a:off x="440999" y="6030966"/>
+            <a:ext cx="1853391" cy="584775"/>
+          </a:xfrm>
+          <a:prstGeom prst="rect">
+            <a:avLst/>
+          </a:prstGeom>
+          <a:noFill/>
+        </p:spPr>
+        <p:txBody>
+          <a:bodyPr wrap="none" lIns="91440" tIns="45720" rIns="91440" bIns="45720">
+            <a:spAutoFit/>
+          </a:bodyPr>
+          <a:lstStyle/>
+          <a:p>
+            <a:pPr algn="ctr"/>
+            <a:r>
+              <a:rPr lang="en-US" sz="3200" b="1" cap="none" spc="0" dirty="0" err="1" smtClean="0">
+                <a:ln w="12700" cmpd="sng">
+                  <a:solidFill>
+                    <a:schemeClr val="accent4"/>
+                  </a:solidFill>
+                  <a:prstDash val="solid"/>
+                </a:ln>
+                <a:gradFill>
+                  <a:gsLst>
+                    <a:gs pos="0">
+                      <a:schemeClr val="accent4"/>
+                    </a:gs>
+                    <a:gs pos="4000">
+                      <a:schemeClr val="accent4">
+                        <a:lumMod val="60000"/>
+                        <a:lumOff val="40000"/>
+                      </a:schemeClr>
+                    </a:gs>
+                    <a:gs pos="87000">
+                      <a:schemeClr val="accent4">
+                        <a:lumMod val="20000"/>
+                        <a:lumOff val="80000"/>
+                      </a:schemeClr>
+                    </a:gs>
+                  </a:gsLst>
+                  <a:lin ang="5400000"/>
+                </a:gradFill>
+                <a:effectLst/>
+              </a:rPr>
+              <a:t>Teseract</a:t>
+            </a:r>
+            <a:endParaRPr lang="en-US" sz="3200" b="1" cap="none" spc="0" dirty="0">
+              <a:ln w="12700" cmpd="sng">
+                <a:solidFill>
+                  <a:schemeClr val="accent4"/>
+                </a:solidFill>
+                <a:prstDash val="solid"/>
+              </a:ln>
+              <a:gradFill>
+                <a:gsLst>
+                  <a:gs pos="0">
+                    <a:schemeClr val="accent4"/>
+                  </a:gs>
+                  <a:gs pos="4000">
+                    <a:schemeClr val="accent4">
+                      <a:lumMod val="60000"/>
+                      <a:lumOff val="40000"/>
+                    </a:schemeClr>
+                  </a:gs>
+                  <a:gs pos="87000">
+                    <a:schemeClr val="accent4">
+                      <a:lumMod val="20000"/>
+                      <a:lumOff val="80000"/>
+                    </a:schemeClr>
+                  </a:gs>
+                </a:gsLst>
+                <a:lin ang="5400000"/>
+              </a:gradFill>
+              <a:effectLst/>
+            </a:endParaRPr>
+          </a:p>
+        </p:txBody>
+      </p:sp>
+      <p:cxnSp>
+        <p:nvCxnSpPr>
+          <p:cNvPr id="26" name="Straight Arrow Connector 25"/>
+          <p:cNvCxnSpPr>
+            <a:endCxn id="23" idx="0"/>
+          </p:cNvCxnSpPr>
+          <p:nvPr/>
+        </p:nvCxnSpPr>
+        <p:spPr>
+          <a:xfrm flipH="1">
+            <a:off x="1367695" y="5384800"/>
+            <a:ext cx="1181463" cy="646166"/>
+          </a:xfrm>
+          <a:prstGeom prst="straightConnector1">
+            <a:avLst/>
+          </a:prstGeom>
+          <a:ln w="19050">
+            <a:solidFill>
+              <a:schemeClr val="tx1"/>
+            </a:solidFill>
+            <a:tailEnd type="triangle"/>
+          </a:ln>
+        </p:spPr>
+        <p:style>
+          <a:lnRef idx="1">
+            <a:schemeClr val="accent1"/>
+          </a:lnRef>
+          <a:fillRef idx="0">
+            <a:schemeClr val="accent1"/>
+          </a:fillRef>
+          <a:effectRef idx="0">
+            <a:schemeClr val="accent1"/>
+          </a:effectRef>
+          <a:fontRef idx="minor">
+            <a:schemeClr val="tx1"/>
+          </a:fontRef>
+        </p:style>
+      </p:cxnSp>
+      <p:cxnSp>
+        <p:nvCxnSpPr>
+          <p:cNvPr id="28" name="Straight Arrow Connector 27"/>
+          <p:cNvCxnSpPr>
+            <a:stCxn id="10" idx="2"/>
+          </p:cNvCxnSpPr>
+          <p:nvPr/>
+        </p:nvCxnSpPr>
+        <p:spPr>
+          <a:xfrm flipH="1">
+            <a:off x="4101081" y="2967335"/>
+            <a:ext cx="2137171" cy="1512208"/>
+          </a:xfrm>
+          <a:prstGeom prst="straightConnector1">
+            <a:avLst/>
+          </a:prstGeom>
+          <a:ln w="19050">
+            <a:solidFill>
+              <a:schemeClr val="tx1"/>
+            </a:solidFill>
+            <a:headEnd type="triangle"/>
+            <a:tailEnd type="triangle"/>
+          </a:ln>
+        </p:spPr>
+        <p:style>
+          <a:lnRef idx="1">
+            <a:schemeClr val="accent1"/>
+          </a:lnRef>
+          <a:fillRef idx="0">
+            <a:schemeClr val="accent1"/>
+          </a:fillRef>
+          <a:effectRef idx="0">
+            <a:schemeClr val="accent1"/>
+          </a:effectRef>
+          <a:fontRef idx="minor">
+            <a:schemeClr val="tx1"/>
+          </a:fontRef>
+        </p:style>
+      </p:cxnSp>
+      <p:cxnSp>
+        <p:nvCxnSpPr>
+          <p:cNvPr id="32" name="Straight Arrow Connector 31"/>
+          <p:cNvCxnSpPr>
+            <a:stCxn id="10" idx="2"/>
+            <a:endCxn id="18" idx="1"/>
+          </p:cNvCxnSpPr>
+          <p:nvPr/>
+        </p:nvCxnSpPr>
+        <p:spPr>
+          <a:xfrm>
+            <a:off x="6238252" y="2967335"/>
+            <a:ext cx="2005452" cy="1828732"/>
+          </a:xfrm>
+          <a:prstGeom prst="straightConnector1">
+            <a:avLst/>
+          </a:prstGeom>
+          <a:ln w="19050">
+            <a:solidFill>
+              <a:schemeClr val="tx1"/>
+            </a:solidFill>
+            <a:headEnd type="triangle"/>
+            <a:tailEnd type="triangle"/>
+          </a:ln>
+        </p:spPr>
+        <p:style>
+          <a:lnRef idx="1">
+            <a:schemeClr val="accent1"/>
+          </a:lnRef>
+          <a:fillRef idx="0">
+            <a:schemeClr val="accent1"/>
+          </a:fillRef>
+          <a:effectRef idx="0">
+            <a:schemeClr val="accent1"/>
+          </a:effectRef>
+          <a:fontRef idx="minor">
+            <a:schemeClr val="tx1"/>
+          </a:fontRef>
+        </p:style>
+      </p:cxnSp>
+    </p:spTree>
+    <p:extLst>
+      <p:ext uri="{BB962C8B-B14F-4D97-AF65-F5344CB8AC3E}">
+        <p14:creationId xmlns:p14="http://schemas.microsoft.com/office/powerpoint/2010/main" val="97357757"/>
+      </p:ext>
+    </p:extLst>
+  </p:cSld>
+  <p:clrMapOvr>
+    <a:masterClrMapping/>
+  </p:clrMapOvr>
+  <p:timing>
+    <p:tnLst>
+      <p:par>
+        <p:cTn id="1" dur="indefinite" restart="never" nodeType="tmRoot">
+          <p:childTnLst>
+            <p:seq concurrent="1" nextAc="seek">
+              <p:cTn id="2" dur="indefinite" nodeType="mainSeq">
+                <p:childTnLst>
+                  <p:par>
+                    <p:cTn id="3" fill="hold">
+                      <p:stCondLst>
+                        <p:cond delay="indefinite"/>
+                        <p:cond evt="onBegin" delay="0">
+                          <p:tn val="2"/>
+                        </p:cond>
+                      </p:stCondLst>
+                      <p:childTnLst>
+                        <p:par>
+                          <p:cTn id="4" fill="hold">
+                            <p:stCondLst>
+                              <p:cond delay="0"/>
+                            </p:stCondLst>
+                            <p:childTnLst>
+                              <p:par>
+                                <p:cTn id="5" presetID="16" presetClass="entr" presetSubtype="37" fill="hold" nodeType="withEffect">
+                                  <p:stCondLst>
+                                    <p:cond delay="0"/>
+                                  </p:stCondLst>
+                                  <p:childTnLst>
+                                    <p:set>
+                                      <p:cBhvr>
+                                        <p:cTn id="6" dur="1" fill="hold">
+                                          <p:stCondLst>
+                                            <p:cond delay="0"/>
+                                          </p:stCondLst>
+                                        </p:cTn>
+                                        <p:tgtEl>
+                                          <p:spTgt spid="35"/>
+                                        </p:tgtEl>
+                                        <p:attrNameLst>
+                                          <p:attrName>style.visibility</p:attrName>
+                                        </p:attrNameLst>
+                                      </p:cBhvr>
+                                      <p:to>
+                                        <p:strVal val="visible"/>
+                                      </p:to>
+                                    </p:set>
+                                    <p:animEffect transition="in" filter="barn(outVertical)">
+                                      <p:cBhvr>
+                                        <p:cTn id="7" dur="1000"/>
+                                        <p:tgtEl>
+                                          <p:spTgt spid="35"/>
+                                        </p:tgtEl>
+                                      </p:cBhvr>
+                                    </p:animEffect>
+                                  </p:childTnLst>
+                                </p:cTn>
+                              </p:par>
+                            </p:childTnLst>
+                          </p:cTn>
+                        </p:par>
+                      </p:childTnLst>
+                    </p:cTn>
+                  </p:par>
+                  <p:par>
+                    <p:cTn id="8" fill="hold">
+                      <p:stCondLst>
+                        <p:cond delay="indefinite"/>
+                      </p:stCondLst>
+                      <p:childTnLst>
+                        <p:par>
+                          <p:cTn id="9" fill="hold">
+                            <p:stCondLst>
+                              <p:cond delay="0"/>
+                            </p:stCondLst>
+                            <p:childTnLst>
+                              <p:par>
+                                <p:cTn id="10" presetID="22" presetClass="entr" presetSubtype="4" fill="hold" grpId="0" nodeType="clickEffect">
+                                  <p:stCondLst>
+                                    <p:cond delay="0"/>
+                                  </p:stCondLst>
+                                  <p:childTnLst>
+                                    <p:set>
+                                      <p:cBhvr>
+                                        <p:cTn id="11" dur="1" fill="hold">
+                                          <p:stCondLst>
+                                            <p:cond delay="0"/>
+                                          </p:stCondLst>
+                                        </p:cTn>
+                                        <p:tgtEl>
+                                          <p:spTgt spid="14"/>
+                                        </p:tgtEl>
+                                        <p:attrNameLst>
+                                          <p:attrName>style.visibility</p:attrName>
+                                        </p:attrNameLst>
+                                      </p:cBhvr>
+                                      <p:to>
+                                        <p:strVal val="visible"/>
+                                      </p:to>
+                                    </p:set>
+                                    <p:animEffect transition="in" filter="wipe(down)">
+                                      <p:cBhvr>
+                                        <p:cTn id="12" dur="500"/>
+                                        <p:tgtEl>
+                                          <p:spTgt spid="14"/>
+                                        </p:tgtEl>
+                                      </p:cBhvr>
+                                    </p:animEffect>
+                                  </p:childTnLst>
+                                </p:cTn>
+                              </p:par>
+                            </p:childTnLst>
+                          </p:cTn>
+                        </p:par>
+                      </p:childTnLst>
+                    </p:cTn>
+                  </p:par>
+                  <p:par>
+                    <p:cTn id="13" fill="hold">
+                      <p:stCondLst>
+                        <p:cond delay="indefinite"/>
+                      </p:stCondLst>
+                      <p:childTnLst>
+                        <p:par>
+                          <p:cTn id="14" fill="hold">
+                            <p:stCondLst>
+                              <p:cond delay="0"/>
+                            </p:stCondLst>
+                            <p:childTnLst>
+                              <p:par>
+                                <p:cTn id="15" presetID="1" presetClass="entr" presetSubtype="0" fill="hold" nodeType="clickEffect">
+                                  <p:stCondLst>
+                                    <p:cond delay="0"/>
+                                  </p:stCondLst>
+                                  <p:childTnLst>
+                                    <p:set>
+                                      <p:cBhvr>
+                                        <p:cTn id="16" dur="1" fill="hold">
+                                          <p:stCondLst>
+                                            <p:cond delay="0"/>
+                                          </p:stCondLst>
+                                        </p:cTn>
+                                        <p:tgtEl>
+                                          <p:spTgt spid="28"/>
+                                        </p:tgtEl>
+                                        <p:attrNameLst>
+                                          <p:attrName>style.visibility</p:attrName>
+                                        </p:attrNameLst>
+                                      </p:cBhvr>
+                                      <p:to>
+                                        <p:strVal val="visible"/>
+                                      </p:to>
+                                    </p:set>
+                                  </p:childTnLst>
+                                </p:cTn>
+                              </p:par>
+                            </p:childTnLst>
+                          </p:cTn>
+                        </p:par>
+                      </p:childTnLst>
+                    </p:cTn>
+                  </p:par>
+                  <p:par>
+                    <p:cTn id="17" fill="hold">
+                      <p:stCondLst>
+                        <p:cond delay="indefinite"/>
+                      </p:stCondLst>
+                      <p:childTnLst>
+                        <p:par>
+                          <p:cTn id="18" fill="hold">
+                            <p:stCondLst>
+                              <p:cond delay="0"/>
+                            </p:stCondLst>
+                            <p:childTnLst>
+                              <p:par>
+                                <p:cTn id="19" presetID="22" presetClass="entr" presetSubtype="4" fill="hold" nodeType="clickEffect">
+                                  <p:stCondLst>
+                                    <p:cond delay="0"/>
+                                  </p:stCondLst>
+                                  <p:childTnLst>
+                                    <p:set>
+                                      <p:cBhvr>
+                                        <p:cTn id="20" dur="1" fill="hold">
+                                          <p:stCondLst>
+                                            <p:cond delay="0"/>
+                                          </p:stCondLst>
+                                        </p:cTn>
+                                        <p:tgtEl>
+                                          <p:spTgt spid="36"/>
+                                        </p:tgtEl>
+                                        <p:attrNameLst>
+                                          <p:attrName>style.visibility</p:attrName>
+                                        </p:attrNameLst>
+                                      </p:cBhvr>
+                                      <p:to>
+                                        <p:strVal val="visible"/>
+                                      </p:to>
+                                    </p:set>
+                                    <p:animEffect transition="in" filter="wipe(down)">
+                                      <p:cBhvr>
+                                        <p:cTn id="21" dur="500"/>
+                                        <p:tgtEl>
+                                          <p:spTgt spid="36"/>
+                                        </p:tgtEl>
+                                      </p:cBhvr>
+                                    </p:animEffect>
+                                  </p:childTnLst>
+                                </p:cTn>
+                              </p:par>
+                            </p:childTnLst>
+                          </p:cTn>
+                        </p:par>
+                      </p:childTnLst>
+                    </p:cTn>
+                  </p:par>
+                  <p:par>
+                    <p:cTn id="22" fill="hold">
+                      <p:stCondLst>
+                        <p:cond delay="indefinite"/>
+                      </p:stCondLst>
+                      <p:childTnLst>
+                        <p:par>
+                          <p:cTn id="23" fill="hold">
+                            <p:stCondLst>
+                              <p:cond delay="0"/>
+                            </p:stCondLst>
+                            <p:childTnLst>
+                              <p:par>
+                                <p:cTn id="24" presetID="22" presetClass="entr" presetSubtype="4" fill="hold" grpId="0" nodeType="clickEffect">
+                                  <p:stCondLst>
+                                    <p:cond delay="0"/>
+                                  </p:stCondLst>
+                                  <p:childTnLst>
+                                    <p:set>
+                                      <p:cBhvr>
+                                        <p:cTn id="25" dur="1" fill="hold">
+                                          <p:stCondLst>
+                                            <p:cond delay="0"/>
+                                          </p:stCondLst>
+                                        </p:cTn>
+                                        <p:tgtEl>
+                                          <p:spTgt spid="21"/>
+                                        </p:tgtEl>
+                                        <p:attrNameLst>
+                                          <p:attrName>style.visibility</p:attrName>
+                                        </p:attrNameLst>
+                                      </p:cBhvr>
+                                      <p:to>
+                                        <p:strVal val="visible"/>
+                                      </p:to>
+                                    </p:set>
+                                    <p:animEffect transition="in" filter="wipe(down)">
+                                      <p:cBhvr>
+                                        <p:cTn id="26" dur="500"/>
+                                        <p:tgtEl>
+                                          <p:spTgt spid="21"/>
+                                        </p:tgtEl>
+                                      </p:cBhvr>
+                                    </p:animEffect>
+                                  </p:childTnLst>
+                                </p:cTn>
+                              </p:par>
+                            </p:childTnLst>
+                          </p:cTn>
+                        </p:par>
+                      </p:childTnLst>
+                    </p:cTn>
+                  </p:par>
+                  <p:par>
+                    <p:cTn id="27" fill="hold">
+                      <p:stCondLst>
+                        <p:cond delay="indefinite"/>
+                      </p:stCondLst>
+                      <p:childTnLst>
+                        <p:par>
+                          <p:cTn id="28" fill="hold">
+                            <p:stCondLst>
+                              <p:cond delay="0"/>
+                            </p:stCondLst>
+                            <p:childTnLst>
+                              <p:par>
+                                <p:cTn id="29" presetID="1" presetClass="entr" presetSubtype="0" fill="hold" nodeType="clickEffect">
+                                  <p:stCondLst>
+                                    <p:cond delay="0"/>
+                                  </p:stCondLst>
+                                  <p:childTnLst>
+                                    <p:set>
+                                      <p:cBhvr>
+                                        <p:cTn id="30" dur="1" fill="hold">
+                                          <p:stCondLst>
+                                            <p:cond delay="0"/>
+                                          </p:stCondLst>
+                                        </p:cTn>
+                                        <p:tgtEl>
+                                          <p:spTgt spid="26"/>
+                                        </p:tgtEl>
+                                        <p:attrNameLst>
+                                          <p:attrName>style.visibility</p:attrName>
+                                        </p:attrNameLst>
+                                      </p:cBhvr>
+                                      <p:to>
+                                        <p:strVal val="visible"/>
+                                      </p:to>
+                                    </p:set>
+                                  </p:childTnLst>
+                                </p:cTn>
+                              </p:par>
+                              <p:par>
+                                <p:cTn id="31" presetID="1" presetClass="entr" presetSubtype="0" fill="hold" grpId="0" nodeType="withEffect">
+                                  <p:stCondLst>
+                                    <p:cond delay="0"/>
+                                  </p:stCondLst>
+                                  <p:childTnLst>
+                                    <p:set>
+                                      <p:cBhvr>
+                                        <p:cTn id="32" dur="1" fill="hold">
+                                          <p:stCondLst>
+                                            <p:cond delay="0"/>
+                                          </p:stCondLst>
+                                        </p:cTn>
+                                        <p:tgtEl>
+                                          <p:spTgt spid="23"/>
+                                        </p:tgtEl>
+                                        <p:attrNameLst>
+                                          <p:attrName>style.visibility</p:attrName>
+                                        </p:attrNameLst>
+                                      </p:cBhvr>
+                                      <p:to>
+                                        <p:strVal val="visible"/>
+                                      </p:to>
+                                    </p:set>
+                                  </p:childTnLst>
+                                </p:cTn>
+                              </p:par>
+                            </p:childTnLst>
+                          </p:cTn>
+                        </p:par>
+                      </p:childTnLst>
+                    </p:cTn>
+                  </p:par>
+                  <p:par>
+                    <p:cTn id="33" fill="hold">
+                      <p:stCondLst>
+                        <p:cond delay="indefinite"/>
+                      </p:stCondLst>
+                      <p:childTnLst>
+                        <p:par>
+                          <p:cTn id="34" fill="hold">
+                            <p:stCondLst>
+                              <p:cond delay="0"/>
+                            </p:stCondLst>
+                            <p:childTnLst>
+                              <p:par>
+                                <p:cTn id="35" presetID="1" presetClass="entr" presetSubtype="0" fill="hold" nodeType="clickEffect">
+                                  <p:stCondLst>
+                                    <p:cond delay="0"/>
+                                  </p:stCondLst>
+                                  <p:childTnLst>
+                                    <p:set>
+                                      <p:cBhvr>
+                                        <p:cTn id="36" dur="1" fill="hold">
+                                          <p:stCondLst>
+                                            <p:cond delay="0"/>
+                                          </p:stCondLst>
+                                        </p:cTn>
+                                        <p:tgtEl>
+                                          <p:spTgt spid="32"/>
+                                        </p:tgtEl>
+                                        <p:attrNameLst>
+                                          <p:attrName>style.visibility</p:attrName>
+                                        </p:attrNameLst>
+                                      </p:cBhvr>
+                                      <p:to>
+                                        <p:strVal val="visible"/>
+                                      </p:to>
+                                    </p:set>
+                                  </p:childTnLst>
+                                </p:cTn>
+                              </p:par>
+                            </p:childTnLst>
+                          </p:cTn>
+                        </p:par>
+                      </p:childTnLst>
+                    </p:cTn>
+                  </p:par>
+                  <p:par>
+                    <p:cTn id="37" fill="hold">
+                      <p:stCondLst>
+                        <p:cond delay="indefinite"/>
+                      </p:stCondLst>
+                      <p:childTnLst>
+                        <p:par>
+                          <p:cTn id="38" fill="hold">
+                            <p:stCondLst>
+                              <p:cond delay="0"/>
+                            </p:stCondLst>
+                            <p:childTnLst>
+                              <p:par>
+                                <p:cTn id="39" presetID="22" presetClass="entr" presetSubtype="4" fill="hold" nodeType="clickEffect">
+                                  <p:stCondLst>
+                                    <p:cond delay="0"/>
+                                  </p:stCondLst>
+                                  <p:childTnLst>
+                                    <p:set>
+                                      <p:cBhvr>
+                                        <p:cTn id="40" dur="1" fill="hold">
+                                          <p:stCondLst>
+                                            <p:cond delay="0"/>
+                                          </p:stCondLst>
+                                        </p:cTn>
+                                        <p:tgtEl>
+                                          <p:spTgt spid="37"/>
+                                        </p:tgtEl>
+                                        <p:attrNameLst>
+                                          <p:attrName>style.visibility</p:attrName>
+                                        </p:attrNameLst>
+                                      </p:cBhvr>
+                                      <p:to>
+                                        <p:strVal val="visible"/>
+                                      </p:to>
+                                    </p:set>
+                                    <p:animEffect transition="in" filter="wipe(down)">
+                                      <p:cBhvr>
+                                        <p:cTn id="41" dur="500"/>
+                                        <p:tgtEl>
+                                          <p:spTgt spid="37"/>
+                                        </p:tgtEl>
+                                      </p:cBhvr>
+                                    </p:animEffect>
+                                  </p:childTnLst>
+                                </p:cTn>
+                              </p:par>
+                            </p:childTnLst>
+                          </p:cTn>
+                        </p:par>
+                      </p:childTnLst>
+                    </p:cTn>
+                  </p:par>
+                  <p:par>
+                    <p:cTn id="42" fill="hold">
+                      <p:stCondLst>
+                        <p:cond delay="indefinite"/>
+                      </p:stCondLst>
+                      <p:childTnLst>
+                        <p:par>
+                          <p:cTn id="43" fill="hold">
+                            <p:stCondLst>
+                              <p:cond delay="0"/>
+                            </p:stCondLst>
+                            <p:childTnLst>
+                              <p:par>
+                                <p:cTn id="44" presetID="22" presetClass="entr" presetSubtype="4" fill="hold" grpId="0" nodeType="clickEffect">
+                                  <p:stCondLst>
+                                    <p:cond delay="0"/>
+                                  </p:stCondLst>
+                                  <p:childTnLst>
+                                    <p:set>
+                                      <p:cBhvr>
+                                        <p:cTn id="45" dur="1" fill="hold">
+                                          <p:stCondLst>
+                                            <p:cond delay="0"/>
+                                          </p:stCondLst>
+                                        </p:cTn>
+                                        <p:tgtEl>
+                                          <p:spTgt spid="20"/>
+                                        </p:tgtEl>
+                                        <p:attrNameLst>
+                                          <p:attrName>style.visibility</p:attrName>
+                                        </p:attrNameLst>
+                                      </p:cBhvr>
+                                      <p:to>
+                                        <p:strVal val="visible"/>
+                                      </p:to>
+                                    </p:set>
+                                    <p:animEffect transition="in" filter="wipe(down)">
+                                      <p:cBhvr>
+                                        <p:cTn id="46" dur="250"/>
+                                        <p:tgtEl>
+                                          <p:spTgt spid="20"/>
+                                        </p:tgtEl>
+                                      </p:cBhvr>
+                                    </p:animEffect>
+                                  </p:childTnLst>
+                                </p:cTn>
+                              </p:par>
+                            </p:childTnLst>
+                          </p:cTn>
+                        </p:par>
+                      </p:childTnLst>
+                    </p:cTn>
+                  </p:par>
+                </p:childTnLst>
+              </p:cTn>
+              <p:prevCondLst>
+                <p:cond evt="onPrev" delay="0">
+                  <p:tgtEl>
+                    <p:sldTgt/>
+                  </p:tgtEl>
+                </p:cond>
+              </p:prevCondLst>
+              <p:nextCondLst>
+                <p:cond evt="onNext" delay="0">
+                  <p:tgtEl>
+                    <p:sldTgt/>
+                  </p:tgtEl>
+                </p:cond>
+              </p:nextCondLst>
+            </p:seq>
+          </p:childTnLst>
+        </p:cTn>
+      </p:par>
+    </p:tnLst>
+    <p:bldLst>
+      <p:bldP spid="14" grpId="0"/>
+      <p:bldP spid="20" grpId="0"/>
+      <p:bldP spid="21" grpId="0"/>
+      <p:bldP spid="23" grpId="0"/>
+    </p:bldLst>
+  </p:timing>
+</p:sld>
+</file>
+
+<file path=ppt/slides/slide12.xml><?xml version="1.0" encoding="utf-8"?>
+<p:sld xmlns:a="http://schemas.openxmlformats.org/drawingml/2006/main" xmlns:r="http://schemas.openxmlformats.org/officeDocument/2006/relationships" xmlns:p="http://schemas.openxmlformats.org/presentationml/2006/main">
+  <p:cSld>
+    <p:spTree>
+      <p:nvGrpSpPr>
+        <p:cNvPr id="1" name=""/>
+        <p:cNvGrpSpPr/>
+        <p:nvPr/>
+      </p:nvGrpSpPr>
+      <p:grpSpPr>
+        <a:xfrm>
+          <a:off x="0" y="0"/>
+          <a:ext cx="0" cy="0"/>
+          <a:chOff x="0" y="0"/>
+          <a:chExt cx="0" cy="0"/>
+        </a:xfrm>
+      </p:grpSpPr>
+      <p:sp>
+        <p:nvSpPr>
+          <p:cNvPr id="2" name="Rectangle 1"/>
+          <p:cNvSpPr/>
+          <p:nvPr/>
+        </p:nvSpPr>
+        <p:spPr>
+          <a:xfrm>
+            <a:off x="2009569" y="2363831"/>
+            <a:ext cx="8428910" cy="2554545"/>
+          </a:xfrm>
+          <a:prstGeom prst="rect">
+            <a:avLst/>
+          </a:prstGeom>
+          <a:noFill/>
+        </p:spPr>
+        <p:txBody>
+          <a:bodyPr wrap="none" lIns="91440" tIns="45720" rIns="91440" bIns="45720">
+            <a:spAutoFit/>
+          </a:bodyPr>
+          <a:lstStyle/>
+          <a:p>
+            <a:pPr algn="ctr"/>
+            <a:r>
+              <a:rPr lang="bg-BG" sz="8000" b="1" dirty="0" smtClean="0">
+                <a:ln w="0"/>
+                <a:effectLst>
+                  <a:outerShdw blurRad="38100" dist="19050" dir="2700000" algn="tl" rotWithShape="0">
+                    <a:schemeClr val="dk1">
+                      <a:alpha val="40000"/>
+                    </a:schemeClr>
+                  </a:outerShdw>
+                </a:effectLst>
+              </a:rPr>
+              <a:t>Благодарим Ви </a:t>
+            </a:r>
+          </a:p>
+          <a:p>
+            <a:pPr algn="ctr"/>
+            <a:r>
+              <a:rPr lang="bg-BG" sz="8000" b="1" dirty="0" smtClean="0">
+                <a:ln w="0"/>
+                <a:effectLst>
+                  <a:outerShdw blurRad="38100" dist="19050" dir="2700000" algn="tl" rotWithShape="0">
+                    <a:schemeClr val="dk1">
+                      <a:alpha val="40000"/>
+                    </a:schemeClr>
+                  </a:outerShdw>
+                </a:effectLst>
+              </a:rPr>
+              <a:t>за вниманието!</a:t>
+            </a:r>
+            <a:endParaRPr lang="en-US" sz="8000" b="1" cap="none" spc="0" dirty="0">
+              <a:ln w="0"/>
+              <a:solidFill>
+                <a:schemeClr val="tx1"/>
+              </a:solidFill>
+              <a:effectLst>
+                <a:outerShdw blurRad="38100" dist="19050" dir="2700000" algn="tl" rotWithShape="0">
+                  <a:schemeClr val="dk1">
+                    <a:alpha val="40000"/>
+                  </a:schemeClr>
+                </a:outerShdw>
+              </a:effectLst>
+            </a:endParaRPr>
+          </a:p>
+        </p:txBody>
+      </p:sp>
+    </p:spTree>
+    <p:extLst>
+      <p:ext uri="{BB962C8B-B14F-4D97-AF65-F5344CB8AC3E}">
+        <p14:creationId xmlns:p14="http://schemas.microsoft.com/office/powerpoint/2010/main" val="1691262891"/>
       </p:ext>
     </p:extLst>
   </p:cSld>
@@ -5853,41 +7559,8 @@
         </p:nvSpPr>
         <p:spPr>
           <a:xfrm>
-            <a:off x="1790700" y="901532"/>
+            <a:off x="1790700" y="1042209"/>
             <a:ext cx="8610600" cy="1293028"/>
-          </a:xfrm>
-        </p:spPr>
-        <p:txBody>
-          <a:bodyPr/>
-          <a:lstStyle/>
-          <a:p>
-            <a:pPr algn="ctr"/>
-            <a:r>
-              <a:rPr lang="bg-BG" b="1" dirty="0" smtClean="0">
-                <a:latin typeface="Book Antiqua" panose="02040602050305030304" pitchFamily="18" charset="0"/>
-              </a:rPr>
-              <a:t>Проблем</a:t>
-            </a:r>
-            <a:endParaRPr lang="en-US" b="1" dirty="0">
-              <a:latin typeface="Book Antiqua" panose="02040602050305030304" pitchFamily="18" charset="0"/>
-            </a:endParaRPr>
-          </a:p>
-        </p:txBody>
-      </p:sp>
-      <p:sp>
-        <p:nvSpPr>
-          <p:cNvPr id="3" name="Content Placeholder 2"/>
-          <p:cNvSpPr>
-            <a:spLocks noGrp="1"/>
-          </p:cNvSpPr>
-          <p:nvPr>
-            <p:ph idx="1"/>
-          </p:nvPr>
-        </p:nvSpPr>
-        <p:spPr>
-          <a:xfrm>
-            <a:off x="701919" y="2822331"/>
-            <a:ext cx="10788162" cy="3422731"/>
           </a:xfrm>
         </p:spPr>
         <p:txBody>
@@ -5896,61 +7569,16 @@
           </a:bodyPr>
           <a:lstStyle/>
           <a:p>
-            <a:pPr marL="0" indent="0" algn="ctr">
-              <a:buNone/>
-            </a:pPr>
-            <a:r>
-              <a:rPr lang="bg-BG" sz="2400" dirty="0" smtClean="0"/>
-              <a:t>-23</a:t>
-            </a:r>
-            <a:r>
-              <a:rPr lang="en-US" sz="2400" dirty="0" smtClean="0"/>
-              <a:t>%</a:t>
-            </a:r>
-            <a:r>
-              <a:rPr lang="bg-BG" sz="2400" dirty="0" smtClean="0"/>
-              <a:t> процента от лекарствата в болниците се изхвърлят поради изтекъл срок на годност по данни от 2023 година</a:t>
-            </a:r>
-          </a:p>
-          <a:p>
-            <a:pPr marL="0" indent="0" algn="ctr">
-              <a:buNone/>
-            </a:pPr>
-            <a:r>
-              <a:rPr lang="bg-BG" sz="2400" dirty="0" smtClean="0"/>
-              <a:t>-Замърсяване на околната среда</a:t>
-            </a:r>
-          </a:p>
-          <a:p>
-            <a:pPr marL="0" indent="0" algn="ctr">
-              <a:buNone/>
-            </a:pPr>
-            <a:r>
-              <a:rPr lang="bg-BG" sz="2400" dirty="0" smtClean="0"/>
-              <a:t>-</a:t>
-            </a:r>
-            <a:r>
-              <a:rPr lang="ru-RU" sz="2400" dirty="0"/>
-              <a:t>Болниците харчат средства, които могат да бъдат </a:t>
-            </a:r>
-            <a:r>
-              <a:rPr lang="ru-RU" sz="2400" dirty="0" smtClean="0"/>
-              <a:t>спестени</a:t>
-            </a:r>
-            <a:endParaRPr lang="en-US" sz="2400" dirty="0" smtClean="0"/>
-          </a:p>
-          <a:p>
-            <a:pPr marL="0" indent="0" algn="ctr">
-              <a:buNone/>
-            </a:pPr>
-            <a:r>
-              <a:rPr lang="ru-RU" sz="2400" dirty="0"/>
-              <a:t/>
-            </a:r>
-            <a:br>
-              <a:rPr lang="ru-RU" sz="2400" dirty="0"/>
-            </a:br>
-            <a:endParaRPr lang="en-US" sz="2400" dirty="0"/>
+            <a:pPr algn="ctr"/>
+            <a:r>
+              <a:rPr lang="bg-BG" sz="5400" b="1" dirty="0" smtClean="0">
+                <a:latin typeface="Book Antiqua" panose="02040602050305030304" pitchFamily="18" charset="0"/>
+              </a:rPr>
+              <a:t>Проблем</a:t>
+            </a:r>
+            <a:endParaRPr lang="en-US" sz="5400" b="1" dirty="0">
+              <a:latin typeface="Book Antiqua" panose="02040602050305030304" pitchFamily="18" charset="0"/>
+            </a:endParaRPr>
           </a:p>
         </p:txBody>
       </p:sp>
@@ -6014,6 +7642,114 @@
           </a:prstGeom>
         </p:spPr>
       </p:pic>
+      <p:sp>
+        <p:nvSpPr>
+          <p:cNvPr id="7" name="Content Placeholder 2"/>
+          <p:cNvSpPr>
+            <a:spLocks noGrp="1"/>
+          </p:cNvSpPr>
+          <p:nvPr>
+            <p:ph idx="1"/>
+          </p:nvPr>
+        </p:nvSpPr>
+        <p:spPr>
+          <a:xfrm>
+            <a:off x="701919" y="2822331"/>
+            <a:ext cx="10788162" cy="3422731"/>
+          </a:xfrm>
+        </p:spPr>
+        <p:txBody>
+          <a:bodyPr anchor="ctr">
+            <a:normAutofit/>
+          </a:bodyPr>
+          <a:lstStyle/>
+          <a:p>
+            <a:pPr algn="ctr">
+              <a:lnSpc>
+                <a:spcPct val="150000"/>
+              </a:lnSpc>
+              <a:buFont typeface="Wingdings" panose="05000000000000000000" pitchFamily="2" charset="2"/>
+              <a:buChar char="§"/>
+            </a:pPr>
+            <a:r>
+              <a:rPr lang="bg-BG" sz="2400" dirty="0" smtClean="0"/>
+              <a:t>23</a:t>
+            </a:r>
+            <a:r>
+              <a:rPr lang="en-US" sz="2400" dirty="0" smtClean="0"/>
+              <a:t>%</a:t>
+            </a:r>
+            <a:r>
+              <a:rPr lang="bg-BG" sz="2400" dirty="0" smtClean="0"/>
+              <a:t> процента от лекарствата в болниците се изхвърлят </a:t>
+            </a:r>
+            <a:r>
+              <a:rPr lang="bg-BG" sz="2400" dirty="0" smtClean="0"/>
+              <a:t>поради изтекъл </a:t>
+            </a:r>
+            <a:r>
+              <a:rPr lang="bg-BG" sz="2400" dirty="0" smtClean="0"/>
+              <a:t>срок на годност по данни от 2023 </a:t>
+            </a:r>
+            <a:r>
+              <a:rPr lang="bg-BG" sz="2400" dirty="0" smtClean="0"/>
+              <a:t>година</a:t>
+            </a:r>
+            <a:endParaRPr lang="en-US" sz="2400" dirty="0" smtClean="0"/>
+          </a:p>
+          <a:p>
+            <a:pPr algn="ctr">
+              <a:buFont typeface="Wingdings" panose="05000000000000000000" pitchFamily="2" charset="2"/>
+              <a:buChar char="§"/>
+            </a:pPr>
+            <a:r>
+              <a:rPr lang="bg-BG" sz="2400" dirty="0" smtClean="0"/>
+              <a:t>Замърсяване </a:t>
+            </a:r>
+            <a:r>
+              <a:rPr lang="bg-BG" sz="2400" dirty="0" smtClean="0"/>
+              <a:t>на околната </a:t>
+            </a:r>
+            <a:r>
+              <a:rPr lang="bg-BG" sz="2400" dirty="0" smtClean="0"/>
+              <a:t>среда</a:t>
+            </a:r>
+            <a:endParaRPr lang="en-US" sz="2400" dirty="0" smtClean="0"/>
+          </a:p>
+          <a:p>
+            <a:pPr algn="ctr">
+              <a:buFont typeface="Wingdings" panose="05000000000000000000" pitchFamily="2" charset="2"/>
+              <a:buChar char="§"/>
+            </a:pPr>
+            <a:r>
+              <a:rPr lang="ru-RU" sz="2400" dirty="0" smtClean="0"/>
+              <a:t>Болниците </a:t>
+            </a:r>
+            <a:r>
+              <a:rPr lang="ru-RU" sz="2400" dirty="0"/>
+              <a:t>харчат средства, които могат да бъдат </a:t>
+            </a:r>
+            <a:r>
+              <a:rPr lang="ru-RU" sz="2400" dirty="0" smtClean="0"/>
+              <a:t>спестени</a:t>
+            </a:r>
+            <a:endParaRPr lang="en-US" sz="2400" dirty="0" smtClean="0"/>
+          </a:p>
+          <a:p>
+            <a:pPr marL="0" indent="0" algn="ctr">
+              <a:buNone/>
+            </a:pPr>
+            <a:r>
+              <a:rPr lang="ru-RU" sz="2400" dirty="0"/>
+              <a:t/>
+            </a:r>
+            <a:br>
+              <a:rPr lang="ru-RU" sz="2400" dirty="0"/>
+            </a:br>
+            <a:endParaRPr lang="en-US" sz="2400" dirty="0"/>
+          </a:p>
+        </p:txBody>
+      </p:sp>
     </p:spTree>
     <p:extLst>
       <p:ext uri="{BB962C8B-B14F-4D97-AF65-F5344CB8AC3E}">
@@ -6024,12 +7760,410 @@
   <p:clrMapOvr>
     <a:masterClrMapping/>
   </p:clrMapOvr>
+  <mc:AlternateContent xmlns:mc="http://schemas.openxmlformats.org/markup-compatibility/2006">
+    <mc:Choice xmlns:p14="http://schemas.microsoft.com/office/powerpoint/2010/main" Requires="p14">
+      <p:transition spd="slow" p14:dur="1250">
+        <p14:switch dir="r"/>
+      </p:transition>
+    </mc:Choice>
+    <mc:Fallback>
+      <p:transition spd="slow">
+        <p:fade/>
+      </p:transition>
+    </mc:Fallback>
+  </mc:AlternateContent>
   <p:timing>
     <p:tnLst>
       <p:par>
-        <p:cTn id="1" dur="indefinite" restart="never" nodeType="tmRoot"/>
+        <p:cTn id="1" dur="indefinite" restart="never" nodeType="tmRoot">
+          <p:childTnLst>
+            <p:seq concurrent="1" nextAc="seek">
+              <p:cTn id="2" dur="indefinite" nodeType="mainSeq">
+                <p:childTnLst>
+                  <p:par>
+                    <p:cTn id="3" fill="hold">
+                      <p:stCondLst>
+                        <p:cond delay="indefinite"/>
+                      </p:stCondLst>
+                      <p:childTnLst>
+                        <p:par>
+                          <p:cTn id="4" fill="hold">
+                            <p:stCondLst>
+                              <p:cond delay="0"/>
+                            </p:stCondLst>
+                            <p:childTnLst>
+                              <p:par>
+                                <p:cTn id="5" presetID="6" presetClass="entr" presetSubtype="32" fill="hold" nodeType="clickEffect">
+                                  <p:stCondLst>
+                                    <p:cond delay="0"/>
+                                  </p:stCondLst>
+                                  <p:childTnLst>
+                                    <p:set>
+                                      <p:cBhvr>
+                                        <p:cTn id="6" dur="1" fill="hold">
+                                          <p:stCondLst>
+                                            <p:cond delay="0"/>
+                                          </p:stCondLst>
+                                        </p:cTn>
+                                        <p:tgtEl>
+                                          <p:spTgt spid="9"/>
+                                        </p:tgtEl>
+                                        <p:attrNameLst>
+                                          <p:attrName>style.visibility</p:attrName>
+                                        </p:attrNameLst>
+                                      </p:cBhvr>
+                                      <p:to>
+                                        <p:strVal val="visible"/>
+                                      </p:to>
+                                    </p:set>
+                                    <p:animEffect transition="in" filter="circle(out)">
+                                      <p:cBhvr>
+                                        <p:cTn id="7" dur="2000"/>
+                                        <p:tgtEl>
+                                          <p:spTgt spid="9"/>
+                                        </p:tgtEl>
+                                      </p:cBhvr>
+                                    </p:animEffect>
+                                  </p:childTnLst>
+                                </p:cTn>
+                              </p:par>
+                              <p:par>
+                                <p:cTn id="8" presetID="42" presetClass="entr" presetSubtype="0" fill="hold" nodeType="withEffect">
+                                  <p:stCondLst>
+                                    <p:cond delay="500"/>
+                                  </p:stCondLst>
+                                  <p:childTnLst>
+                                    <p:set>
+                                      <p:cBhvr>
+                                        <p:cTn id="9" dur="1" fill="hold">
+                                          <p:stCondLst>
+                                            <p:cond delay="0"/>
+                                          </p:stCondLst>
+                                        </p:cTn>
+                                        <p:tgtEl>
+                                          <p:spTgt spid="8"/>
+                                        </p:tgtEl>
+                                        <p:attrNameLst>
+                                          <p:attrName>style.visibility</p:attrName>
+                                        </p:attrNameLst>
+                                      </p:cBhvr>
+                                      <p:to>
+                                        <p:strVal val="visible"/>
+                                      </p:to>
+                                    </p:set>
+                                    <p:animEffect transition="in" filter="fade">
+                                      <p:cBhvr>
+                                        <p:cTn id="10" dur="1000"/>
+                                        <p:tgtEl>
+                                          <p:spTgt spid="8"/>
+                                        </p:tgtEl>
+                                      </p:cBhvr>
+                                    </p:animEffect>
+                                    <p:anim calcmode="lin" valueType="num">
+                                      <p:cBhvr>
+                                        <p:cTn id="11" dur="1000" fill="hold"/>
+                                        <p:tgtEl>
+                                          <p:spTgt spid="8"/>
+                                        </p:tgtEl>
+                                        <p:attrNameLst>
+                                          <p:attrName>ppt_x</p:attrName>
+                                        </p:attrNameLst>
+                                      </p:cBhvr>
+                                      <p:tavLst>
+                                        <p:tav tm="0">
+                                          <p:val>
+                                            <p:strVal val="#ppt_x"/>
+                                          </p:val>
+                                        </p:tav>
+                                        <p:tav tm="100000">
+                                          <p:val>
+                                            <p:strVal val="#ppt_x"/>
+                                          </p:val>
+                                        </p:tav>
+                                      </p:tavLst>
+                                    </p:anim>
+                                    <p:anim calcmode="lin" valueType="num">
+                                      <p:cBhvr>
+                                        <p:cTn id="12" dur="1000" fill="hold"/>
+                                        <p:tgtEl>
+                                          <p:spTgt spid="8"/>
+                                        </p:tgtEl>
+                                        <p:attrNameLst>
+                                          <p:attrName>ppt_y</p:attrName>
+                                        </p:attrNameLst>
+                                      </p:cBhvr>
+                                      <p:tavLst>
+                                        <p:tav tm="0">
+                                          <p:val>
+                                            <p:strVal val="#ppt_y+.1"/>
+                                          </p:val>
+                                        </p:tav>
+                                        <p:tav tm="100000">
+                                          <p:val>
+                                            <p:strVal val="#ppt_y"/>
+                                          </p:val>
+                                        </p:tav>
+                                      </p:tavLst>
+                                    </p:anim>
+                                  </p:childTnLst>
+                                </p:cTn>
+                              </p:par>
+                              <p:par>
+                                <p:cTn id="13" presetID="10" presetClass="entr" presetSubtype="0" fill="hold" grpId="0" nodeType="withEffect">
+                                  <p:stCondLst>
+                                    <p:cond delay="500"/>
+                                  </p:stCondLst>
+                                  <p:childTnLst>
+                                    <p:set>
+                                      <p:cBhvr>
+                                        <p:cTn id="14" dur="1" fill="hold">
+                                          <p:stCondLst>
+                                            <p:cond delay="0"/>
+                                          </p:stCondLst>
+                                        </p:cTn>
+                                        <p:tgtEl>
+                                          <p:spTgt spid="7">
+                                            <p:txEl>
+                                              <p:pRg st="0" end="0"/>
+                                            </p:txEl>
+                                          </p:spTgt>
+                                        </p:tgtEl>
+                                        <p:attrNameLst>
+                                          <p:attrName>style.visibility</p:attrName>
+                                        </p:attrNameLst>
+                                      </p:cBhvr>
+                                      <p:to>
+                                        <p:strVal val="visible"/>
+                                      </p:to>
+                                    </p:set>
+                                    <p:animEffect transition="in" filter="fade">
+                                      <p:cBhvr>
+                                        <p:cTn id="15" dur="500"/>
+                                        <p:tgtEl>
+                                          <p:spTgt spid="7">
+                                            <p:txEl>
+                                              <p:pRg st="0" end="0"/>
+                                            </p:txEl>
+                                          </p:spTgt>
+                                        </p:tgtEl>
+                                      </p:cBhvr>
+                                    </p:animEffect>
+                                  </p:childTnLst>
+                                </p:cTn>
+                              </p:par>
+                            </p:childTnLst>
+                          </p:cTn>
+                        </p:par>
+                      </p:childTnLst>
+                    </p:cTn>
+                  </p:par>
+                  <p:par>
+                    <p:cTn id="16" fill="hold">
+                      <p:stCondLst>
+                        <p:cond delay="indefinite"/>
+                      </p:stCondLst>
+                      <p:childTnLst>
+                        <p:par>
+                          <p:cTn id="17" fill="hold">
+                            <p:stCondLst>
+                              <p:cond delay="0"/>
+                            </p:stCondLst>
+                            <p:childTnLst>
+                              <p:par>
+                                <p:cTn id="18" presetID="10" presetClass="entr" presetSubtype="0" fill="hold" grpId="0" nodeType="clickEffect">
+                                  <p:stCondLst>
+                                    <p:cond delay="500"/>
+                                  </p:stCondLst>
+                                  <p:childTnLst>
+                                    <p:set>
+                                      <p:cBhvr>
+                                        <p:cTn id="19" dur="1" fill="hold">
+                                          <p:stCondLst>
+                                            <p:cond delay="0"/>
+                                          </p:stCondLst>
+                                        </p:cTn>
+                                        <p:tgtEl>
+                                          <p:spTgt spid="7">
+                                            <p:txEl>
+                                              <p:pRg st="1" end="1"/>
+                                            </p:txEl>
+                                          </p:spTgt>
+                                        </p:tgtEl>
+                                        <p:attrNameLst>
+                                          <p:attrName>style.visibility</p:attrName>
+                                        </p:attrNameLst>
+                                      </p:cBhvr>
+                                      <p:to>
+                                        <p:strVal val="visible"/>
+                                      </p:to>
+                                    </p:set>
+                                    <p:animEffect transition="in" filter="fade">
+                                      <p:cBhvr>
+                                        <p:cTn id="20" dur="500"/>
+                                        <p:tgtEl>
+                                          <p:spTgt spid="7">
+                                            <p:txEl>
+                                              <p:pRg st="1" end="1"/>
+                                            </p:txEl>
+                                          </p:spTgt>
+                                        </p:tgtEl>
+                                      </p:cBhvr>
+                                    </p:animEffect>
+                                  </p:childTnLst>
+                                </p:cTn>
+                              </p:par>
+                            </p:childTnLst>
+                          </p:cTn>
+                        </p:par>
+                      </p:childTnLst>
+                    </p:cTn>
+                  </p:par>
+                  <p:par>
+                    <p:cTn id="21" fill="hold">
+                      <p:stCondLst>
+                        <p:cond delay="indefinite"/>
+                      </p:stCondLst>
+                      <p:childTnLst>
+                        <p:par>
+                          <p:cTn id="22" fill="hold">
+                            <p:stCondLst>
+                              <p:cond delay="0"/>
+                            </p:stCondLst>
+                            <p:childTnLst>
+                              <p:par>
+                                <p:cTn id="23" presetID="10" presetClass="entr" presetSubtype="0" fill="hold" grpId="0" nodeType="clickEffect">
+                                  <p:stCondLst>
+                                    <p:cond delay="500"/>
+                                  </p:stCondLst>
+                                  <p:childTnLst>
+                                    <p:set>
+                                      <p:cBhvr>
+                                        <p:cTn id="24" dur="1" fill="hold">
+                                          <p:stCondLst>
+                                            <p:cond delay="0"/>
+                                          </p:stCondLst>
+                                        </p:cTn>
+                                        <p:tgtEl>
+                                          <p:spTgt spid="7">
+                                            <p:txEl>
+                                              <p:pRg st="2" end="2"/>
+                                            </p:txEl>
+                                          </p:spTgt>
+                                        </p:tgtEl>
+                                        <p:attrNameLst>
+                                          <p:attrName>style.visibility</p:attrName>
+                                        </p:attrNameLst>
+                                      </p:cBhvr>
+                                      <p:to>
+                                        <p:strVal val="visible"/>
+                                      </p:to>
+                                    </p:set>
+                                    <p:animEffect transition="in" filter="fade">
+                                      <p:cBhvr>
+                                        <p:cTn id="25" dur="500"/>
+                                        <p:tgtEl>
+                                          <p:spTgt spid="7">
+                                            <p:txEl>
+                                              <p:pRg st="2" end="2"/>
+                                            </p:txEl>
+                                          </p:spTgt>
+                                        </p:tgtEl>
+                                      </p:cBhvr>
+                                    </p:animEffect>
+                                  </p:childTnLst>
+                                </p:cTn>
+                              </p:par>
+                            </p:childTnLst>
+                          </p:cTn>
+                        </p:par>
+                      </p:childTnLst>
+                    </p:cTn>
+                  </p:par>
+                  <p:par>
+                    <p:cTn id="26" fill="hold">
+                      <p:stCondLst>
+                        <p:cond delay="indefinite"/>
+                      </p:stCondLst>
+                      <p:childTnLst>
+                        <p:par>
+                          <p:cTn id="27" fill="hold">
+                            <p:stCondLst>
+                              <p:cond delay="0"/>
+                            </p:stCondLst>
+                            <p:childTnLst>
+                              <p:par>
+                                <p:cTn id="28" presetID="10" presetClass="entr" presetSubtype="0" fill="hold" grpId="0" nodeType="clickEffect">
+                                  <p:stCondLst>
+                                    <p:cond delay="500"/>
+                                  </p:stCondLst>
+                                  <p:childTnLst>
+                                    <p:set>
+                                      <p:cBhvr>
+                                        <p:cTn id="29" dur="1" fill="hold">
+                                          <p:stCondLst>
+                                            <p:cond delay="0"/>
+                                          </p:stCondLst>
+                                        </p:cTn>
+                                        <p:tgtEl>
+                                          <p:spTgt spid="7">
+                                            <p:txEl>
+                                              <p:pRg st="3" end="3"/>
+                                            </p:txEl>
+                                          </p:spTgt>
+                                        </p:tgtEl>
+                                        <p:attrNameLst>
+                                          <p:attrName>style.visibility</p:attrName>
+                                        </p:attrNameLst>
+                                      </p:cBhvr>
+                                      <p:to>
+                                        <p:strVal val="visible"/>
+                                      </p:to>
+                                    </p:set>
+                                    <p:animEffect transition="in" filter="fade">
+                                      <p:cBhvr>
+                                        <p:cTn id="30" dur="500"/>
+                                        <p:tgtEl>
+                                          <p:spTgt spid="7">
+                                            <p:txEl>
+                                              <p:pRg st="3" end="3"/>
+                                            </p:txEl>
+                                          </p:spTgt>
+                                        </p:tgtEl>
+                                      </p:cBhvr>
+                                    </p:animEffect>
+                                  </p:childTnLst>
+                                </p:cTn>
+                              </p:par>
+                            </p:childTnLst>
+                          </p:cTn>
+                        </p:par>
+                      </p:childTnLst>
+                    </p:cTn>
+                  </p:par>
+                </p:childTnLst>
+              </p:cTn>
+              <p:prevCondLst>
+                <p:cond evt="onPrev" delay="0">
+                  <p:tgtEl>
+                    <p:sldTgt/>
+                  </p:tgtEl>
+                </p:cond>
+              </p:prevCondLst>
+              <p:nextCondLst>
+                <p:cond evt="onNext" delay="0">
+                  <p:tgtEl>
+                    <p:sldTgt/>
+                  </p:tgtEl>
+                </p:cond>
+              </p:nextCondLst>
+            </p:seq>
+          </p:childTnLst>
+        </p:cTn>
       </p:par>
     </p:tnLst>
+    <p:bldLst>
+      <p:bldP spid="7" grpId="0" uiExpand="1" build="p"/>
+    </p:bldLst>
   </p:timing>
 </p:sld>
 </file>
@@ -6063,8 +8197,8 @@
         </p:nvSpPr>
         <p:spPr>
           <a:xfrm>
-            <a:off x="934915" y="2765425"/>
-            <a:ext cx="10515600" cy="1325563"/>
+            <a:off x="685800" y="1847686"/>
+            <a:ext cx="10820400" cy="2802467"/>
           </a:xfrm>
         </p:spPr>
         <p:txBody>
@@ -6092,6 +8226,18 @@
   <p:clrMapOvr>
     <a:masterClrMapping/>
   </p:clrMapOvr>
+  <mc:AlternateContent xmlns:mc="http://schemas.openxmlformats.org/markup-compatibility/2006">
+    <mc:Choice xmlns:p15="http://schemas.microsoft.com/office/powerpoint/2012/main" Requires="p15">
+      <p:transition xmlns:p14="http://schemas.microsoft.com/office/powerpoint/2010/main" spd="slow" p14:dur="1500">
+        <p15:prstTrans prst="fallOver"/>
+      </p:transition>
+    </mc:Choice>
+    <mc:Fallback>
+      <p:transition spd="slow">
+        <p:fade/>
+      </p:transition>
+    </mc:Fallback>
+  </mc:AlternateContent>
   <p:timing>
     <p:tnLst>
       <p:par>
@@ -6190,6 +8336,16 @@
   <p:clrMapOvr>
     <a:masterClrMapping/>
   </p:clrMapOvr>
+  <p:transition spd="slow">
+    <p:wipe/>
+  </p:transition>
+  <p:timing>
+    <p:tnLst>
+      <p:par>
+        <p:cTn id="1" dur="indefinite" restart="never" nodeType="tmRoot"/>
+      </p:par>
+    </p:tnLst>
+  </p:timing>
 </p:sld>
 </file>
 
@@ -6311,6 +8467,25 @@
   <p:clrMapOvr>
     <a:masterClrMapping/>
   </p:clrMapOvr>
+  <mc:AlternateContent xmlns:mc="http://schemas.openxmlformats.org/markup-compatibility/2006">
+    <mc:Choice xmlns:p14="http://schemas.microsoft.com/office/powerpoint/2010/main" Requires="p14">
+      <p:transition spd="slow" p14:dur="3400">
+        <p14:reveal/>
+      </p:transition>
+    </mc:Choice>
+    <mc:Fallback>
+      <p:transition spd="slow">
+        <p:fade/>
+      </p:transition>
+    </mc:Fallback>
+  </mc:AlternateContent>
+  <p:timing>
+    <p:tnLst>
+      <p:par>
+        <p:cTn id="1" dur="indefinite" restart="never" nodeType="tmRoot"/>
+      </p:par>
+    </p:tnLst>
+  </p:timing>
 </p:sld>
 </file>
 
@@ -6343,8 +8518,8 @@
         </p:nvSpPr>
         <p:spPr>
           <a:xfrm>
-            <a:off x="943707" y="2844555"/>
-            <a:ext cx="10515600" cy="1325563"/>
+            <a:off x="685800" y="1761716"/>
+            <a:ext cx="10820400" cy="2802467"/>
           </a:xfrm>
         </p:spPr>
         <p:txBody>
@@ -6356,7 +8531,15 @@
             <a:pPr algn="ctr"/>
             <a:r>
               <a:rPr lang="en-US" sz="6000" b="1" dirty="0" smtClean="0"/>
-              <a:t>AND THE BEST OF ALL</a:t>
+              <a:t>AND THE BEST OF </a:t>
+            </a:r>
+            <a:r>
+              <a:rPr lang="en-US" sz="6000" b="1" dirty="0" smtClean="0"/>
+              <a:t>ALL</a:t>
+            </a:r>
+            <a:r>
+              <a:rPr lang="en-US" sz="6000" b="1" dirty="0" smtClean="0"/>
+              <a:t>…</a:t>
             </a:r>
             <a:endParaRPr lang="en-US" sz="6000" b="1" dirty="0"/>
           </a:p>
@@ -6372,6 +8555,25 @@
   <p:clrMapOvr>
     <a:masterClrMapping/>
   </p:clrMapOvr>
+  <mc:AlternateContent xmlns:mc="http://schemas.openxmlformats.org/markup-compatibility/2006">
+    <mc:Choice xmlns:p14="http://schemas.microsoft.com/office/powerpoint/2010/main" Requires="p14">
+      <p:transition spd="med" p14:dur="700">
+        <p:fade/>
+      </p:transition>
+    </mc:Choice>
+    <mc:Fallback>
+      <p:transition spd="med">
+        <p:fade/>
+      </p:transition>
+    </mc:Fallback>
+  </mc:AlternateContent>
+  <p:timing>
+    <p:tnLst>
+      <p:par>
+        <p:cTn id="1" dur="indefinite" restart="never" nodeType="tmRoot"/>
+      </p:par>
+    </p:tnLst>
+  </p:timing>
 </p:sld>
 </file>
 
@@ -6464,6 +8666,147 @@
   <p:clrMapOvr>
     <a:masterClrMapping/>
   </p:clrMapOvr>
+  <mc:AlternateContent xmlns:mc="http://schemas.openxmlformats.org/markup-compatibility/2006">
+    <mc:Choice xmlns:p14="http://schemas.microsoft.com/office/powerpoint/2010/main" Requires="p14">
+      <p:transition spd="med" p14:dur="700">
+        <p:fade/>
+      </p:transition>
+    </mc:Choice>
+    <mc:Fallback>
+      <p:transition spd="med">
+        <p:fade/>
+      </p:transition>
+    </mc:Fallback>
+  </mc:AlternateContent>
+  <p:timing>
+    <p:tnLst>
+      <p:par>
+        <p:cTn id="1" dur="indefinite" restart="never" nodeType="tmRoot">
+          <p:childTnLst>
+            <p:seq concurrent="1" nextAc="seek">
+              <p:cTn id="2" dur="indefinite" nodeType="mainSeq">
+                <p:childTnLst>
+                  <p:par>
+                    <p:cTn id="3" fill="hold">
+                      <p:stCondLst>
+                        <p:cond delay="indefinite"/>
+                      </p:stCondLst>
+                      <p:childTnLst>
+                        <p:par>
+                          <p:cTn id="4" fill="hold">
+                            <p:stCondLst>
+                              <p:cond delay="0"/>
+                            </p:stCondLst>
+                            <p:childTnLst>
+                              <p:par>
+                                <p:cTn id="5" presetID="22" presetClass="entr" presetSubtype="8" fill="hold" grpId="0" nodeType="clickEffect">
+                                  <p:stCondLst>
+                                    <p:cond delay="0"/>
+                                  </p:stCondLst>
+                                  <p:childTnLst>
+                                    <p:set>
+                                      <p:cBhvr>
+                                        <p:cTn id="6" dur="1" fill="hold">
+                                          <p:stCondLst>
+                                            <p:cond delay="0"/>
+                                          </p:stCondLst>
+                                        </p:cTn>
+                                        <p:tgtEl>
+                                          <p:spTgt spid="3">
+                                            <p:txEl>
+                                              <p:pRg st="0" end="0"/>
+                                            </p:txEl>
+                                          </p:spTgt>
+                                        </p:tgtEl>
+                                        <p:attrNameLst>
+                                          <p:attrName>style.visibility</p:attrName>
+                                        </p:attrNameLst>
+                                      </p:cBhvr>
+                                      <p:to>
+                                        <p:strVal val="visible"/>
+                                      </p:to>
+                                    </p:set>
+                                    <p:animEffect transition="in" filter="wipe(left)">
+                                      <p:cBhvr>
+                                        <p:cTn id="7" dur="1250"/>
+                                        <p:tgtEl>
+                                          <p:spTgt spid="3">
+                                            <p:txEl>
+                                              <p:pRg st="0" end="0"/>
+                                            </p:txEl>
+                                          </p:spTgt>
+                                        </p:tgtEl>
+                                      </p:cBhvr>
+                                    </p:animEffect>
+                                  </p:childTnLst>
+                                </p:cTn>
+                              </p:par>
+                              <p:par>
+                                <p:cTn id="8" presetID="6" presetClass="entr" presetSubtype="32" fill="hold" nodeType="withEffect">
+                                  <p:stCondLst>
+                                    <p:cond delay="500"/>
+                                  </p:stCondLst>
+                                  <p:childTnLst>
+                                    <p:set>
+                                      <p:cBhvr>
+                                        <p:cTn id="9" dur="1" fill="hold">
+                                          <p:stCondLst>
+                                            <p:cond delay="0"/>
+                                          </p:stCondLst>
+                                        </p:cTn>
+                                        <p:tgtEl>
+                                          <p:spTgt spid="4"/>
+                                        </p:tgtEl>
+                                        <p:attrNameLst>
+                                          <p:attrName>style.visibility</p:attrName>
+                                        </p:attrNameLst>
+                                      </p:cBhvr>
+                                      <p:to>
+                                        <p:strVal val="visible"/>
+                                      </p:to>
+                                    </p:set>
+                                    <p:animEffect transition="in" filter="circle(out)">
+                                      <p:cBhvr>
+                                        <p:cTn id="10" dur="2000"/>
+                                        <p:tgtEl>
+                                          <p:spTgt spid="4"/>
+                                        </p:tgtEl>
+                                      </p:cBhvr>
+                                    </p:animEffect>
+                                  </p:childTnLst>
+                                </p:cTn>
+                              </p:par>
+                            </p:childTnLst>
+                          </p:cTn>
+                        </p:par>
+                      </p:childTnLst>
+                    </p:cTn>
+                  </p:par>
+                </p:childTnLst>
+              </p:cTn>
+              <p:prevCondLst>
+                <p:cond evt="onPrev" delay="0">
+                  <p:tgtEl>
+                    <p:sldTgt/>
+                  </p:tgtEl>
+                </p:cond>
+              </p:prevCondLst>
+              <p:nextCondLst>
+                <p:cond evt="onNext" delay="0">
+                  <p:tgtEl>
+                    <p:sldTgt/>
+                  </p:tgtEl>
+                </p:cond>
+              </p:nextCondLst>
+            </p:seq>
+          </p:childTnLst>
+        </p:cTn>
+      </p:par>
+    </p:tnLst>
+    <p:bldLst>
+      <p:bldP spid="3" grpId="0" build="p"/>
+    </p:bldLst>
+  </p:timing>
 </p:sld>
 </file>
 
@@ -6496,8 +8839,8 @@
         </p:nvSpPr>
         <p:spPr>
           <a:xfrm>
-            <a:off x="794237" y="3090740"/>
-            <a:ext cx="10767646" cy="1325563"/>
+            <a:off x="685800" y="1988363"/>
+            <a:ext cx="10820400" cy="2802467"/>
           </a:xfrm>
         </p:spPr>
         <p:txBody>
@@ -6529,6 +8872,25 @@
   <p:clrMapOvr>
     <a:masterClrMapping/>
   </p:clrMapOvr>
+  <mc:AlternateContent xmlns:mc="http://schemas.openxmlformats.org/markup-compatibility/2006">
+    <mc:Choice xmlns:p15="http://schemas.microsoft.com/office/powerpoint/2012/main" Requires="p15">
+      <p:transition xmlns:p14="http://schemas.microsoft.com/office/powerpoint/2010/main" spd="slow" p14:dur="2000">
+        <p15:prstTrans prst="drape"/>
+      </p:transition>
+    </mc:Choice>
+    <mc:Fallback>
+      <p:transition spd="slow">
+        <p:fade/>
+      </p:transition>
+    </mc:Fallback>
+  </mc:AlternateContent>
+  <p:timing>
+    <p:tnLst>
+      <p:par>
+        <p:cTn id="1" dur="indefinite" restart="never" nodeType="tmRoot"/>
+      </p:par>
+    </p:tnLst>
+  </p:timing>
 </p:sld>
 </file>
 
@@ -6566,7 +8928,7 @@
           </a:xfrm>
         </p:spPr>
         <p:txBody>
-          <a:bodyPr>
+          <a:bodyPr anchor="ctr">
             <a:normAutofit/>
           </a:bodyPr>
           <a:lstStyle/>
@@ -6577,8 +8939,17 @@
             </a:pPr>
             <a:r>
               <a:rPr lang="bg-BG" sz="2400" dirty="0" smtClean="0"/>
-              <a:t>Спестяване на милиони левове за болниците</a:t>
-            </a:r>
+              <a:t>Спестява </a:t>
+            </a:r>
+            <a:r>
+              <a:rPr lang="bg-BG" sz="2400" dirty="0" smtClean="0"/>
+              <a:t>милиони левове за </a:t>
+            </a:r>
+            <a:r>
+              <a:rPr lang="bg-BG" sz="2400" dirty="0" smtClean="0"/>
+              <a:t>болниците!!!</a:t>
+            </a:r>
+            <a:endParaRPr lang="bg-BG" sz="2400" dirty="0" smtClean="0"/>
           </a:p>
           <a:p>
             <a:pPr algn="ctr">
@@ -6587,8 +8958,17 @@
             </a:pPr>
             <a:r>
               <a:rPr lang="bg-BG" sz="2400" dirty="0" smtClean="0"/>
-              <a:t>Ненужно изхвърляне на лекарства</a:t>
-            </a:r>
+              <a:t>Без повече </a:t>
+            </a:r>
+            <a:r>
+              <a:rPr lang="bg-BG" sz="2400" dirty="0" smtClean="0"/>
+              <a:t>изхвърляне на </a:t>
+            </a:r>
+            <a:r>
+              <a:rPr lang="bg-BG" sz="2400" dirty="0" smtClean="0"/>
+              <a:t>лекарства!!</a:t>
+            </a:r>
+            <a:endParaRPr lang="bg-BG" sz="2400" dirty="0" smtClean="0"/>
           </a:p>
           <a:p>
             <a:pPr algn="ctr">
@@ -6597,8 +8977,17 @@
             </a:pPr>
             <a:r>
               <a:rPr lang="bg-BG" sz="2400" dirty="0" smtClean="0"/>
-              <a:t>Опазване на околната среда</a:t>
-            </a:r>
+              <a:t>Опазва </a:t>
+            </a:r>
+            <a:r>
+              <a:rPr lang="bg-BG" sz="2400" dirty="0" smtClean="0"/>
+              <a:t>на околната </a:t>
+            </a:r>
+            <a:r>
+              <a:rPr lang="bg-BG" sz="2400" dirty="0" smtClean="0"/>
+              <a:t>среда!</a:t>
+            </a:r>
+            <a:endParaRPr lang="bg-BG" sz="2400" dirty="0" smtClean="0"/>
           </a:p>
         </p:txBody>
       </p:sp>
@@ -6672,6 +9061,332 @@
   <p:clrMapOvr>
     <a:masterClrMapping/>
   </p:clrMapOvr>
+  <mc:AlternateContent xmlns:mc="http://schemas.openxmlformats.org/markup-compatibility/2006">
+    <mc:Choice xmlns:p14="http://schemas.microsoft.com/office/powerpoint/2010/main" Requires="p14">
+      <p:transition spd="slow" p14:dur="1500">
+        <p:split orient="vert"/>
+      </p:transition>
+    </mc:Choice>
+    <mc:Fallback>
+      <p:transition spd="slow">
+        <p:split orient="vert"/>
+      </p:transition>
+    </mc:Fallback>
+  </mc:AlternateContent>
+  <p:timing>
+    <p:tnLst>
+      <p:par>
+        <p:cTn id="1" dur="indefinite" restart="never" nodeType="tmRoot">
+          <p:childTnLst>
+            <p:seq concurrent="1" nextAc="seek">
+              <p:cTn id="2" dur="indefinite" nodeType="mainSeq">
+                <p:childTnLst>
+                  <p:par>
+                    <p:cTn id="3" fill="hold">
+                      <p:stCondLst>
+                        <p:cond delay="indefinite"/>
+                      </p:stCondLst>
+                      <p:childTnLst>
+                        <p:par>
+                          <p:cTn id="4" fill="hold">
+                            <p:stCondLst>
+                              <p:cond delay="0"/>
+                            </p:stCondLst>
+                            <p:childTnLst>
+                              <p:par>
+                                <p:cTn id="5" presetID="6" presetClass="entr" presetSubtype="32" fill="hold" nodeType="clickEffect">
+                                  <p:stCondLst>
+                                    <p:cond delay="250"/>
+                                  </p:stCondLst>
+                                  <p:childTnLst>
+                                    <p:set>
+                                      <p:cBhvr>
+                                        <p:cTn id="6" dur="1" fill="hold">
+                                          <p:stCondLst>
+                                            <p:cond delay="0"/>
+                                          </p:stCondLst>
+                                        </p:cTn>
+                                        <p:tgtEl>
+                                          <p:spTgt spid="5"/>
+                                        </p:tgtEl>
+                                        <p:attrNameLst>
+                                          <p:attrName>style.visibility</p:attrName>
+                                        </p:attrNameLst>
+                                      </p:cBhvr>
+                                      <p:to>
+                                        <p:strVal val="visible"/>
+                                      </p:to>
+                                    </p:set>
+                                    <p:animEffect transition="in" filter="circle(out)">
+                                      <p:cBhvr>
+                                        <p:cTn id="7" dur="1000"/>
+                                        <p:tgtEl>
+                                          <p:spTgt spid="5"/>
+                                        </p:tgtEl>
+                                      </p:cBhvr>
+                                    </p:animEffect>
+                                  </p:childTnLst>
+                                </p:cTn>
+                              </p:par>
+                              <p:par>
+                                <p:cTn id="8" presetID="22" presetClass="entr" presetSubtype="8" fill="hold" grpId="0" nodeType="withEffect">
+                                  <p:stCondLst>
+                                    <p:cond delay="0"/>
+                                  </p:stCondLst>
+                                  <p:childTnLst>
+                                    <p:set>
+                                      <p:cBhvr>
+                                        <p:cTn id="9" dur="1" fill="hold">
+                                          <p:stCondLst>
+                                            <p:cond delay="0"/>
+                                          </p:stCondLst>
+                                        </p:cTn>
+                                        <p:tgtEl>
+                                          <p:spTgt spid="3">
+                                            <p:txEl>
+                                              <p:pRg st="0" end="0"/>
+                                            </p:txEl>
+                                          </p:spTgt>
+                                        </p:tgtEl>
+                                        <p:attrNameLst>
+                                          <p:attrName>style.visibility</p:attrName>
+                                        </p:attrNameLst>
+                                      </p:cBhvr>
+                                      <p:to>
+                                        <p:strVal val="visible"/>
+                                      </p:to>
+                                    </p:set>
+                                    <p:animEffect transition="in" filter="wipe(left)">
+                                      <p:cBhvr>
+                                        <p:cTn id="10" dur="1500"/>
+                                        <p:tgtEl>
+                                          <p:spTgt spid="3">
+                                            <p:txEl>
+                                              <p:pRg st="0" end="0"/>
+                                            </p:txEl>
+                                          </p:spTgt>
+                                        </p:tgtEl>
+                                      </p:cBhvr>
+                                    </p:animEffect>
+                                  </p:childTnLst>
+                                </p:cTn>
+                              </p:par>
+                            </p:childTnLst>
+                          </p:cTn>
+                        </p:par>
+                        <p:par>
+                          <p:cTn id="11" fill="hold">
+                            <p:stCondLst>
+                              <p:cond delay="1500"/>
+                            </p:stCondLst>
+                            <p:childTnLst>
+                              <p:par>
+                                <p:cTn id="12" presetID="22" presetClass="entr" presetSubtype="8" fill="hold" grpId="0" nodeType="afterEffect">
+                                  <p:stCondLst>
+                                    <p:cond delay="0"/>
+                                  </p:stCondLst>
+                                  <p:childTnLst>
+                                    <p:set>
+                                      <p:cBhvr>
+                                        <p:cTn id="13" dur="1" fill="hold">
+                                          <p:stCondLst>
+                                            <p:cond delay="0"/>
+                                          </p:stCondLst>
+                                        </p:cTn>
+                                        <p:tgtEl>
+                                          <p:spTgt spid="3">
+                                            <p:txEl>
+                                              <p:pRg st="1" end="1"/>
+                                            </p:txEl>
+                                          </p:spTgt>
+                                        </p:tgtEl>
+                                        <p:attrNameLst>
+                                          <p:attrName>style.visibility</p:attrName>
+                                        </p:attrNameLst>
+                                      </p:cBhvr>
+                                      <p:to>
+                                        <p:strVal val="visible"/>
+                                      </p:to>
+                                    </p:set>
+                                    <p:animEffect transition="in" filter="wipe(left)">
+                                      <p:cBhvr>
+                                        <p:cTn id="14" dur="1500"/>
+                                        <p:tgtEl>
+                                          <p:spTgt spid="3">
+                                            <p:txEl>
+                                              <p:pRg st="1" end="1"/>
+                                            </p:txEl>
+                                          </p:spTgt>
+                                        </p:tgtEl>
+                                      </p:cBhvr>
+                                    </p:animEffect>
+                                  </p:childTnLst>
+                                </p:cTn>
+                              </p:par>
+                            </p:childTnLst>
+                          </p:cTn>
+                        </p:par>
+                        <p:par>
+                          <p:cTn id="15" fill="hold">
+                            <p:stCondLst>
+                              <p:cond delay="3000"/>
+                            </p:stCondLst>
+                            <p:childTnLst>
+                              <p:par>
+                                <p:cTn id="16" presetID="22" presetClass="entr" presetSubtype="8" fill="hold" grpId="0" nodeType="afterEffect">
+                                  <p:stCondLst>
+                                    <p:cond delay="0"/>
+                                  </p:stCondLst>
+                                  <p:childTnLst>
+                                    <p:set>
+                                      <p:cBhvr>
+                                        <p:cTn id="17" dur="1" fill="hold">
+                                          <p:stCondLst>
+                                            <p:cond delay="0"/>
+                                          </p:stCondLst>
+                                        </p:cTn>
+                                        <p:tgtEl>
+                                          <p:spTgt spid="3">
+                                            <p:txEl>
+                                              <p:pRg st="2" end="2"/>
+                                            </p:txEl>
+                                          </p:spTgt>
+                                        </p:tgtEl>
+                                        <p:attrNameLst>
+                                          <p:attrName>style.visibility</p:attrName>
+                                        </p:attrNameLst>
+                                      </p:cBhvr>
+                                      <p:to>
+                                        <p:strVal val="visible"/>
+                                      </p:to>
+                                    </p:set>
+                                    <p:animEffect transition="in" filter="wipe(left)">
+                                      <p:cBhvr>
+                                        <p:cTn id="18" dur="1500"/>
+                                        <p:tgtEl>
+                                          <p:spTgt spid="3">
+                                            <p:txEl>
+                                              <p:pRg st="2" end="2"/>
+                                            </p:txEl>
+                                          </p:spTgt>
+                                        </p:tgtEl>
+                                      </p:cBhvr>
+                                    </p:animEffect>
+                                  </p:childTnLst>
+                                </p:cTn>
+                              </p:par>
+                              <p:par>
+                                <p:cTn id="19" presetID="42" presetClass="entr" presetSubtype="0" fill="hold" nodeType="withEffect">
+                                  <p:stCondLst>
+                                    <p:cond delay="0"/>
+                                  </p:stCondLst>
+                                  <p:childTnLst>
+                                    <p:set>
+                                      <p:cBhvr>
+                                        <p:cTn id="20" dur="1" fill="hold">
+                                          <p:stCondLst>
+                                            <p:cond delay="0"/>
+                                          </p:stCondLst>
+                                        </p:cTn>
+                                        <p:tgtEl>
+                                          <p:spTgt spid="7"/>
+                                        </p:tgtEl>
+                                        <p:attrNameLst>
+                                          <p:attrName>style.visibility</p:attrName>
+                                        </p:attrNameLst>
+                                      </p:cBhvr>
+                                      <p:to>
+                                        <p:strVal val="visible"/>
+                                      </p:to>
+                                    </p:set>
+                                    <p:animEffect transition="in" filter="fade">
+                                      <p:cBhvr>
+                                        <p:cTn id="21" dur="1000"/>
+                                        <p:tgtEl>
+                                          <p:spTgt spid="7"/>
+                                        </p:tgtEl>
+                                      </p:cBhvr>
+                                    </p:animEffect>
+                                    <p:anim calcmode="lin" valueType="num">
+                                      <p:cBhvr>
+                                        <p:cTn id="22" dur="1000" fill="hold"/>
+                                        <p:tgtEl>
+                                          <p:spTgt spid="7"/>
+                                        </p:tgtEl>
+                                        <p:attrNameLst>
+                                          <p:attrName>ppt_x</p:attrName>
+                                        </p:attrNameLst>
+                                      </p:cBhvr>
+                                      <p:tavLst>
+                                        <p:tav tm="0">
+                                          <p:val>
+                                            <p:strVal val="#ppt_x"/>
+                                          </p:val>
+                                        </p:tav>
+                                        <p:tav tm="100000">
+                                          <p:val>
+                                            <p:strVal val="#ppt_x"/>
+                                          </p:val>
+                                        </p:tav>
+                                      </p:tavLst>
+                                    </p:anim>
+                                    <p:anim calcmode="lin" valueType="num">
+                                      <p:cBhvr>
+                                        <p:cTn id="23" dur="1000" fill="hold"/>
+                                        <p:tgtEl>
+                                          <p:spTgt spid="7"/>
+                                        </p:tgtEl>
+                                        <p:attrNameLst>
+                                          <p:attrName>ppt_y</p:attrName>
+                                        </p:attrNameLst>
+                                      </p:cBhvr>
+                                      <p:tavLst>
+                                        <p:tav tm="0">
+                                          <p:val>
+                                            <p:strVal val="#ppt_y+.1"/>
+                                          </p:val>
+                                        </p:tav>
+                                        <p:tav tm="100000">
+                                          <p:val>
+                                            <p:strVal val="#ppt_y"/>
+                                          </p:val>
+                                        </p:tav>
+                                      </p:tavLst>
+                                    </p:anim>
+                                  </p:childTnLst>
+                                </p:cTn>
+                              </p:par>
+                            </p:childTnLst>
+                          </p:cTn>
+                        </p:par>
+                      </p:childTnLst>
+                    </p:cTn>
+                  </p:par>
+                </p:childTnLst>
+              </p:cTn>
+              <p:prevCondLst>
+                <p:cond evt="onPrev" delay="0">
+                  <p:tgtEl>
+                    <p:sldTgt/>
+                  </p:tgtEl>
+                </p:cond>
+              </p:prevCondLst>
+              <p:nextCondLst>
+                <p:cond evt="onNext" delay="0">
+                  <p:tgtEl>
+                    <p:sldTgt/>
+                  </p:tgtEl>
+                </p:cond>
+              </p:nextCondLst>
+            </p:seq>
+          </p:childTnLst>
+        </p:cTn>
+      </p:par>
+    </p:tnLst>
+    <p:bldLst>
+      <p:bldP spid="3" grpId="0" uiExpand="1" build="p"/>
+    </p:bldLst>
+  </p:timing>
 </p:sld>
 </file>
 

--- a/SmartMeds.pptx
+++ b/SmartMeds.pptx
@@ -8,15 +8,19 @@
     <p:sldId id="256" r:id="rId2"/>
     <p:sldId id="257" r:id="rId3"/>
     <p:sldId id="259" r:id="rId4"/>
-    <p:sldId id="265" r:id="rId5"/>
-    <p:sldId id="260" r:id="rId6"/>
-    <p:sldId id="261" r:id="rId7"/>
-    <p:sldId id="262" r:id="rId8"/>
-    <p:sldId id="263" r:id="rId9"/>
-    <p:sldId id="264" r:id="rId10"/>
-    <p:sldId id="266" r:id="rId11"/>
-    <p:sldId id="267" r:id="rId12"/>
-    <p:sldId id="268" r:id="rId13"/>
+    <p:sldId id="272" r:id="rId5"/>
+    <p:sldId id="265" r:id="rId6"/>
+    <p:sldId id="260" r:id="rId7"/>
+    <p:sldId id="270" r:id="rId8"/>
+    <p:sldId id="271" r:id="rId9"/>
+    <p:sldId id="261" r:id="rId10"/>
+    <p:sldId id="262" r:id="rId11"/>
+    <p:sldId id="269" r:id="rId12"/>
+    <p:sldId id="263" r:id="rId13"/>
+    <p:sldId id="264" r:id="rId14"/>
+    <p:sldId id="266" r:id="rId15"/>
+    <p:sldId id="267" r:id="rId16"/>
+    <p:sldId id="268" r:id="rId17"/>
   </p:sldIdLst>
   <p:sldSz cx="12192000" cy="6858000"/>
   <p:notesSz cx="6858000" cy="9144000"/>
@@ -116,6 +120,30 @@
     </a:lvl9pPr>
   </p:defaultTextStyle>
   <p:extLst>
+    <p:ext uri="{521415D9-36F7-43E2-AB2F-B90AF26B5E84}">
+      <p14:sectionLst xmlns:p14="http://schemas.microsoft.com/office/powerpoint/2010/main">
+        <p14:section name="Секция по подразбиране" id="{E21307B1-9378-4FBB-BF4C-5D4FAD52C9F7}">
+          <p14:sldIdLst>
+            <p14:sldId id="256"/>
+            <p14:sldId id="257"/>
+            <p14:sldId id="259"/>
+            <p14:sldId id="272"/>
+            <p14:sldId id="265"/>
+            <p14:sldId id="260"/>
+            <p14:sldId id="270"/>
+            <p14:sldId id="271"/>
+            <p14:sldId id="261"/>
+            <p14:sldId id="262"/>
+            <p14:sldId id="269"/>
+            <p14:sldId id="263"/>
+            <p14:sldId id="264"/>
+            <p14:sldId id="266"/>
+            <p14:sldId id="267"/>
+            <p14:sldId id="268"/>
+          </p14:sldIdLst>
+        </p14:section>
+      </p14:sectionLst>
+    </p:ext>
     <p:ext uri="{EFAFB233-063F-42B5-8137-9DF3F51BA10A}">
       <p15:sldGuideLst xmlns:p15="http://schemas.microsoft.com/office/powerpoint/2012/main"/>
     </p:ext>
@@ -197,7 +225,7 @@
           </a:lstStyle>
           <a:p>
             <a:r>
-              <a:rPr lang="en-US" smtClean="0"/>
+              <a:rPr lang="en-US"/>
               <a:t>Click to edit Master title style</a:t>
             </a:r>
             <a:endParaRPr lang="en-US" dirty="0"/>
@@ -264,7 +292,7 @@
           </a:lstStyle>
           <a:p>
             <a:r>
-              <a:rPr lang="en-US" smtClean="0"/>
+              <a:rPr lang="en-US"/>
               <a:t>Click to edit Master subtitle style</a:t>
             </a:r>
             <a:endParaRPr lang="en-US" dirty="0"/>
@@ -406,7 +434,7 @@
           </a:lstStyle>
           <a:p>
             <a:r>
-              <a:rPr lang="en-US" smtClean="0"/>
+              <a:rPr lang="en-US"/>
               <a:t>Click to edit Master title style</a:t>
             </a:r>
             <a:endParaRPr lang="en-US" dirty="0"/>
@@ -471,7 +499,7 @@
           </a:lstStyle>
           <a:p>
             <a:r>
-              <a:rPr lang="en-US" smtClean="0"/>
+              <a:rPr lang="en-US"/>
               <a:t>Click icon to add picture</a:t>
             </a:r>
             <a:endParaRPr lang="en-US" dirty="0"/>
@@ -537,7 +565,7 @@
           <a:p>
             <a:pPr lvl="0"/>
             <a:r>
-              <a:rPr lang="en-US" smtClean="0"/>
+              <a:rPr lang="en-US"/>
               <a:t>Edit Master text styles</a:t>
             </a:r>
           </a:p>
@@ -693,7 +721,7 @@
           </a:lstStyle>
           <a:p>
             <a:r>
-              <a:rPr lang="en-US" smtClean="0"/>
+              <a:rPr lang="en-US"/>
               <a:t>Click to edit Master title style</a:t>
             </a:r>
             <a:endParaRPr lang="en-US" dirty="0"/>
@@ -759,7 +787,7 @@
           <a:p>
             <a:pPr lvl="0"/>
             <a:r>
-              <a:rPr lang="en-US" smtClean="0"/>
+              <a:rPr lang="en-US"/>
               <a:t>Edit Master text styles</a:t>
             </a:r>
           </a:p>
@@ -934,7 +962,7 @@
           </a:lstStyle>
           <a:p>
             <a:r>
-              <a:rPr lang="en-US" smtClean="0"/>
+              <a:rPr lang="en-US"/>
               <a:t>Click to edit Master title style</a:t>
             </a:r>
             <a:endParaRPr lang="en-US" dirty="0"/>
@@ -1002,7 +1030,7 @@
           <a:p>
             <a:pPr lvl="0"/>
             <a:r>
-              <a:rPr lang="en-US" smtClean="0"/>
+              <a:rPr lang="en-US"/>
               <a:t>Edit Master text styles</a:t>
             </a:r>
           </a:p>
@@ -1069,7 +1097,7 @@
           <a:p>
             <a:pPr lvl="0"/>
             <a:r>
-              <a:rPr lang="en-US" smtClean="0"/>
+              <a:rPr lang="en-US"/>
               <a:t>Edit Master text styles</a:t>
             </a:r>
           </a:p>
@@ -1476,7 +1504,7 @@
           </a:lstStyle>
           <a:p>
             <a:r>
-              <a:rPr lang="en-US" smtClean="0"/>
+              <a:rPr lang="en-US"/>
               <a:t>Click to edit Master title style</a:t>
             </a:r>
             <a:endParaRPr lang="en-US" dirty="0"/>
@@ -1542,7 +1570,7 @@
           <a:p>
             <a:pPr lvl="0"/>
             <a:r>
-              <a:rPr lang="en-US" smtClean="0"/>
+              <a:rPr lang="en-US"/>
               <a:t>Edit Master text styles</a:t>
             </a:r>
           </a:p>
@@ -1683,7 +1711,7 @@
           <a:lstStyle/>
           <a:p>
             <a:r>
-              <a:rPr lang="en-US" smtClean="0"/>
+              <a:rPr lang="en-US"/>
               <a:t>Click to edit Master title style</a:t>
             </a:r>
             <a:endParaRPr lang="en-US" dirty="0"/>
@@ -1755,7 +1783,7 @@
           <a:p>
             <a:pPr lvl="0"/>
             <a:r>
-              <a:rPr lang="en-US" smtClean="0"/>
+              <a:rPr lang="en-US"/>
               <a:t>Edit Master text styles</a:t>
             </a:r>
           </a:p>
@@ -1822,7 +1850,7 @@
           <a:p>
             <a:pPr lvl="0"/>
             <a:r>
-              <a:rPr lang="en-US" smtClean="0"/>
+              <a:rPr lang="en-US"/>
               <a:t>Edit Master text styles</a:t>
             </a:r>
           </a:p>
@@ -1893,7 +1921,7 @@
           <a:p>
             <a:pPr lvl="0"/>
             <a:r>
-              <a:rPr lang="en-US" smtClean="0"/>
+              <a:rPr lang="en-US"/>
               <a:t>Edit Master text styles</a:t>
             </a:r>
           </a:p>
@@ -1960,7 +1988,7 @@
           <a:p>
             <a:pPr lvl="0"/>
             <a:r>
-              <a:rPr lang="en-US" smtClean="0"/>
+              <a:rPr lang="en-US"/>
               <a:t>Edit Master text styles</a:t>
             </a:r>
           </a:p>
@@ -2031,7 +2059,7 @@
           <a:p>
             <a:pPr lvl="0"/>
             <a:r>
-              <a:rPr lang="en-US" smtClean="0"/>
+              <a:rPr lang="en-US"/>
               <a:t>Edit Master text styles</a:t>
             </a:r>
           </a:p>
@@ -2098,7 +2126,7 @@
           <a:p>
             <a:pPr lvl="0"/>
             <a:r>
-              <a:rPr lang="en-US" smtClean="0"/>
+              <a:rPr lang="en-US"/>
               <a:t>Edit Master text styles</a:t>
             </a:r>
           </a:p>
@@ -2220,7 +2248,7 @@
           <a:lstStyle/>
           <a:p>
             <a:r>
-              <a:rPr lang="en-US" smtClean="0"/>
+              <a:rPr lang="en-US"/>
               <a:t>Click to edit Master title style</a:t>
             </a:r>
             <a:endParaRPr lang="en-US" dirty="0"/>
@@ -2292,7 +2320,7 @@
           <a:p>
             <a:pPr lvl="0"/>
             <a:r>
-              <a:rPr lang="en-US" smtClean="0"/>
+              <a:rPr lang="en-US"/>
               <a:t>Edit Master text styles</a:t>
             </a:r>
           </a:p>
@@ -2370,7 +2398,7 @@
           </a:lstStyle>
           <a:p>
             <a:r>
-              <a:rPr lang="en-US" smtClean="0"/>
+              <a:rPr lang="en-US"/>
               <a:t>Click icon to add picture</a:t>
             </a:r>
             <a:endParaRPr lang="en-US" dirty="0"/>
@@ -2438,7 +2466,7 @@
           <a:p>
             <a:pPr lvl="0"/>
             <a:r>
-              <a:rPr lang="en-US" smtClean="0"/>
+              <a:rPr lang="en-US"/>
               <a:t>Edit Master text styles</a:t>
             </a:r>
           </a:p>
@@ -2509,7 +2537,7 @@
           <a:p>
             <a:pPr lvl="0"/>
             <a:r>
-              <a:rPr lang="en-US" smtClean="0"/>
+              <a:rPr lang="en-US"/>
               <a:t>Edit Master text styles</a:t>
             </a:r>
           </a:p>
@@ -2587,7 +2615,7 @@
           </a:lstStyle>
           <a:p>
             <a:r>
-              <a:rPr lang="en-US" smtClean="0"/>
+              <a:rPr lang="en-US"/>
               <a:t>Click icon to add picture</a:t>
             </a:r>
             <a:endParaRPr lang="en-US" dirty="0"/>
@@ -2655,7 +2683,7 @@
           <a:p>
             <a:pPr lvl="0"/>
             <a:r>
-              <a:rPr lang="en-US" smtClean="0"/>
+              <a:rPr lang="en-US"/>
               <a:t>Edit Master text styles</a:t>
             </a:r>
           </a:p>
@@ -2726,7 +2754,7 @@
           <a:p>
             <a:pPr lvl="0"/>
             <a:r>
-              <a:rPr lang="en-US" smtClean="0"/>
+              <a:rPr lang="en-US"/>
               <a:t>Edit Master text styles</a:t>
             </a:r>
           </a:p>
@@ -2804,7 +2832,7 @@
           </a:lstStyle>
           <a:p>
             <a:r>
-              <a:rPr lang="en-US" smtClean="0"/>
+              <a:rPr lang="en-US"/>
               <a:t>Click icon to add picture</a:t>
             </a:r>
             <a:endParaRPr lang="en-US" dirty="0"/>
@@ -2872,7 +2900,7 @@
           <a:p>
             <a:pPr lvl="0"/>
             <a:r>
-              <a:rPr lang="en-US" smtClean="0"/>
+              <a:rPr lang="en-US"/>
               <a:t>Edit Master text styles</a:t>
             </a:r>
           </a:p>
@@ -2989,7 +3017,7 @@
           <a:lstStyle/>
           <a:p>
             <a:r>
-              <a:rPr lang="en-US" smtClean="0"/>
+              <a:rPr lang="en-US"/>
               <a:t>Click to edit Master title style</a:t>
             </a:r>
             <a:endParaRPr lang="en-US" dirty="0"/>
@@ -3018,35 +3046,35 @@
           <a:p>
             <a:pPr lvl="0"/>
             <a:r>
-              <a:rPr lang="en-US" smtClean="0"/>
+              <a:rPr lang="en-US"/>
               <a:t>Edit Master text styles</a:t>
             </a:r>
           </a:p>
           <a:p>
             <a:pPr lvl="1"/>
             <a:r>
-              <a:rPr lang="en-US" smtClean="0"/>
+              <a:rPr lang="en-US"/>
               <a:t>Second level</a:t>
             </a:r>
           </a:p>
           <a:p>
             <a:pPr lvl="2"/>
             <a:r>
-              <a:rPr lang="en-US" smtClean="0"/>
+              <a:rPr lang="en-US"/>
               <a:t>Third level</a:t>
             </a:r>
           </a:p>
           <a:p>
             <a:pPr lvl="3"/>
             <a:r>
-              <a:rPr lang="en-US" smtClean="0"/>
+              <a:rPr lang="en-US"/>
               <a:t>Fourth level</a:t>
             </a:r>
           </a:p>
           <a:p>
             <a:pPr lvl="4"/>
             <a:r>
-              <a:rPr lang="en-US" smtClean="0"/>
+              <a:rPr lang="en-US"/>
               <a:t>Fifth level</a:t>
             </a:r>
             <a:endParaRPr lang="en-US" dirty="0"/>
@@ -3203,7 +3231,7 @@
           </a:lstStyle>
           <a:p>
             <a:r>
-              <a:rPr lang="en-US" smtClean="0"/>
+              <a:rPr lang="en-US"/>
               <a:t>Click to edit Master title style</a:t>
             </a:r>
             <a:endParaRPr lang="en-US" dirty="0"/>
@@ -3232,35 +3260,35 @@
           <a:p>
             <a:pPr lvl="0"/>
             <a:r>
-              <a:rPr lang="en-US" smtClean="0"/>
+              <a:rPr lang="en-US"/>
               <a:t>Edit Master text styles</a:t>
             </a:r>
           </a:p>
           <a:p>
             <a:pPr lvl="1"/>
             <a:r>
-              <a:rPr lang="en-US" smtClean="0"/>
+              <a:rPr lang="en-US"/>
               <a:t>Second level</a:t>
             </a:r>
           </a:p>
           <a:p>
             <a:pPr lvl="2"/>
             <a:r>
-              <a:rPr lang="en-US" smtClean="0"/>
+              <a:rPr lang="en-US"/>
               <a:t>Third level</a:t>
             </a:r>
           </a:p>
           <a:p>
             <a:pPr lvl="3"/>
             <a:r>
-              <a:rPr lang="en-US" smtClean="0"/>
+              <a:rPr lang="en-US"/>
               <a:t>Fourth level</a:t>
             </a:r>
           </a:p>
           <a:p>
             <a:pPr lvl="4"/>
             <a:r>
-              <a:rPr lang="en-US" smtClean="0"/>
+              <a:rPr lang="en-US"/>
               <a:t>Fifth level</a:t>
             </a:r>
             <a:endParaRPr lang="en-US" dirty="0"/>
@@ -3397,7 +3425,7 @@
           <a:lstStyle/>
           <a:p>
             <a:r>
-              <a:rPr lang="en-US" smtClean="0"/>
+              <a:rPr lang="en-US"/>
               <a:t>Click to edit Master title style</a:t>
             </a:r>
             <a:endParaRPr lang="en-US" dirty="0"/>
@@ -3421,35 +3449,35 @@
           <a:p>
             <a:pPr lvl="0"/>
             <a:r>
-              <a:rPr lang="en-US" smtClean="0"/>
+              <a:rPr lang="en-US"/>
               <a:t>Edit Master text styles</a:t>
             </a:r>
           </a:p>
           <a:p>
             <a:pPr lvl="1"/>
             <a:r>
-              <a:rPr lang="en-US" smtClean="0"/>
+              <a:rPr lang="en-US"/>
               <a:t>Second level</a:t>
             </a:r>
           </a:p>
           <a:p>
             <a:pPr lvl="2"/>
             <a:r>
-              <a:rPr lang="en-US" smtClean="0"/>
+              <a:rPr lang="en-US"/>
               <a:t>Third level</a:t>
             </a:r>
           </a:p>
           <a:p>
             <a:pPr lvl="3"/>
             <a:r>
-              <a:rPr lang="en-US" smtClean="0"/>
+              <a:rPr lang="en-US"/>
               <a:t>Fourth level</a:t>
             </a:r>
           </a:p>
           <a:p>
             <a:pPr lvl="4"/>
             <a:r>
-              <a:rPr lang="en-US" smtClean="0"/>
+              <a:rPr lang="en-US"/>
               <a:t>Fifth level</a:t>
             </a:r>
             <a:endParaRPr lang="en-US" dirty="0"/>
@@ -3608,7 +3636,7 @@
           </a:lstStyle>
           <a:p>
             <a:r>
-              <a:rPr lang="en-US" smtClean="0"/>
+              <a:rPr lang="en-US"/>
               <a:t>Click to edit Master title style</a:t>
             </a:r>
             <a:endParaRPr lang="en-US" dirty="0"/>
@@ -3730,7 +3758,7 @@
           <a:p>
             <a:pPr lvl="0"/>
             <a:r>
-              <a:rPr lang="en-US" smtClean="0"/>
+              <a:rPr lang="en-US"/>
               <a:t>Edit Master text styles</a:t>
             </a:r>
           </a:p>
@@ -3866,7 +3894,7 @@
           <a:lstStyle/>
           <a:p>
             <a:r>
-              <a:rPr lang="en-US" smtClean="0"/>
+              <a:rPr lang="en-US"/>
               <a:t>Click to edit Master title style</a:t>
             </a:r>
             <a:endParaRPr lang="en-US" dirty="0"/>
@@ -3895,35 +3923,35 @@
           <a:p>
             <a:pPr lvl="0"/>
             <a:r>
-              <a:rPr lang="en-US" smtClean="0"/>
+              <a:rPr lang="en-US"/>
               <a:t>Edit Master text styles</a:t>
             </a:r>
           </a:p>
           <a:p>
             <a:pPr lvl="1"/>
             <a:r>
-              <a:rPr lang="en-US" smtClean="0"/>
+              <a:rPr lang="en-US"/>
               <a:t>Second level</a:t>
             </a:r>
           </a:p>
           <a:p>
             <a:pPr lvl="2"/>
             <a:r>
-              <a:rPr lang="en-US" smtClean="0"/>
+              <a:rPr lang="en-US"/>
               <a:t>Third level</a:t>
             </a:r>
           </a:p>
           <a:p>
             <a:pPr lvl="3"/>
             <a:r>
-              <a:rPr lang="en-US" smtClean="0"/>
+              <a:rPr lang="en-US"/>
               <a:t>Fourth level</a:t>
             </a:r>
           </a:p>
           <a:p>
             <a:pPr lvl="4"/>
             <a:r>
-              <a:rPr lang="en-US" smtClean="0"/>
+              <a:rPr lang="en-US"/>
               <a:t>Fifth level</a:t>
             </a:r>
             <a:endParaRPr lang="en-US" dirty="0"/>
@@ -3952,35 +3980,35 @@
           <a:p>
             <a:pPr lvl="0"/>
             <a:r>
-              <a:rPr lang="en-US" smtClean="0"/>
+              <a:rPr lang="en-US"/>
               <a:t>Edit Master text styles</a:t>
             </a:r>
           </a:p>
           <a:p>
             <a:pPr lvl="1"/>
             <a:r>
-              <a:rPr lang="en-US" smtClean="0"/>
+              <a:rPr lang="en-US"/>
               <a:t>Second level</a:t>
             </a:r>
           </a:p>
           <a:p>
             <a:pPr lvl="2"/>
             <a:r>
-              <a:rPr lang="en-US" smtClean="0"/>
+              <a:rPr lang="en-US"/>
               <a:t>Third level</a:t>
             </a:r>
           </a:p>
           <a:p>
             <a:pPr lvl="3"/>
             <a:r>
-              <a:rPr lang="en-US" smtClean="0"/>
+              <a:rPr lang="en-US"/>
               <a:t>Fourth level</a:t>
             </a:r>
           </a:p>
           <a:p>
             <a:pPr lvl="4"/>
             <a:r>
-              <a:rPr lang="en-US" smtClean="0"/>
+              <a:rPr lang="en-US"/>
               <a:t>Fifth level</a:t>
             </a:r>
             <a:endParaRPr lang="en-US" dirty="0"/>
@@ -4103,7 +4131,7 @@
           <a:lstStyle/>
           <a:p>
             <a:r>
-              <a:rPr lang="en-US" smtClean="0"/>
+              <a:rPr lang="en-US"/>
               <a:t>Click to edit Master title style</a:t>
             </a:r>
             <a:endParaRPr lang="en-US" dirty="0"/>
@@ -4175,7 +4203,7 @@
           <a:p>
             <a:pPr lvl="0"/>
             <a:r>
-              <a:rPr lang="en-US" smtClean="0"/>
+              <a:rPr lang="en-US"/>
               <a:t>Edit Master text styles</a:t>
             </a:r>
           </a:p>
@@ -4203,35 +4231,35 @@
           <a:p>
             <a:pPr lvl="0"/>
             <a:r>
-              <a:rPr lang="en-US" smtClean="0"/>
+              <a:rPr lang="en-US"/>
               <a:t>Edit Master text styles</a:t>
             </a:r>
           </a:p>
           <a:p>
             <a:pPr lvl="1"/>
             <a:r>
-              <a:rPr lang="en-US" smtClean="0"/>
+              <a:rPr lang="en-US"/>
               <a:t>Second level</a:t>
             </a:r>
           </a:p>
           <a:p>
             <a:pPr lvl="2"/>
             <a:r>
-              <a:rPr lang="en-US" smtClean="0"/>
+              <a:rPr lang="en-US"/>
               <a:t>Third level</a:t>
             </a:r>
           </a:p>
           <a:p>
             <a:pPr lvl="3"/>
             <a:r>
-              <a:rPr lang="en-US" smtClean="0"/>
+              <a:rPr lang="en-US"/>
               <a:t>Fourth level</a:t>
             </a:r>
           </a:p>
           <a:p>
             <a:pPr lvl="4"/>
             <a:r>
-              <a:rPr lang="en-US" smtClean="0"/>
+              <a:rPr lang="en-US"/>
               <a:t>Fifth level</a:t>
             </a:r>
             <a:endParaRPr lang="en-US" dirty="0"/>
@@ -4303,7 +4331,7 @@
           <a:p>
             <a:pPr lvl="0"/>
             <a:r>
-              <a:rPr lang="en-US" smtClean="0"/>
+              <a:rPr lang="en-US"/>
               <a:t>Edit Master text styles</a:t>
             </a:r>
           </a:p>
@@ -4331,35 +4359,35 @@
           <a:p>
             <a:pPr lvl="0"/>
             <a:r>
-              <a:rPr lang="en-US" smtClean="0"/>
+              <a:rPr lang="en-US"/>
               <a:t>Edit Master text styles</a:t>
             </a:r>
           </a:p>
           <a:p>
             <a:pPr lvl="1"/>
             <a:r>
-              <a:rPr lang="en-US" smtClean="0"/>
+              <a:rPr lang="en-US"/>
               <a:t>Second level</a:t>
             </a:r>
           </a:p>
           <a:p>
             <a:pPr lvl="2"/>
             <a:r>
-              <a:rPr lang="en-US" smtClean="0"/>
+              <a:rPr lang="en-US"/>
               <a:t>Third level</a:t>
             </a:r>
           </a:p>
           <a:p>
             <a:pPr lvl="3"/>
             <a:r>
-              <a:rPr lang="en-US" smtClean="0"/>
+              <a:rPr lang="en-US"/>
               <a:t>Fourth level</a:t>
             </a:r>
           </a:p>
           <a:p>
             <a:pPr lvl="4"/>
             <a:r>
-              <a:rPr lang="en-US" smtClean="0"/>
+              <a:rPr lang="en-US"/>
               <a:t>Fifth level</a:t>
             </a:r>
             <a:endParaRPr lang="en-US" dirty="0"/>
@@ -4477,7 +4505,7 @@
           <a:lstStyle/>
           <a:p>
             <a:r>
-              <a:rPr lang="en-US" smtClean="0"/>
+              <a:rPr lang="en-US"/>
               <a:t>Click to edit Master title style</a:t>
             </a:r>
             <a:endParaRPr lang="en-US" dirty="0"/>
@@ -4699,7 +4727,7 @@
           </a:lstStyle>
           <a:p>
             <a:r>
-              <a:rPr lang="en-US" smtClean="0"/>
+              <a:rPr lang="en-US"/>
               <a:t>Click to edit Master title style</a:t>
             </a:r>
             <a:endParaRPr lang="en-US" dirty="0"/>
@@ -4728,35 +4756,35 @@
           <a:p>
             <a:pPr lvl="0"/>
             <a:r>
-              <a:rPr lang="en-US" smtClean="0"/>
+              <a:rPr lang="en-US"/>
               <a:t>Edit Master text styles</a:t>
             </a:r>
           </a:p>
           <a:p>
             <a:pPr lvl="1"/>
             <a:r>
-              <a:rPr lang="en-US" smtClean="0"/>
+              <a:rPr lang="en-US"/>
               <a:t>Second level</a:t>
             </a:r>
           </a:p>
           <a:p>
             <a:pPr lvl="2"/>
             <a:r>
-              <a:rPr lang="en-US" smtClean="0"/>
+              <a:rPr lang="en-US"/>
               <a:t>Third level</a:t>
             </a:r>
           </a:p>
           <a:p>
             <a:pPr lvl="3"/>
             <a:r>
-              <a:rPr lang="en-US" smtClean="0"/>
+              <a:rPr lang="en-US"/>
               <a:t>Fourth level</a:t>
             </a:r>
           </a:p>
           <a:p>
             <a:pPr lvl="4"/>
             <a:r>
-              <a:rPr lang="en-US" smtClean="0"/>
+              <a:rPr lang="en-US"/>
               <a:t>Fifth level</a:t>
             </a:r>
             <a:endParaRPr lang="en-US" dirty="0"/>
@@ -4822,7 +4850,7 @@
           <a:p>
             <a:pPr lvl="0"/>
             <a:r>
-              <a:rPr lang="en-US" smtClean="0"/>
+              <a:rPr lang="en-US"/>
               <a:t>Edit Master text styles</a:t>
             </a:r>
           </a:p>
@@ -4948,7 +4976,7 @@
           </a:lstStyle>
           <a:p>
             <a:r>
-              <a:rPr lang="en-US" smtClean="0"/>
+              <a:rPr lang="en-US"/>
               <a:t>Click to edit Master title style</a:t>
             </a:r>
             <a:endParaRPr lang="en-US" dirty="0"/>
@@ -5013,7 +5041,7 @@
           </a:lstStyle>
           <a:p>
             <a:r>
-              <a:rPr lang="en-US" smtClean="0"/>
+              <a:rPr lang="en-US"/>
               <a:t>Click icon to add picture</a:t>
             </a:r>
             <a:endParaRPr lang="en-US" dirty="0"/>
@@ -5079,7 +5107,7 @@
           <a:p>
             <a:pPr lvl="0"/>
             <a:r>
-              <a:rPr lang="en-US" smtClean="0"/>
+              <a:rPr lang="en-US"/>
               <a:t>Edit Master text styles</a:t>
             </a:r>
           </a:p>
@@ -5241,7 +5269,7 @@
           <a:lstStyle/>
           <a:p>
             <a:r>
-              <a:rPr lang="en-US" smtClean="0"/>
+              <a:rPr lang="en-US"/>
               <a:t>Click to edit Master title style</a:t>
             </a:r>
             <a:endParaRPr lang="en-US" dirty="0"/>
@@ -5275,35 +5303,35 @@
           <a:p>
             <a:pPr lvl="0"/>
             <a:r>
-              <a:rPr lang="en-US" smtClean="0"/>
+              <a:rPr lang="en-US"/>
               <a:t>Edit Master text styles</a:t>
             </a:r>
           </a:p>
           <a:p>
             <a:pPr lvl="1"/>
             <a:r>
-              <a:rPr lang="en-US" smtClean="0"/>
+              <a:rPr lang="en-US"/>
               <a:t>Second level</a:t>
             </a:r>
           </a:p>
           <a:p>
             <a:pPr lvl="2"/>
             <a:r>
-              <a:rPr lang="en-US" smtClean="0"/>
+              <a:rPr lang="en-US"/>
               <a:t>Third level</a:t>
             </a:r>
           </a:p>
           <a:p>
             <a:pPr lvl="3"/>
             <a:r>
-              <a:rPr lang="en-US" smtClean="0"/>
+              <a:rPr lang="en-US"/>
               <a:t>Fourth level</a:t>
             </a:r>
           </a:p>
           <a:p>
             <a:pPr lvl="4"/>
             <a:r>
-              <a:rPr lang="en-US" smtClean="0"/>
+              <a:rPr lang="en-US"/>
               <a:t>Fifth level</a:t>
             </a:r>
             <a:endParaRPr lang="en-US" dirty="0"/>
@@ -5775,7 +5803,7 @@
           <a:p>
             <a:pPr algn="ctr"/>
             <a:r>
-              <a:rPr lang="en-US" sz="7200" dirty="0" err="1" smtClean="0">
+              <a:rPr lang="en-US" sz="7200" dirty="0" err="1">
                 <a:latin typeface="Britannic Bold" panose="020B0903060703020204" pitchFamily="34" charset="0"/>
               </a:rPr>
               <a:t>SmartMeds</a:t>
@@ -5805,7 +5833,7 @@
           <a:p>
             <a:pPr algn="ctr"/>
             <a:r>
-              <a:rPr lang="en-US" sz="2800" dirty="0" err="1" smtClean="0">
+              <a:rPr lang="en-US" sz="2800" dirty="0" err="1">
                 <a:latin typeface="Britannic Bold" panose="020B0903060703020204" pitchFamily="34" charset="0"/>
               </a:rPr>
               <a:t>RuntimeTerror</a:t>
@@ -6049,18 +6077,18 @@
       </p:grpSpPr>
       <p:sp>
         <p:nvSpPr>
-          <p:cNvPr id="4" name="Title 3"/>
-          <p:cNvSpPr>
-            <a:spLocks noGrp="1"/>
-          </p:cNvSpPr>
-          <p:nvPr>
-            <p:ph type="title"/>
-          </p:nvPr>
-        </p:nvSpPr>
-        <p:spPr>
-          <a:xfrm>
-            <a:off x="1024467" y="980179"/>
-            <a:ext cx="10151533" cy="2604495"/>
+          <p:cNvPr id="3" name="Content Placeholder 2"/>
+          <p:cNvSpPr>
+            <a:spLocks noGrp="1"/>
+          </p:cNvSpPr>
+          <p:nvPr>
+            <p:ph idx="1"/>
+          </p:nvPr>
+        </p:nvSpPr>
+        <p:spPr>
+          <a:xfrm>
+            <a:off x="756138" y="2523393"/>
+            <a:ext cx="10981592" cy="2517124"/>
           </a:xfrm>
         </p:spPr>
         <p:txBody>
@@ -6069,8 +6097,873 @@
           </a:bodyPr>
           <a:lstStyle/>
           <a:p>
-            <a:r>
-              <a:rPr lang="bg-BG" sz="5400" b="1" dirty="0" smtClean="0"/>
+            <a:pPr marL="0" indent="0" algn="ctr">
+              <a:buNone/>
+            </a:pPr>
+            <a:r>
+              <a:rPr lang="bg-BG" sz="2400" dirty="0"/>
+              <a:t>Системата предоставя възможност да се обявяват лекарства за продажба между болници от един регион.</a:t>
+            </a:r>
+          </a:p>
+        </p:txBody>
+      </p:sp>
+      <p:pic>
+        <p:nvPicPr>
+          <p:cNvPr id="4" name="Picture 3"/>
+          <p:cNvPicPr>
+            <a:picLocks noChangeAspect="1"/>
+          </p:cNvPicPr>
+          <p:nvPr/>
+        </p:nvPicPr>
+        <p:blipFill>
+          <a:blip r:embed="rId2">
+            <a:extLst>
+              <a:ext uri="{28A0092B-C50C-407E-A947-70E740481C1C}">
+                <a14:useLocalDpi xmlns:a14="http://schemas.microsoft.com/office/drawing/2010/main" val="0"/>
+              </a:ext>
+            </a:extLst>
+          </a:blip>
+          <a:stretch>
+            <a:fillRect/>
+          </a:stretch>
+        </p:blipFill>
+        <p:spPr>
+          <a:xfrm>
+            <a:off x="4335779" y="3751574"/>
+            <a:ext cx="4034497" cy="2577886"/>
+          </a:xfrm>
+          <a:prstGeom prst="rect">
+            <a:avLst/>
+          </a:prstGeom>
+        </p:spPr>
+      </p:pic>
+    </p:spTree>
+    <p:extLst>
+      <p:ext uri="{BB962C8B-B14F-4D97-AF65-F5344CB8AC3E}">
+        <p14:creationId xmlns:p14="http://schemas.microsoft.com/office/powerpoint/2010/main" val="2901385136"/>
+      </p:ext>
+    </p:extLst>
+  </p:cSld>
+  <p:clrMapOvr>
+    <a:masterClrMapping/>
+  </p:clrMapOvr>
+  <mc:AlternateContent xmlns:mc="http://schemas.openxmlformats.org/markup-compatibility/2006" xmlns:p14="http://schemas.microsoft.com/office/powerpoint/2010/main">
+    <mc:Choice Requires="p14">
+      <p:transition spd="med" p14:dur="700">
+        <p:fade/>
+      </p:transition>
+    </mc:Choice>
+    <mc:Fallback xmlns="">
+      <p:transition spd="med">
+        <p:fade/>
+      </p:transition>
+    </mc:Fallback>
+  </mc:AlternateContent>
+  <p:timing>
+    <p:tnLst>
+      <p:par>
+        <p:cTn id="1" dur="indefinite" restart="never" nodeType="tmRoot">
+          <p:childTnLst>
+            <p:seq concurrent="1" nextAc="seek">
+              <p:cTn id="2" dur="indefinite" nodeType="mainSeq">
+                <p:childTnLst>
+                  <p:par>
+                    <p:cTn id="3" fill="hold">
+                      <p:stCondLst>
+                        <p:cond delay="indefinite"/>
+                      </p:stCondLst>
+                      <p:childTnLst>
+                        <p:par>
+                          <p:cTn id="4" fill="hold">
+                            <p:stCondLst>
+                              <p:cond delay="0"/>
+                            </p:stCondLst>
+                            <p:childTnLst>
+                              <p:par>
+                                <p:cTn id="5" presetID="22" presetClass="entr" presetSubtype="8" fill="hold" grpId="0" nodeType="clickEffect">
+                                  <p:stCondLst>
+                                    <p:cond delay="0"/>
+                                  </p:stCondLst>
+                                  <p:childTnLst>
+                                    <p:set>
+                                      <p:cBhvr>
+                                        <p:cTn id="6" dur="1" fill="hold">
+                                          <p:stCondLst>
+                                            <p:cond delay="0"/>
+                                          </p:stCondLst>
+                                        </p:cTn>
+                                        <p:tgtEl>
+                                          <p:spTgt spid="3">
+                                            <p:txEl>
+                                              <p:pRg st="0" end="0"/>
+                                            </p:txEl>
+                                          </p:spTgt>
+                                        </p:tgtEl>
+                                        <p:attrNameLst>
+                                          <p:attrName>style.visibility</p:attrName>
+                                        </p:attrNameLst>
+                                      </p:cBhvr>
+                                      <p:to>
+                                        <p:strVal val="visible"/>
+                                      </p:to>
+                                    </p:set>
+                                    <p:animEffect transition="in" filter="wipe(left)">
+                                      <p:cBhvr>
+                                        <p:cTn id="7" dur="1250"/>
+                                        <p:tgtEl>
+                                          <p:spTgt spid="3">
+                                            <p:txEl>
+                                              <p:pRg st="0" end="0"/>
+                                            </p:txEl>
+                                          </p:spTgt>
+                                        </p:tgtEl>
+                                      </p:cBhvr>
+                                    </p:animEffect>
+                                  </p:childTnLst>
+                                </p:cTn>
+                              </p:par>
+                              <p:par>
+                                <p:cTn id="8" presetID="6" presetClass="entr" presetSubtype="32" fill="hold" nodeType="withEffect">
+                                  <p:stCondLst>
+                                    <p:cond delay="500"/>
+                                  </p:stCondLst>
+                                  <p:childTnLst>
+                                    <p:set>
+                                      <p:cBhvr>
+                                        <p:cTn id="9" dur="1" fill="hold">
+                                          <p:stCondLst>
+                                            <p:cond delay="0"/>
+                                          </p:stCondLst>
+                                        </p:cTn>
+                                        <p:tgtEl>
+                                          <p:spTgt spid="4"/>
+                                        </p:tgtEl>
+                                        <p:attrNameLst>
+                                          <p:attrName>style.visibility</p:attrName>
+                                        </p:attrNameLst>
+                                      </p:cBhvr>
+                                      <p:to>
+                                        <p:strVal val="visible"/>
+                                      </p:to>
+                                    </p:set>
+                                    <p:animEffect transition="in" filter="circle(out)">
+                                      <p:cBhvr>
+                                        <p:cTn id="10" dur="2000"/>
+                                        <p:tgtEl>
+                                          <p:spTgt spid="4"/>
+                                        </p:tgtEl>
+                                      </p:cBhvr>
+                                    </p:animEffect>
+                                  </p:childTnLst>
+                                </p:cTn>
+                              </p:par>
+                            </p:childTnLst>
+                          </p:cTn>
+                        </p:par>
+                      </p:childTnLst>
+                    </p:cTn>
+                  </p:par>
+                </p:childTnLst>
+              </p:cTn>
+              <p:prevCondLst>
+                <p:cond evt="onPrev" delay="0">
+                  <p:tgtEl>
+                    <p:sldTgt/>
+                  </p:tgtEl>
+                </p:cond>
+              </p:prevCondLst>
+              <p:nextCondLst>
+                <p:cond evt="onNext" delay="0">
+                  <p:tgtEl>
+                    <p:sldTgt/>
+                  </p:tgtEl>
+                </p:cond>
+              </p:nextCondLst>
+            </p:seq>
+          </p:childTnLst>
+        </p:cTn>
+      </p:par>
+    </p:tnLst>
+    <p:bldLst>
+      <p:bldP spid="3" grpId="0" build="p"/>
+    </p:bldLst>
+  </p:timing>
+</p:sld>
+</file>
+
+<file path=ppt/slides/slide11.xml><?xml version="1.0" encoding="utf-8"?>
+<p:sld xmlns:a="http://schemas.openxmlformats.org/drawingml/2006/main" xmlns:r="http://schemas.openxmlformats.org/officeDocument/2006/relationships" xmlns:p="http://schemas.openxmlformats.org/presentationml/2006/main">
+  <p:cSld>
+    <p:spTree>
+      <p:nvGrpSpPr>
+        <p:cNvPr id="1" name=""/>
+        <p:cNvGrpSpPr/>
+        <p:nvPr/>
+      </p:nvGrpSpPr>
+      <p:grpSpPr>
+        <a:xfrm>
+          <a:off x="0" y="0"/>
+          <a:ext cx="0" cy="0"/>
+          <a:chOff x="0" y="0"/>
+          <a:chExt cx="0" cy="0"/>
+        </a:xfrm>
+      </p:grpSpPr>
+      <p:sp>
+        <p:nvSpPr>
+          <p:cNvPr id="2" name="Заглавие 1">
+            <a:extLst>
+              <a:ext uri="{FF2B5EF4-FFF2-40B4-BE49-F238E27FC236}">
+                <a16:creationId xmlns:a16="http://schemas.microsoft.com/office/drawing/2014/main" id="{879FDDE1-58FA-DCCF-9072-68C71F38BBE5}"/>
+              </a:ext>
+            </a:extLst>
+          </p:cNvPr>
+          <p:cNvSpPr>
+            <a:spLocks noGrp="1"/>
+          </p:cNvSpPr>
+          <p:nvPr>
+            <p:ph type="title"/>
+          </p:nvPr>
+        </p:nvSpPr>
+        <p:spPr/>
+        <p:txBody>
+          <a:bodyPr/>
+          <a:lstStyle/>
+          <a:p>
+            <a:endParaRPr lang="en-GB"/>
+          </a:p>
+        </p:txBody>
+      </p:sp>
+      <p:pic>
+        <p:nvPicPr>
+          <p:cNvPr id="17" name="Контейнер за съдържание 16" descr="Картина, която съдържа текст, екранна снимка, софтуер, Компютърна икона&#10;&#10;Генерираното от ИИ съдържание може да е неправилно.">
+            <a:extLst>
+              <a:ext uri="{FF2B5EF4-FFF2-40B4-BE49-F238E27FC236}">
+                <a16:creationId xmlns:a16="http://schemas.microsoft.com/office/drawing/2014/main" id="{EC7CB9E0-D479-8685-843C-F1025879E314}"/>
+              </a:ext>
+            </a:extLst>
+          </p:cNvPr>
+          <p:cNvPicPr>
+            <a:picLocks noGrp="1" noChangeAspect="1"/>
+          </p:cNvPicPr>
+          <p:nvPr>
+            <p:ph idx="1"/>
+          </p:nvPr>
+        </p:nvPicPr>
+        <p:blipFill>
+          <a:blip r:embed="rId2">
+            <a:extLst>
+              <a:ext uri="{28A0092B-C50C-407E-A947-70E740481C1C}">
+                <a14:useLocalDpi xmlns:a14="http://schemas.microsoft.com/office/drawing/2010/main" val="0"/>
+              </a:ext>
+            </a:extLst>
+          </a:blip>
+          <a:stretch>
+            <a:fillRect/>
+          </a:stretch>
+        </p:blipFill>
+        <p:spPr>
+          <a:xfrm>
+            <a:off x="0" y="255326"/>
+            <a:ext cx="12115097" cy="6111212"/>
+          </a:xfrm>
+        </p:spPr>
+      </p:pic>
+    </p:spTree>
+    <p:extLst>
+      <p:ext uri="{BB962C8B-B14F-4D97-AF65-F5344CB8AC3E}">
+        <p14:creationId xmlns:p14="http://schemas.microsoft.com/office/powerpoint/2010/main" val="1022266993"/>
+      </p:ext>
+    </p:extLst>
+  </p:cSld>
+  <p:clrMapOvr>
+    <a:masterClrMapping/>
+  </p:clrMapOvr>
+</p:sld>
+</file>
+
+<file path=ppt/slides/slide12.xml><?xml version="1.0" encoding="utf-8"?>
+<p:sld xmlns:a="http://schemas.openxmlformats.org/drawingml/2006/main" xmlns:r="http://schemas.openxmlformats.org/officeDocument/2006/relationships" xmlns:p="http://schemas.openxmlformats.org/presentationml/2006/main">
+  <p:cSld>
+    <p:spTree>
+      <p:nvGrpSpPr>
+        <p:cNvPr id="1" name=""/>
+        <p:cNvGrpSpPr/>
+        <p:nvPr/>
+      </p:nvGrpSpPr>
+      <p:grpSpPr>
+        <a:xfrm>
+          <a:off x="0" y="0"/>
+          <a:ext cx="0" cy="0"/>
+          <a:chOff x="0" y="0"/>
+          <a:chExt cx="0" cy="0"/>
+        </a:xfrm>
+      </p:grpSpPr>
+      <p:sp>
+        <p:nvSpPr>
+          <p:cNvPr id="2" name="Title 1"/>
+          <p:cNvSpPr>
+            <a:spLocks noGrp="1"/>
+          </p:cNvSpPr>
+          <p:nvPr>
+            <p:ph type="title"/>
+          </p:nvPr>
+        </p:nvSpPr>
+        <p:spPr>
+          <a:xfrm>
+            <a:off x="685800" y="1988363"/>
+            <a:ext cx="10820400" cy="2802467"/>
+          </a:xfrm>
+        </p:spPr>
+        <p:txBody>
+          <a:bodyPr>
+            <a:noAutofit/>
+          </a:bodyPr>
+          <a:lstStyle/>
+          <a:p>
+            <a:pPr algn="ctr"/>
+            <a:r>
+              <a:rPr lang="bg-BG" sz="6600" b="1" dirty="0"/>
+              <a:t>КАКВИ СА ПОЛЗИТЕ ОТ ТОВА?</a:t>
+            </a:r>
+            <a:endParaRPr lang="en-US" sz="6600" b="1" dirty="0"/>
+          </a:p>
+        </p:txBody>
+      </p:sp>
+    </p:spTree>
+    <p:extLst>
+      <p:ext uri="{BB962C8B-B14F-4D97-AF65-F5344CB8AC3E}">
+        <p14:creationId xmlns:p14="http://schemas.microsoft.com/office/powerpoint/2010/main" val="1234824994"/>
+      </p:ext>
+    </p:extLst>
+  </p:cSld>
+  <p:clrMapOvr>
+    <a:masterClrMapping/>
+  </p:clrMapOvr>
+  <mc:AlternateContent xmlns:mc="http://schemas.openxmlformats.org/markup-compatibility/2006" xmlns:p15="http://schemas.microsoft.com/office/powerpoint/2012/main">
+    <mc:Choice Requires="p15">
+      <p:transition xmlns:p14="http://schemas.microsoft.com/office/powerpoint/2010/main" spd="slow" p14:dur="2000">
+        <p15:prstTrans prst="drape"/>
+      </p:transition>
+    </mc:Choice>
+    <mc:Fallback xmlns="">
+      <p:transition spd="slow">
+        <p:fade/>
+      </p:transition>
+    </mc:Fallback>
+  </mc:AlternateContent>
+</p:sld>
+</file>
+
+<file path=ppt/slides/slide13.xml><?xml version="1.0" encoding="utf-8"?>
+<p:sld xmlns:a="http://schemas.openxmlformats.org/drawingml/2006/main" xmlns:r="http://schemas.openxmlformats.org/officeDocument/2006/relationships" xmlns:p="http://schemas.openxmlformats.org/presentationml/2006/main">
+  <p:cSld>
+    <p:spTree>
+      <p:nvGrpSpPr>
+        <p:cNvPr id="1" name=""/>
+        <p:cNvGrpSpPr/>
+        <p:nvPr/>
+      </p:nvGrpSpPr>
+      <p:grpSpPr>
+        <a:xfrm>
+          <a:off x="0" y="0"/>
+          <a:ext cx="0" cy="0"/>
+          <a:chOff x="0" y="0"/>
+          <a:chExt cx="0" cy="0"/>
+        </a:xfrm>
+      </p:grpSpPr>
+      <p:sp>
+        <p:nvSpPr>
+          <p:cNvPr id="3" name="Content Placeholder 2"/>
+          <p:cNvSpPr>
+            <a:spLocks noGrp="1"/>
+          </p:cNvSpPr>
+          <p:nvPr>
+            <p:ph idx="1"/>
+          </p:nvPr>
+        </p:nvSpPr>
+        <p:spPr>
+          <a:xfrm>
+            <a:off x="764931" y="3094893"/>
+            <a:ext cx="10964008" cy="2719347"/>
+          </a:xfrm>
+        </p:spPr>
+        <p:txBody>
+          <a:bodyPr anchor="ctr">
+            <a:normAutofit/>
+          </a:bodyPr>
+          <a:lstStyle/>
+          <a:p>
+            <a:pPr algn="ctr">
+              <a:buFont typeface="Wingdings" panose="05000000000000000000" pitchFamily="2" charset="2"/>
+              <a:buChar char="§"/>
+            </a:pPr>
+            <a:r>
+              <a:rPr lang="bg-BG" sz="2400" dirty="0"/>
+              <a:t>Спестява милиони левове за болниците!!!</a:t>
+            </a:r>
+          </a:p>
+          <a:p>
+            <a:pPr algn="ctr">
+              <a:buFont typeface="Wingdings" panose="05000000000000000000" pitchFamily="2" charset="2"/>
+              <a:buChar char="§"/>
+            </a:pPr>
+            <a:r>
+              <a:rPr lang="bg-BG" sz="2400" dirty="0"/>
+              <a:t>Без повече изхвърляне на лекарства!!</a:t>
+            </a:r>
+          </a:p>
+          <a:p>
+            <a:pPr algn="ctr">
+              <a:buFont typeface="Wingdings" panose="05000000000000000000" pitchFamily="2" charset="2"/>
+              <a:buChar char="§"/>
+            </a:pPr>
+            <a:r>
+              <a:rPr lang="bg-BG" sz="2400" dirty="0"/>
+              <a:t>Опазва на околната среда!</a:t>
+            </a:r>
+          </a:p>
+        </p:txBody>
+      </p:sp>
+      <p:pic>
+        <p:nvPicPr>
+          <p:cNvPr id="5" name="Picture 4"/>
+          <p:cNvPicPr>
+            <a:picLocks noChangeAspect="1"/>
+          </p:cNvPicPr>
+          <p:nvPr/>
+        </p:nvPicPr>
+        <p:blipFill>
+          <a:blip r:embed="rId2">
+            <a:extLst>
+              <a:ext uri="{28A0092B-C50C-407E-A947-70E740481C1C}">
+                <a14:useLocalDpi xmlns:a14="http://schemas.microsoft.com/office/drawing/2010/main" val="0"/>
+              </a:ext>
+            </a:extLst>
+          </a:blip>
+          <a:stretch>
+            <a:fillRect/>
+          </a:stretch>
+        </p:blipFill>
+        <p:spPr>
+          <a:xfrm>
+            <a:off x="7489581" y="0"/>
+            <a:ext cx="4951535" cy="3301023"/>
+          </a:xfrm>
+          <a:prstGeom prst="rect">
+            <a:avLst/>
+          </a:prstGeom>
+        </p:spPr>
+      </p:pic>
+      <p:pic>
+        <p:nvPicPr>
+          <p:cNvPr id="7" name="Picture 6"/>
+          <p:cNvPicPr>
+            <a:picLocks noChangeAspect="1"/>
+          </p:cNvPicPr>
+          <p:nvPr/>
+        </p:nvPicPr>
+        <p:blipFill>
+          <a:blip r:embed="rId3">
+            <a:extLst>
+              <a:ext uri="{28A0092B-C50C-407E-A947-70E740481C1C}">
+                <a14:useLocalDpi xmlns:a14="http://schemas.microsoft.com/office/drawing/2010/main" val="0"/>
+              </a:ext>
+            </a:extLst>
+          </a:blip>
+          <a:stretch>
+            <a:fillRect/>
+          </a:stretch>
+        </p:blipFill>
+        <p:spPr>
+          <a:xfrm>
+            <a:off x="302967" y="4111463"/>
+            <a:ext cx="2466610" cy="2466610"/>
+          </a:xfrm>
+          <a:prstGeom prst="rect">
+            <a:avLst/>
+          </a:prstGeom>
+        </p:spPr>
+      </p:pic>
+    </p:spTree>
+    <p:extLst>
+      <p:ext uri="{BB962C8B-B14F-4D97-AF65-F5344CB8AC3E}">
+        <p14:creationId xmlns:p14="http://schemas.microsoft.com/office/powerpoint/2010/main" val="2996237578"/>
+      </p:ext>
+    </p:extLst>
+  </p:cSld>
+  <p:clrMapOvr>
+    <a:masterClrMapping/>
+  </p:clrMapOvr>
+  <mc:AlternateContent xmlns:mc="http://schemas.openxmlformats.org/markup-compatibility/2006" xmlns:p14="http://schemas.microsoft.com/office/powerpoint/2010/main">
+    <mc:Choice Requires="p14">
+      <p:transition spd="slow" p14:dur="1500">
+        <p:split orient="vert"/>
+      </p:transition>
+    </mc:Choice>
+    <mc:Fallback xmlns="">
+      <p:transition spd="slow">
+        <p:split orient="vert"/>
+      </p:transition>
+    </mc:Fallback>
+  </mc:AlternateContent>
+  <p:timing>
+    <p:tnLst>
+      <p:par>
+        <p:cTn id="1" dur="indefinite" restart="never" nodeType="tmRoot">
+          <p:childTnLst>
+            <p:seq concurrent="1" nextAc="seek">
+              <p:cTn id="2" dur="indefinite" nodeType="mainSeq">
+                <p:childTnLst>
+                  <p:par>
+                    <p:cTn id="3" fill="hold">
+                      <p:stCondLst>
+                        <p:cond delay="indefinite"/>
+                      </p:stCondLst>
+                      <p:childTnLst>
+                        <p:par>
+                          <p:cTn id="4" fill="hold">
+                            <p:stCondLst>
+                              <p:cond delay="0"/>
+                            </p:stCondLst>
+                            <p:childTnLst>
+                              <p:par>
+                                <p:cTn id="5" presetID="6" presetClass="entr" presetSubtype="32" fill="hold" nodeType="clickEffect">
+                                  <p:stCondLst>
+                                    <p:cond delay="250"/>
+                                  </p:stCondLst>
+                                  <p:childTnLst>
+                                    <p:set>
+                                      <p:cBhvr>
+                                        <p:cTn id="6" dur="1" fill="hold">
+                                          <p:stCondLst>
+                                            <p:cond delay="0"/>
+                                          </p:stCondLst>
+                                        </p:cTn>
+                                        <p:tgtEl>
+                                          <p:spTgt spid="5"/>
+                                        </p:tgtEl>
+                                        <p:attrNameLst>
+                                          <p:attrName>style.visibility</p:attrName>
+                                        </p:attrNameLst>
+                                      </p:cBhvr>
+                                      <p:to>
+                                        <p:strVal val="visible"/>
+                                      </p:to>
+                                    </p:set>
+                                    <p:animEffect transition="in" filter="circle(out)">
+                                      <p:cBhvr>
+                                        <p:cTn id="7" dur="1000"/>
+                                        <p:tgtEl>
+                                          <p:spTgt spid="5"/>
+                                        </p:tgtEl>
+                                      </p:cBhvr>
+                                    </p:animEffect>
+                                  </p:childTnLst>
+                                </p:cTn>
+                              </p:par>
+                              <p:par>
+                                <p:cTn id="8" presetID="22" presetClass="entr" presetSubtype="8" fill="hold" grpId="0" nodeType="withEffect">
+                                  <p:stCondLst>
+                                    <p:cond delay="0"/>
+                                  </p:stCondLst>
+                                  <p:childTnLst>
+                                    <p:set>
+                                      <p:cBhvr>
+                                        <p:cTn id="9" dur="1" fill="hold">
+                                          <p:stCondLst>
+                                            <p:cond delay="0"/>
+                                          </p:stCondLst>
+                                        </p:cTn>
+                                        <p:tgtEl>
+                                          <p:spTgt spid="3">
+                                            <p:txEl>
+                                              <p:pRg st="0" end="0"/>
+                                            </p:txEl>
+                                          </p:spTgt>
+                                        </p:tgtEl>
+                                        <p:attrNameLst>
+                                          <p:attrName>style.visibility</p:attrName>
+                                        </p:attrNameLst>
+                                      </p:cBhvr>
+                                      <p:to>
+                                        <p:strVal val="visible"/>
+                                      </p:to>
+                                    </p:set>
+                                    <p:animEffect transition="in" filter="wipe(left)">
+                                      <p:cBhvr>
+                                        <p:cTn id="10" dur="1500"/>
+                                        <p:tgtEl>
+                                          <p:spTgt spid="3">
+                                            <p:txEl>
+                                              <p:pRg st="0" end="0"/>
+                                            </p:txEl>
+                                          </p:spTgt>
+                                        </p:tgtEl>
+                                      </p:cBhvr>
+                                    </p:animEffect>
+                                  </p:childTnLst>
+                                </p:cTn>
+                              </p:par>
+                            </p:childTnLst>
+                          </p:cTn>
+                        </p:par>
+                        <p:par>
+                          <p:cTn id="11" fill="hold">
+                            <p:stCondLst>
+                              <p:cond delay="1500"/>
+                            </p:stCondLst>
+                            <p:childTnLst>
+                              <p:par>
+                                <p:cTn id="12" presetID="22" presetClass="entr" presetSubtype="8" fill="hold" grpId="0" nodeType="afterEffect">
+                                  <p:stCondLst>
+                                    <p:cond delay="0"/>
+                                  </p:stCondLst>
+                                  <p:childTnLst>
+                                    <p:set>
+                                      <p:cBhvr>
+                                        <p:cTn id="13" dur="1" fill="hold">
+                                          <p:stCondLst>
+                                            <p:cond delay="0"/>
+                                          </p:stCondLst>
+                                        </p:cTn>
+                                        <p:tgtEl>
+                                          <p:spTgt spid="3">
+                                            <p:txEl>
+                                              <p:pRg st="1" end="1"/>
+                                            </p:txEl>
+                                          </p:spTgt>
+                                        </p:tgtEl>
+                                        <p:attrNameLst>
+                                          <p:attrName>style.visibility</p:attrName>
+                                        </p:attrNameLst>
+                                      </p:cBhvr>
+                                      <p:to>
+                                        <p:strVal val="visible"/>
+                                      </p:to>
+                                    </p:set>
+                                    <p:animEffect transition="in" filter="wipe(left)">
+                                      <p:cBhvr>
+                                        <p:cTn id="14" dur="1500"/>
+                                        <p:tgtEl>
+                                          <p:spTgt spid="3">
+                                            <p:txEl>
+                                              <p:pRg st="1" end="1"/>
+                                            </p:txEl>
+                                          </p:spTgt>
+                                        </p:tgtEl>
+                                      </p:cBhvr>
+                                    </p:animEffect>
+                                  </p:childTnLst>
+                                </p:cTn>
+                              </p:par>
+                            </p:childTnLst>
+                          </p:cTn>
+                        </p:par>
+                        <p:par>
+                          <p:cTn id="15" fill="hold">
+                            <p:stCondLst>
+                              <p:cond delay="3000"/>
+                            </p:stCondLst>
+                            <p:childTnLst>
+                              <p:par>
+                                <p:cTn id="16" presetID="22" presetClass="entr" presetSubtype="8" fill="hold" grpId="0" nodeType="afterEffect">
+                                  <p:stCondLst>
+                                    <p:cond delay="0"/>
+                                  </p:stCondLst>
+                                  <p:childTnLst>
+                                    <p:set>
+                                      <p:cBhvr>
+                                        <p:cTn id="17" dur="1" fill="hold">
+                                          <p:stCondLst>
+                                            <p:cond delay="0"/>
+                                          </p:stCondLst>
+                                        </p:cTn>
+                                        <p:tgtEl>
+                                          <p:spTgt spid="3">
+                                            <p:txEl>
+                                              <p:pRg st="2" end="2"/>
+                                            </p:txEl>
+                                          </p:spTgt>
+                                        </p:tgtEl>
+                                        <p:attrNameLst>
+                                          <p:attrName>style.visibility</p:attrName>
+                                        </p:attrNameLst>
+                                      </p:cBhvr>
+                                      <p:to>
+                                        <p:strVal val="visible"/>
+                                      </p:to>
+                                    </p:set>
+                                    <p:animEffect transition="in" filter="wipe(left)">
+                                      <p:cBhvr>
+                                        <p:cTn id="18" dur="1500"/>
+                                        <p:tgtEl>
+                                          <p:spTgt spid="3">
+                                            <p:txEl>
+                                              <p:pRg st="2" end="2"/>
+                                            </p:txEl>
+                                          </p:spTgt>
+                                        </p:tgtEl>
+                                      </p:cBhvr>
+                                    </p:animEffect>
+                                  </p:childTnLst>
+                                </p:cTn>
+                              </p:par>
+                              <p:par>
+                                <p:cTn id="19" presetID="42" presetClass="entr" presetSubtype="0" fill="hold" nodeType="withEffect">
+                                  <p:stCondLst>
+                                    <p:cond delay="0"/>
+                                  </p:stCondLst>
+                                  <p:childTnLst>
+                                    <p:set>
+                                      <p:cBhvr>
+                                        <p:cTn id="20" dur="1" fill="hold">
+                                          <p:stCondLst>
+                                            <p:cond delay="0"/>
+                                          </p:stCondLst>
+                                        </p:cTn>
+                                        <p:tgtEl>
+                                          <p:spTgt spid="7"/>
+                                        </p:tgtEl>
+                                        <p:attrNameLst>
+                                          <p:attrName>style.visibility</p:attrName>
+                                        </p:attrNameLst>
+                                      </p:cBhvr>
+                                      <p:to>
+                                        <p:strVal val="visible"/>
+                                      </p:to>
+                                    </p:set>
+                                    <p:animEffect transition="in" filter="fade">
+                                      <p:cBhvr>
+                                        <p:cTn id="21" dur="1000"/>
+                                        <p:tgtEl>
+                                          <p:spTgt spid="7"/>
+                                        </p:tgtEl>
+                                      </p:cBhvr>
+                                    </p:animEffect>
+                                    <p:anim calcmode="lin" valueType="num">
+                                      <p:cBhvr>
+                                        <p:cTn id="22" dur="1000" fill="hold"/>
+                                        <p:tgtEl>
+                                          <p:spTgt spid="7"/>
+                                        </p:tgtEl>
+                                        <p:attrNameLst>
+                                          <p:attrName>ppt_x</p:attrName>
+                                        </p:attrNameLst>
+                                      </p:cBhvr>
+                                      <p:tavLst>
+                                        <p:tav tm="0">
+                                          <p:val>
+                                            <p:strVal val="#ppt_x"/>
+                                          </p:val>
+                                        </p:tav>
+                                        <p:tav tm="100000">
+                                          <p:val>
+                                            <p:strVal val="#ppt_x"/>
+                                          </p:val>
+                                        </p:tav>
+                                      </p:tavLst>
+                                    </p:anim>
+                                    <p:anim calcmode="lin" valueType="num">
+                                      <p:cBhvr>
+                                        <p:cTn id="23" dur="1000" fill="hold"/>
+                                        <p:tgtEl>
+                                          <p:spTgt spid="7"/>
+                                        </p:tgtEl>
+                                        <p:attrNameLst>
+                                          <p:attrName>ppt_y</p:attrName>
+                                        </p:attrNameLst>
+                                      </p:cBhvr>
+                                      <p:tavLst>
+                                        <p:tav tm="0">
+                                          <p:val>
+                                            <p:strVal val="#ppt_y+.1"/>
+                                          </p:val>
+                                        </p:tav>
+                                        <p:tav tm="100000">
+                                          <p:val>
+                                            <p:strVal val="#ppt_y"/>
+                                          </p:val>
+                                        </p:tav>
+                                      </p:tavLst>
+                                    </p:anim>
+                                  </p:childTnLst>
+                                </p:cTn>
+                              </p:par>
+                            </p:childTnLst>
+                          </p:cTn>
+                        </p:par>
+                      </p:childTnLst>
+                    </p:cTn>
+                  </p:par>
+                </p:childTnLst>
+              </p:cTn>
+              <p:prevCondLst>
+                <p:cond evt="onPrev" delay="0">
+                  <p:tgtEl>
+                    <p:sldTgt/>
+                  </p:tgtEl>
+                </p:cond>
+              </p:prevCondLst>
+              <p:nextCondLst>
+                <p:cond evt="onNext" delay="0">
+                  <p:tgtEl>
+                    <p:sldTgt/>
+                  </p:tgtEl>
+                </p:cond>
+              </p:nextCondLst>
+            </p:seq>
+          </p:childTnLst>
+        </p:cTn>
+      </p:par>
+    </p:tnLst>
+    <p:bldLst>
+      <p:bldP spid="3" grpId="0" uiExpand="1" build="p"/>
+    </p:bldLst>
+  </p:timing>
+</p:sld>
+</file>
+
+<file path=ppt/slides/slide14.xml><?xml version="1.0" encoding="utf-8"?>
+<p:sld xmlns:a="http://schemas.openxmlformats.org/drawingml/2006/main" xmlns:r="http://schemas.openxmlformats.org/officeDocument/2006/relationships" xmlns:p="http://schemas.openxmlformats.org/presentationml/2006/main">
+  <p:cSld>
+    <p:spTree>
+      <p:nvGrpSpPr>
+        <p:cNvPr id="1" name=""/>
+        <p:cNvGrpSpPr/>
+        <p:nvPr/>
+      </p:nvGrpSpPr>
+      <p:grpSpPr>
+        <a:xfrm>
+          <a:off x="0" y="0"/>
+          <a:ext cx="0" cy="0"/>
+          <a:chOff x="0" y="0"/>
+          <a:chExt cx="0" cy="0"/>
+        </a:xfrm>
+      </p:grpSpPr>
+      <p:sp>
+        <p:nvSpPr>
+          <p:cNvPr id="4" name="Title 3"/>
+          <p:cNvSpPr>
+            <a:spLocks noGrp="1"/>
+          </p:cNvSpPr>
+          <p:nvPr>
+            <p:ph type="title"/>
+          </p:nvPr>
+        </p:nvSpPr>
+        <p:spPr>
+          <a:xfrm>
+            <a:off x="1024467" y="980179"/>
+            <a:ext cx="10151533" cy="2604495"/>
+          </a:xfrm>
+        </p:spPr>
+        <p:txBody>
+          <a:bodyPr>
+            <a:normAutofit/>
+          </a:bodyPr>
+          <a:lstStyle/>
+          <a:p>
+            <a:r>
+              <a:rPr lang="bg-BG" sz="5400" b="1" dirty="0"/>
               <a:t>Софтуерна Архитектура на разработката</a:t>
             </a:r>
             <a:endParaRPr lang="en-US" sz="5400" b="1" dirty="0"/>
@@ -6087,29 +6980,22 @@
   <p:clrMapOvr>
     <a:masterClrMapping/>
   </p:clrMapOvr>
-  <mc:AlternateContent xmlns:mc="http://schemas.openxmlformats.org/markup-compatibility/2006">
-    <mc:Choice xmlns:p14="http://schemas.microsoft.com/office/powerpoint/2010/main" Requires="p14">
+  <mc:AlternateContent xmlns:mc="http://schemas.openxmlformats.org/markup-compatibility/2006" xmlns:p14="http://schemas.microsoft.com/office/powerpoint/2010/main">
+    <mc:Choice Requires="p14">
       <p:transition spd="slow" p14:dur="1250">
         <p14:switch dir="r"/>
       </p:transition>
     </mc:Choice>
-    <mc:Fallback>
+    <mc:Fallback xmlns="">
       <p:transition spd="slow">
         <p:fade/>
       </p:transition>
     </mc:Fallback>
   </mc:AlternateContent>
-  <p:timing>
-    <p:tnLst>
-      <p:par>
-        <p:cTn id="1" dur="indefinite" restart="never" nodeType="tmRoot"/>
-      </p:par>
-    </p:tnLst>
-  </p:timing>
 </p:sld>
 </file>
 
-<file path=ppt/slides/slide11.xml><?xml version="1.0" encoding="utf-8"?>
+<file path=ppt/slides/slide15.xml><?xml version="1.0" encoding="utf-8"?>
 <p:sld xmlns:a="http://schemas.openxmlformats.org/drawingml/2006/main" xmlns:r="http://schemas.openxmlformats.org/officeDocument/2006/relationships" xmlns:p="http://schemas.openxmlformats.org/presentationml/2006/main">
   <p:cSld>
     <p:spTree>
@@ -6194,7 +7080,7 @@
             <a:p>
               <a:pPr algn="ctr"/>
               <a:r>
-                <a:rPr lang="en-US" sz="2400" b="0" cap="none" spc="0" dirty="0" smtClean="0">
+                <a:rPr lang="en-US" sz="2400" b="0" cap="none" spc="0" dirty="0">
                   <a:ln w="0"/>
                   <a:gradFill>
                     <a:gsLst>
@@ -6221,31 +7107,6 @@
                 </a:rPr>
                 <a:t>ASP.NET MVC</a:t>
               </a:r>
-              <a:endParaRPr lang="en-US" sz="2400" b="0" cap="none" spc="0" dirty="0">
-                <a:ln w="0"/>
-                <a:gradFill>
-                  <a:gsLst>
-                    <a:gs pos="0">
-                      <a:schemeClr val="accent5">
-                        <a:lumMod val="50000"/>
-                      </a:schemeClr>
-                    </a:gs>
-                    <a:gs pos="50000">
-                      <a:schemeClr val="accent5"/>
-                    </a:gs>
-                    <a:gs pos="100000">
-                      <a:schemeClr val="accent5">
-                        <a:lumMod val="60000"/>
-                        <a:lumOff val="40000"/>
-                      </a:schemeClr>
-                    </a:gs>
-                  </a:gsLst>
-                  <a:lin ang="5400000"/>
-                </a:gradFill>
-                <a:effectLst>
-                  <a:reflection blurRad="6350" stA="53000" endA="300" endPos="35500" dir="5400000" sy="-90000" algn="bl" rotWithShape="0"/>
-                </a:effectLst>
-              </a:endParaRPr>
             </a:p>
           </p:txBody>
         </p:sp>
@@ -6274,7 +7135,7 @@
           <a:p>
             <a:pPr algn="ctr"/>
             <a:r>
-              <a:rPr lang="en-US" sz="2400" b="1" cap="none" spc="0" dirty="0" smtClean="0">
+              <a:rPr lang="en-US" sz="2400" b="1" cap="none" spc="0" dirty="0">
                 <a:ln w="12700">
                   <a:solidFill>
                     <a:schemeClr val="accent5"/>
@@ -6296,26 +7157,6 @@
               </a:rPr>
               <a:t>SQL Server</a:t>
             </a:r>
-            <a:endParaRPr lang="en-US" sz="2400" b="1" cap="none" spc="0" dirty="0">
-              <a:ln w="12700">
-                <a:solidFill>
-                  <a:schemeClr val="accent5"/>
-                </a:solidFill>
-                <a:prstDash val="solid"/>
-              </a:ln>
-              <a:pattFill prst="ltDnDiag">
-                <a:fgClr>
-                  <a:schemeClr val="accent5">
-                    <a:lumMod val="60000"/>
-                    <a:lumOff val="40000"/>
-                  </a:schemeClr>
-                </a:fgClr>
-                <a:bgClr>
-                  <a:schemeClr val="bg1"/>
-                </a:bgClr>
-              </a:pattFill>
-              <a:effectLst/>
-            </a:endParaRPr>
           </a:p>
         </p:txBody>
       </p:sp>
@@ -6387,7 +7228,7 @@
             <a:p>
               <a:pPr algn="ctr"/>
               <a:r>
-                <a:rPr lang="en-US" sz="3200" b="1" cap="none" spc="0" dirty="0" smtClean="0">
+                <a:rPr lang="en-US" sz="3200" b="1" cap="none" spc="0" dirty="0">
                   <a:ln w="12700">
                     <a:solidFill>
                       <a:schemeClr val="accent1"/>
@@ -6413,30 +7254,6 @@
                 </a:rPr>
                 <a:t>Express.js</a:t>
               </a:r>
-              <a:endParaRPr lang="en-US" sz="3200" b="1" cap="none" spc="0" dirty="0">
-                <a:ln w="12700">
-                  <a:solidFill>
-                    <a:schemeClr val="accent1"/>
-                  </a:solidFill>
-                  <a:prstDash val="solid"/>
-                </a:ln>
-                <a:pattFill prst="pct50">
-                  <a:fgClr>
-                    <a:schemeClr val="accent1"/>
-                  </a:fgClr>
-                  <a:bgClr>
-                    <a:schemeClr val="accent1">
-                      <a:lumMod val="20000"/>
-                      <a:lumOff val="80000"/>
-                    </a:schemeClr>
-                  </a:bgClr>
-                </a:pattFill>
-                <a:effectLst>
-                  <a:outerShdw dist="38100" dir="2640000" algn="bl" rotWithShape="0">
-                    <a:schemeClr val="accent1"/>
-                  </a:outerShdw>
-                </a:effectLst>
-              </a:endParaRPr>
             </a:p>
           </p:txBody>
         </p:sp>
@@ -6509,7 +7326,7 @@
             <a:p>
               <a:pPr algn="ctr"/>
               <a:r>
-                <a:rPr lang="en-US" sz="3600" b="1" dirty="0" err="1" smtClean="0">
+                <a:rPr lang="en-US" sz="3600" b="1" dirty="0" err="1">
                   <a:ln w="12700">
                     <a:solidFill>
                       <a:srgbClr val="00B050"/>
@@ -6575,7 +7392,7 @@
           <a:p>
             <a:pPr algn="ctr"/>
             <a:r>
-              <a:rPr lang="en-US" sz="2800" b="1" cap="none" spc="0" dirty="0" smtClean="0">
+              <a:rPr lang="en-US" sz="2800" b="1" cap="none" spc="0" dirty="0">
                 <a:ln w="12700">
                   <a:solidFill>
                     <a:schemeClr val="accent5"/>
@@ -6597,26 +7414,6 @@
               </a:rPr>
               <a:t>PostgreSQL</a:t>
             </a:r>
-            <a:endParaRPr lang="en-US" sz="2800" b="1" cap="none" spc="0" dirty="0">
-              <a:ln w="12700">
-                <a:solidFill>
-                  <a:schemeClr val="accent5"/>
-                </a:solidFill>
-                <a:prstDash val="solid"/>
-              </a:ln>
-              <a:pattFill prst="ltDnDiag">
-                <a:fgClr>
-                  <a:schemeClr val="accent5">
-                    <a:lumMod val="60000"/>
-                    <a:lumOff val="40000"/>
-                  </a:schemeClr>
-                </a:fgClr>
-                <a:bgClr>
-                  <a:schemeClr val="bg1"/>
-                </a:bgClr>
-              </a:pattFill>
-              <a:effectLst/>
-            </a:endParaRPr>
           </a:p>
         </p:txBody>
       </p:sp>
@@ -6644,7 +7441,7 @@
           <a:p>
             <a:pPr algn="ctr"/>
             <a:r>
-              <a:rPr lang="en-US" sz="2800" b="1" cap="none" spc="0" dirty="0" smtClean="0">
+              <a:rPr lang="en-US" sz="2800" b="1" cap="none" spc="0" dirty="0">
                 <a:ln w="12700">
                   <a:solidFill>
                     <a:schemeClr val="accent5"/>
@@ -6666,26 +7463,6 @@
               </a:rPr>
               <a:t>UPC_DB</a:t>
             </a:r>
-            <a:endParaRPr lang="en-US" sz="2800" b="1" cap="none" spc="0" dirty="0">
-              <a:ln w="12700">
-                <a:solidFill>
-                  <a:schemeClr val="accent5"/>
-                </a:solidFill>
-                <a:prstDash val="solid"/>
-              </a:ln>
-              <a:pattFill prst="ltDnDiag">
-                <a:fgClr>
-                  <a:schemeClr val="accent5">
-                    <a:lumMod val="60000"/>
-                    <a:lumOff val="40000"/>
-                  </a:schemeClr>
-                </a:fgClr>
-                <a:bgClr>
-                  <a:schemeClr val="bg1"/>
-                </a:bgClr>
-              </a:pattFill>
-              <a:effectLst/>
-            </a:endParaRPr>
           </a:p>
         </p:txBody>
       </p:sp>
@@ -6713,7 +7490,7 @@
           <a:p>
             <a:pPr algn="ctr"/>
             <a:r>
-              <a:rPr lang="en-US" sz="3200" b="1" cap="none" spc="0" dirty="0" err="1" smtClean="0">
+              <a:rPr lang="en-US" sz="3200" b="1" cap="none" spc="0" dirty="0" err="1">
                 <a:ln w="12700" cmpd="sng">
                   <a:solidFill>
                     <a:schemeClr val="accent4"/>
@@ -7425,7 +8202,7 @@
 </p:sld>
 </file>
 
-<file path=ppt/slides/slide12.xml><?xml version="1.0" encoding="utf-8"?>
+<file path=ppt/slides/slide16.xml><?xml version="1.0" encoding="utf-8"?>
 <p:sld xmlns:a="http://schemas.openxmlformats.org/drawingml/2006/main" xmlns:r="http://schemas.openxmlformats.org/officeDocument/2006/relationships" xmlns:p="http://schemas.openxmlformats.org/presentationml/2006/main">
   <p:cSld>
     <p:spTree>
@@ -7466,7 +8243,7 @@
           <a:p>
             <a:pPr algn="ctr"/>
             <a:r>
-              <a:rPr lang="bg-BG" sz="8000" b="1" dirty="0" smtClean="0">
+              <a:rPr lang="bg-BG" sz="8000" b="1" dirty="0">
                 <a:ln w="0"/>
                 <a:effectLst>
                   <a:outerShdw blurRad="38100" dist="19050" dir="2700000" algn="tl" rotWithShape="0">
@@ -7482,7 +8259,7 @@
           <a:p>
             <a:pPr algn="ctr"/>
             <a:r>
-              <a:rPr lang="bg-BG" sz="8000" b="1" dirty="0" smtClean="0">
+              <a:rPr lang="bg-BG" sz="8000" b="1" dirty="0">
                 <a:ln w="0"/>
                 <a:effectLst>
                   <a:outerShdw blurRad="38100" dist="19050" dir="2700000" algn="tl" rotWithShape="0">
@@ -7520,13 +8297,6 @@
   <p:clrMapOvr>
     <a:masterClrMapping/>
   </p:clrMapOvr>
-  <p:timing>
-    <p:tnLst>
-      <p:par>
-        <p:cTn id="1" dur="indefinite" restart="never" nodeType="tmRoot"/>
-      </p:par>
-    </p:tnLst>
-  </p:timing>
 </p:sld>
 </file>
 
@@ -7571,7 +8341,7 @@
           <a:p>
             <a:pPr algn="ctr"/>
             <a:r>
-              <a:rPr lang="bg-BG" sz="5400" b="1" dirty="0" smtClean="0">
+              <a:rPr lang="bg-BG" sz="5400" b="1" dirty="0">
                 <a:latin typeface="Book Antiqua" panose="02040602050305030304" pitchFamily="18" charset="0"/>
               </a:rPr>
               <a:t>Проблем</a:t>
@@ -7672,30 +8442,18 @@
               <a:buChar char="§"/>
             </a:pPr>
             <a:r>
-              <a:rPr lang="bg-BG" sz="2400" dirty="0" smtClean="0"/>
+              <a:rPr lang="bg-BG" sz="2400" dirty="0"/>
               <a:t>23</a:t>
             </a:r>
             <a:r>
-              <a:rPr lang="en-US" sz="2400" dirty="0" smtClean="0"/>
+              <a:rPr lang="en-US" sz="2400" dirty="0"/>
               <a:t>%</a:t>
             </a:r>
             <a:r>
-              <a:rPr lang="bg-BG" sz="2400" dirty="0" smtClean="0"/>
-              <a:t> процента от лекарствата в болниците се изхвърлят </a:t>
-            </a:r>
-            <a:r>
-              <a:rPr lang="bg-BG" sz="2400" dirty="0" smtClean="0"/>
-              <a:t>поради изтекъл </a:t>
-            </a:r>
-            <a:r>
-              <a:rPr lang="bg-BG" sz="2400" dirty="0" smtClean="0"/>
-              <a:t>срок на годност по данни от 2023 </a:t>
-            </a:r>
-            <a:r>
-              <a:rPr lang="bg-BG" sz="2400" dirty="0" smtClean="0"/>
-              <a:t>година</a:t>
-            </a:r>
-            <a:endParaRPr lang="en-US" sz="2400" dirty="0" smtClean="0"/>
+              <a:rPr lang="bg-BG" sz="2400" dirty="0"/>
+              <a:t> процента от лекарствата в болниците се изхвърлят поради изтекъл срок на годност по данни от 2023 година</a:t>
+            </a:r>
+            <a:endParaRPr lang="en-US" sz="2400" dirty="0"/>
           </a:p>
           <a:p>
             <a:pPr algn="ctr">
@@ -7703,18 +8461,10 @@
               <a:buChar char="§"/>
             </a:pPr>
             <a:r>
-              <a:rPr lang="bg-BG" sz="2400" dirty="0" smtClean="0"/>
-              <a:t>Замърсяване </a:t>
-            </a:r>
-            <a:r>
-              <a:rPr lang="bg-BG" sz="2400" dirty="0" smtClean="0"/>
-              <a:t>на околната </a:t>
-            </a:r>
-            <a:r>
-              <a:rPr lang="bg-BG" sz="2400" dirty="0" smtClean="0"/>
-              <a:t>среда</a:t>
-            </a:r>
-            <a:endParaRPr lang="en-US" sz="2400" dirty="0" smtClean="0"/>
+              <a:rPr lang="bg-BG" sz="2400" dirty="0"/>
+              <a:t>Замърсяване на околната среда</a:t>
+            </a:r>
+            <a:endParaRPr lang="en-US" sz="2400" dirty="0"/>
           </a:p>
           <a:p>
             <a:pPr algn="ctr">
@@ -7722,27 +8472,15 @@
               <a:buChar char="§"/>
             </a:pPr>
             <a:r>
-              <a:rPr lang="ru-RU" sz="2400" dirty="0" smtClean="0"/>
-              <a:t>Болниците </a:t>
-            </a:r>
-            <a:r>
               <a:rPr lang="ru-RU" sz="2400" dirty="0"/>
-              <a:t>харчат средства, които могат да бъдат </a:t>
-            </a:r>
-            <a:r>
-              <a:rPr lang="ru-RU" sz="2400" dirty="0" smtClean="0"/>
-              <a:t>спестени</a:t>
-            </a:r>
-            <a:endParaRPr lang="en-US" sz="2400" dirty="0" smtClean="0"/>
+              <a:t>Болниците харчат средства, които могат да бъдат спестени</a:t>
+            </a:r>
+            <a:endParaRPr lang="en-US" sz="2400" dirty="0"/>
           </a:p>
           <a:p>
             <a:pPr marL="0" indent="0" algn="ctr">
               <a:buNone/>
             </a:pPr>
-            <a:r>
-              <a:rPr lang="ru-RU" sz="2400" dirty="0"/>
-              <a:t/>
-            </a:r>
             <a:br>
               <a:rPr lang="ru-RU" sz="2400" dirty="0"/>
             </a:br>
@@ -7760,13 +8498,13 @@
   <p:clrMapOvr>
     <a:masterClrMapping/>
   </p:clrMapOvr>
-  <mc:AlternateContent xmlns:mc="http://schemas.openxmlformats.org/markup-compatibility/2006">
-    <mc:Choice xmlns:p14="http://schemas.microsoft.com/office/powerpoint/2010/main" Requires="p14">
+  <mc:AlternateContent xmlns:mc="http://schemas.openxmlformats.org/markup-compatibility/2006" xmlns:p14="http://schemas.microsoft.com/office/powerpoint/2010/main">
+    <mc:Choice Requires="p14">
       <p:transition spd="slow" p14:dur="1250">
         <p14:switch dir="r"/>
       </p:transition>
     </mc:Choice>
-    <mc:Fallback>
+    <mc:Fallback xmlns="">
       <p:transition spd="slow">
         <p:fade/>
       </p:transition>
@@ -8209,7 +8947,7 @@
           <a:p>
             <a:pPr algn="ctr"/>
             <a:r>
-              <a:rPr lang="bg-BG" sz="6600" b="1" dirty="0" smtClean="0"/>
+              <a:rPr lang="bg-BG" sz="6600" b="1" dirty="0"/>
               <a:t>Тук идваме ние</a:t>
             </a:r>
             <a:endParaRPr lang="en-US" sz="6600" b="1" dirty="0"/>
@@ -8226,25 +8964,18 @@
   <p:clrMapOvr>
     <a:masterClrMapping/>
   </p:clrMapOvr>
-  <mc:AlternateContent xmlns:mc="http://schemas.openxmlformats.org/markup-compatibility/2006">
-    <mc:Choice xmlns:p15="http://schemas.microsoft.com/office/powerpoint/2012/main" Requires="p15">
+  <mc:AlternateContent xmlns:mc="http://schemas.openxmlformats.org/markup-compatibility/2006" xmlns:p15="http://schemas.microsoft.com/office/powerpoint/2012/main">
+    <mc:Choice Requires="p15">
       <p:transition xmlns:p14="http://schemas.microsoft.com/office/powerpoint/2010/main" spd="slow" p14:dur="1500">
         <p15:prstTrans prst="fallOver"/>
       </p:transition>
     </mc:Choice>
-    <mc:Fallback>
+    <mc:Fallback xmlns="">
       <p:transition spd="slow">
         <p:fade/>
       </p:transition>
     </mc:Fallback>
   </mc:AlternateContent>
-  <p:timing>
-    <p:tnLst>
-      <p:par>
-        <p:cTn id="1" dur="indefinite" restart="never" nodeType="tmRoot"/>
-      </p:par>
-    </p:tnLst>
-  </p:timing>
 </p:sld>
 </file>
 
@@ -8265,6 +8996,72 @@
           <a:chExt cx="0" cy="0"/>
         </a:xfrm>
       </p:grpSpPr>
+      <p:pic>
+        <p:nvPicPr>
+          <p:cNvPr id="5" name="Картина 4" descr="Картина, която съдържа текст, екранна снимка, софтуер, Компютърна икона&#10;&#10;Генерираното от ИИ съдържание може да е неправилно.">
+            <a:extLst>
+              <a:ext uri="{FF2B5EF4-FFF2-40B4-BE49-F238E27FC236}">
+                <a16:creationId xmlns:a16="http://schemas.microsoft.com/office/drawing/2014/main" id="{D8ADEA55-0EB2-2A17-6973-2EB5CD387C4A}"/>
+              </a:ext>
+            </a:extLst>
+          </p:cNvPr>
+          <p:cNvPicPr>
+            <a:picLocks noChangeAspect="1"/>
+          </p:cNvPicPr>
+          <p:nvPr/>
+        </p:nvPicPr>
+        <p:blipFill>
+          <a:blip r:embed="rId2">
+            <a:extLst>
+              <a:ext uri="{28A0092B-C50C-407E-A947-70E740481C1C}">
+                <a14:useLocalDpi xmlns:a14="http://schemas.microsoft.com/office/drawing/2010/main" val="0"/>
+              </a:ext>
+            </a:extLst>
+          </a:blip>
+          <a:stretch>
+            <a:fillRect/>
+          </a:stretch>
+        </p:blipFill>
+        <p:spPr>
+          <a:xfrm>
+            <a:off x="0" y="828709"/>
+            <a:ext cx="12192000" cy="6029291"/>
+          </a:xfrm>
+          <a:prstGeom prst="rect">
+            <a:avLst/>
+          </a:prstGeom>
+        </p:spPr>
+      </p:pic>
+    </p:spTree>
+    <p:extLst>
+      <p:ext uri="{BB962C8B-B14F-4D97-AF65-F5344CB8AC3E}">
+        <p14:creationId xmlns:p14="http://schemas.microsoft.com/office/powerpoint/2010/main" val="158685732"/>
+      </p:ext>
+    </p:extLst>
+  </p:cSld>
+  <p:clrMapOvr>
+    <a:masterClrMapping/>
+  </p:clrMapOvr>
+</p:sld>
+</file>
+
+<file path=ppt/slides/slide5.xml><?xml version="1.0" encoding="utf-8"?>
+<p:sld xmlns:a="http://schemas.openxmlformats.org/drawingml/2006/main" xmlns:r="http://schemas.openxmlformats.org/officeDocument/2006/relationships" xmlns:p="http://schemas.openxmlformats.org/presentationml/2006/main">
+  <p:cSld>
+    <p:spTree>
+      <p:nvGrpSpPr>
+        <p:cNvPr id="1" name=""/>
+        <p:cNvGrpSpPr/>
+        <p:nvPr/>
+      </p:nvGrpSpPr>
+      <p:grpSpPr>
+        <a:xfrm>
+          <a:off x="0" y="0"/>
+          <a:ext cx="0" cy="0"/>
+          <a:chOff x="0" y="0"/>
+          <a:chExt cx="0" cy="0"/>
+        </a:xfrm>
+      </p:grpSpPr>
       <p:sp>
         <p:nvSpPr>
           <p:cNvPr id="2" name="Title 1"/>
@@ -8289,7 +9086,7 @@
           <a:p>
             <a:pPr algn="ctr"/>
             <a:r>
-              <a:rPr lang="bg-BG" sz="4800" b="1" dirty="0" smtClean="0"/>
+              <a:rPr lang="bg-BG" sz="4800" b="1" dirty="0"/>
               <a:t>С ИДЕЯ, КОЯТО ДОСЕГА НЕ Е СЪЗДАВАНА</a:t>
             </a:r>
             <a:endParaRPr lang="en-US" sz="4800" b="1" dirty="0"/>
@@ -8339,153 +9136,6 @@
   <p:transition spd="slow">
     <p:wipe/>
   </p:transition>
-  <p:timing>
-    <p:tnLst>
-      <p:par>
-        <p:cTn id="1" dur="indefinite" restart="never" nodeType="tmRoot"/>
-      </p:par>
-    </p:tnLst>
-  </p:timing>
-</p:sld>
-</file>
-
-<file path=ppt/slides/slide5.xml><?xml version="1.0" encoding="utf-8"?>
-<p:sld xmlns:a="http://schemas.openxmlformats.org/drawingml/2006/main" xmlns:r="http://schemas.openxmlformats.org/officeDocument/2006/relationships" xmlns:p="http://schemas.openxmlformats.org/presentationml/2006/main">
-  <p:cSld>
-    <p:spTree>
-      <p:nvGrpSpPr>
-        <p:cNvPr id="1" name=""/>
-        <p:cNvGrpSpPr/>
-        <p:nvPr/>
-      </p:nvGrpSpPr>
-      <p:grpSpPr>
-        <a:xfrm>
-          <a:off x="0" y="0"/>
-          <a:ext cx="0" cy="0"/>
-          <a:chOff x="0" y="0"/>
-          <a:chExt cx="0" cy="0"/>
-        </a:xfrm>
-      </p:grpSpPr>
-      <p:sp>
-        <p:nvSpPr>
-          <p:cNvPr id="3" name="Content Placeholder 2"/>
-          <p:cNvSpPr>
-            <a:spLocks noGrp="1"/>
-          </p:cNvSpPr>
-          <p:nvPr>
-            <p:ph idx="1"/>
-          </p:nvPr>
-        </p:nvSpPr>
-        <p:spPr>
-          <a:xfrm>
-            <a:off x="896816" y="2804746"/>
-            <a:ext cx="10788162" cy="2244562"/>
-          </a:xfrm>
-        </p:spPr>
-        <p:txBody>
-          <a:bodyPr/>
-          <a:lstStyle/>
-          <a:p>
-            <a:pPr algn="ctr">
-              <a:buFont typeface="Wingdings" panose="05000000000000000000" pitchFamily="2" charset="2"/>
-              <a:buChar char="§"/>
-            </a:pPr>
-            <a:r>
-              <a:rPr lang="bg-BG" dirty="0" smtClean="0">
-                <a:latin typeface="Century Gothic" panose="020B0502020202020204" pitchFamily="34" charset="0"/>
-                <a:cs typeface="Cascadia Code SemiBold" panose="020B0609020000020004" pitchFamily="49" charset="0"/>
-              </a:rPr>
-              <a:t>Чрез </a:t>
-            </a:r>
-            <a:r>
-              <a:rPr lang="en-US" dirty="0" err="1" smtClean="0">
-                <a:latin typeface="Century Gothic" panose="020B0502020202020204" pitchFamily="34" charset="0"/>
-                <a:cs typeface="Cascadia Code SemiBold" panose="020B0609020000020004" pitchFamily="49" charset="0"/>
-              </a:rPr>
-              <a:t>SmartMeds</a:t>
-            </a:r>
-            <a:r>
-              <a:rPr lang="bg-BG" dirty="0" smtClean="0">
-                <a:latin typeface="Century Gothic" panose="020B0502020202020204" pitchFamily="34" charset="0"/>
-                <a:cs typeface="Cascadia Code SemiBold" panose="020B0609020000020004" pitchFamily="49" charset="0"/>
-              </a:rPr>
-              <a:t> болниците могат да следят сроковете на годност в целия си инвентар</a:t>
-            </a:r>
-            <a:endParaRPr lang="en-US" dirty="0" smtClean="0">
-              <a:latin typeface="Century Gothic" panose="020B0502020202020204" pitchFamily="34" charset="0"/>
-              <a:cs typeface="Cascadia Code SemiBold" panose="020B0609020000020004" pitchFamily="49" charset="0"/>
-            </a:endParaRPr>
-          </a:p>
-          <a:p>
-            <a:pPr algn="ctr">
-              <a:buFont typeface="Wingdings" panose="05000000000000000000" pitchFamily="2" charset="2"/>
-              <a:buChar char="§"/>
-            </a:pPr>
-            <a:r>
-              <a:rPr lang="bg-BG" dirty="0">
-                <a:latin typeface="Century Gothic" panose="020B0502020202020204" pitchFamily="34" charset="0"/>
-                <a:cs typeface="Cascadia Code SemiBold" panose="020B0609020000020004" pitchFamily="49" charset="0"/>
-              </a:rPr>
-              <a:t>Д</a:t>
-            </a:r>
-            <a:r>
-              <a:rPr lang="bg-BG" dirty="0" smtClean="0">
-                <a:latin typeface="Century Gothic" panose="020B0502020202020204" pitchFamily="34" charset="0"/>
-                <a:cs typeface="Cascadia Code SemiBold" panose="020B0609020000020004" pitchFamily="49" charset="0"/>
-              </a:rPr>
-              <a:t>обавянето на нови партиди е лесно само със сканира на баркода</a:t>
-            </a:r>
-          </a:p>
-          <a:p>
-            <a:pPr algn="ctr">
-              <a:buFont typeface="Wingdings" panose="05000000000000000000" pitchFamily="2" charset="2"/>
-              <a:buChar char="§"/>
-            </a:pPr>
-            <a:r>
-              <a:rPr lang="bg-BG" dirty="0" smtClean="0">
-                <a:latin typeface="Century Gothic" panose="020B0502020202020204" pitchFamily="34" charset="0"/>
-                <a:cs typeface="Cascadia Code SemiBold" panose="020B0609020000020004" pitchFamily="49" charset="0"/>
-              </a:rPr>
-              <a:t>Получавайте автоматично известие 3 месеца преди изтичане на срока</a:t>
-            </a:r>
-          </a:p>
-          <a:p>
-            <a:pPr marL="0" indent="0">
-              <a:buNone/>
-            </a:pPr>
-            <a:endParaRPr lang="en-US" dirty="0"/>
-          </a:p>
-        </p:txBody>
-      </p:sp>
-    </p:spTree>
-    <p:extLst>
-      <p:ext uri="{BB962C8B-B14F-4D97-AF65-F5344CB8AC3E}">
-        <p14:creationId xmlns:p14="http://schemas.microsoft.com/office/powerpoint/2010/main" val="2040283008"/>
-      </p:ext>
-    </p:extLst>
-  </p:cSld>
-  <p:clrMapOvr>
-    <a:masterClrMapping/>
-  </p:clrMapOvr>
-  <mc:AlternateContent xmlns:mc="http://schemas.openxmlformats.org/markup-compatibility/2006">
-    <mc:Choice xmlns:p14="http://schemas.microsoft.com/office/powerpoint/2010/main" Requires="p14">
-      <p:transition spd="slow" p14:dur="3400">
-        <p14:reveal/>
-      </p:transition>
-    </mc:Choice>
-    <mc:Fallback>
-      <p:transition spd="slow">
-        <p:fade/>
-      </p:transition>
-    </mc:Fallback>
-  </mc:AlternateContent>
-  <p:timing>
-    <p:tnLst>
-      <p:par>
-        <p:cTn id="1" dur="indefinite" restart="never" nodeType="tmRoot"/>
-      </p:par>
-    </p:tnLst>
-  </p:timing>
 </p:sld>
 </file>
 
@@ -8508,72 +9158,148 @@
       </p:grpSpPr>
       <p:sp>
         <p:nvSpPr>
-          <p:cNvPr id="2" name="Title 1"/>
-          <p:cNvSpPr>
-            <a:spLocks noGrp="1"/>
-          </p:cNvSpPr>
-          <p:nvPr>
-            <p:ph type="title"/>
-          </p:nvPr>
-        </p:nvSpPr>
-        <p:spPr>
-          <a:xfrm>
-            <a:off x="685800" y="1761716"/>
-            <a:ext cx="10820400" cy="2802467"/>
+          <p:cNvPr id="3" name="Content Placeholder 2"/>
+          <p:cNvSpPr>
+            <a:spLocks noGrp="1"/>
+          </p:cNvSpPr>
+          <p:nvPr>
+            <p:ph idx="1"/>
+          </p:nvPr>
+        </p:nvSpPr>
+        <p:spPr>
+          <a:xfrm>
+            <a:off x="896816" y="2804746"/>
+            <a:ext cx="10788162" cy="2244562"/>
           </a:xfrm>
         </p:spPr>
         <p:txBody>
           <a:bodyPr>
-            <a:normAutofit/>
+            <a:normAutofit fontScale="92500" lnSpcReduction="20000"/>
           </a:bodyPr>
           <a:lstStyle/>
           <a:p>
-            <a:pPr algn="ctr"/>
-            <a:r>
-              <a:rPr lang="en-US" sz="6000" b="1" dirty="0" smtClean="0"/>
-              <a:t>AND THE BEST OF </a:t>
-            </a:r>
-            <a:r>
-              <a:rPr lang="en-US" sz="6000" b="1" dirty="0" smtClean="0"/>
-              <a:t>ALL</a:t>
-            </a:r>
-            <a:r>
-              <a:rPr lang="en-US" sz="6000" b="1" dirty="0" smtClean="0"/>
-              <a:t>…</a:t>
-            </a:r>
-            <a:endParaRPr lang="en-US" sz="6000" b="1" dirty="0"/>
+            <a:pPr algn="ctr">
+              <a:buFont typeface="Wingdings" panose="05000000000000000000" pitchFamily="2" charset="2"/>
+              <a:buChar char="§"/>
+            </a:pPr>
+            <a:r>
+              <a:rPr lang="bg-BG" dirty="0">
+                <a:latin typeface="Century Gothic" panose="020B0502020202020204" pitchFamily="34" charset="0"/>
+                <a:cs typeface="Cascadia Code SemiBold" panose="020B0609020000020004" pitchFamily="49" charset="0"/>
+              </a:rPr>
+              <a:t>Чрез </a:t>
+            </a:r>
+            <a:r>
+              <a:rPr lang="en-US" dirty="0" err="1">
+                <a:latin typeface="Century Gothic" panose="020B0502020202020204" pitchFamily="34" charset="0"/>
+                <a:cs typeface="Cascadia Code SemiBold" panose="020B0609020000020004" pitchFamily="49" charset="0"/>
+              </a:rPr>
+              <a:t>SmartMeds</a:t>
+            </a:r>
+            <a:r>
+              <a:rPr lang="bg-BG" dirty="0">
+                <a:latin typeface="Century Gothic" panose="020B0502020202020204" pitchFamily="34" charset="0"/>
+                <a:cs typeface="Cascadia Code SemiBold" panose="020B0609020000020004" pitchFamily="49" charset="0"/>
+              </a:rPr>
+              <a:t> болниците могат да следят сроковете на годност в целия си инвентар</a:t>
+            </a:r>
+            <a:endParaRPr lang="en-US" dirty="0">
+              <a:latin typeface="Century Gothic" panose="020B0502020202020204" pitchFamily="34" charset="0"/>
+              <a:cs typeface="Cascadia Code SemiBold" panose="020B0609020000020004" pitchFamily="49" charset="0"/>
+            </a:endParaRPr>
+          </a:p>
+          <a:p>
+            <a:pPr marL="0" indent="0" algn="ctr">
+              <a:buNone/>
+            </a:pPr>
+            <a:endParaRPr lang="en-US" dirty="0">
+              <a:latin typeface="Century Gothic" panose="020B0502020202020204" pitchFamily="34" charset="0"/>
+              <a:cs typeface="Cascadia Code SemiBold" panose="020B0609020000020004" pitchFamily="49" charset="0"/>
+            </a:endParaRPr>
+          </a:p>
+          <a:p>
+            <a:pPr algn="ctr">
+              <a:buFont typeface="Wingdings" panose="05000000000000000000" pitchFamily="2" charset="2"/>
+              <a:buChar char="§"/>
+            </a:pPr>
+            <a:r>
+              <a:rPr lang="bg-BG" dirty="0">
+                <a:latin typeface="Century Gothic" panose="020B0502020202020204" pitchFamily="34" charset="0"/>
+                <a:cs typeface="Cascadia Code SemiBold" panose="020B0609020000020004" pitchFamily="49" charset="0"/>
+              </a:rPr>
+              <a:t>Добавянето на нови партиди е лесно</a:t>
+            </a:r>
+            <a:r>
+              <a:rPr lang="en-US" dirty="0">
+                <a:latin typeface="Century Gothic" panose="020B0502020202020204" pitchFamily="34" charset="0"/>
+                <a:cs typeface="Cascadia Code SemiBold" panose="020B0609020000020004" pitchFamily="49" charset="0"/>
+              </a:rPr>
+              <a:t> </a:t>
+            </a:r>
+            <a:r>
+              <a:rPr lang="bg-BG" dirty="0">
+                <a:latin typeface="Century Gothic" panose="020B0502020202020204" pitchFamily="34" charset="0"/>
+                <a:cs typeface="Cascadia Code SemiBold" panose="020B0609020000020004" pitchFamily="49" charset="0"/>
+              </a:rPr>
+              <a:t>и се случва само чрез сканиране на баркода</a:t>
+            </a:r>
+            <a:endParaRPr lang="en-US" dirty="0">
+              <a:latin typeface="Century Gothic" panose="020B0502020202020204" pitchFamily="34" charset="0"/>
+              <a:cs typeface="Cascadia Code SemiBold" panose="020B0609020000020004" pitchFamily="49" charset="0"/>
+            </a:endParaRPr>
+          </a:p>
+          <a:p>
+            <a:pPr marL="0" indent="0" algn="ctr">
+              <a:buNone/>
+            </a:pPr>
+            <a:endParaRPr lang="bg-BG" dirty="0">
+              <a:latin typeface="Century Gothic" panose="020B0502020202020204" pitchFamily="34" charset="0"/>
+              <a:cs typeface="Cascadia Code SemiBold" panose="020B0609020000020004" pitchFamily="49" charset="0"/>
+            </a:endParaRPr>
+          </a:p>
+          <a:p>
+            <a:pPr algn="ctr">
+              <a:buFont typeface="Wingdings" panose="05000000000000000000" pitchFamily="2" charset="2"/>
+              <a:buChar char="§"/>
+            </a:pPr>
+            <a:r>
+              <a:rPr lang="bg-BG" dirty="0">
+                <a:latin typeface="Century Gothic" panose="020B0502020202020204" pitchFamily="34" charset="0"/>
+                <a:cs typeface="Cascadia Code SemiBold" panose="020B0609020000020004" pitchFamily="49" charset="0"/>
+              </a:rPr>
+              <a:t>Получавайте автоматично известие 3 месеца преди изтичане на срока</a:t>
+            </a:r>
+          </a:p>
+          <a:p>
+            <a:pPr marL="0" indent="0">
+              <a:buNone/>
+            </a:pPr>
+            <a:endParaRPr lang="en-US" dirty="0"/>
           </a:p>
         </p:txBody>
       </p:sp>
     </p:spTree>
     <p:extLst>
       <p:ext uri="{BB962C8B-B14F-4D97-AF65-F5344CB8AC3E}">
-        <p14:creationId xmlns:p14="http://schemas.microsoft.com/office/powerpoint/2010/main" val="1399139950"/>
+        <p14:creationId xmlns:p14="http://schemas.microsoft.com/office/powerpoint/2010/main" val="2040283008"/>
       </p:ext>
     </p:extLst>
   </p:cSld>
   <p:clrMapOvr>
     <a:masterClrMapping/>
   </p:clrMapOvr>
-  <mc:AlternateContent xmlns:mc="http://schemas.openxmlformats.org/markup-compatibility/2006">
-    <mc:Choice xmlns:p14="http://schemas.microsoft.com/office/powerpoint/2010/main" Requires="p14">
-      <p:transition spd="med" p14:dur="700">
-        <p:fade/>
+  <mc:AlternateContent xmlns:mc="http://schemas.openxmlformats.org/markup-compatibility/2006" xmlns:p14="http://schemas.microsoft.com/office/powerpoint/2010/main">
+    <mc:Choice Requires="p14">
+      <p:transition spd="slow" p14:dur="3400">
+        <p14:reveal/>
       </p:transition>
     </mc:Choice>
-    <mc:Fallback>
-      <p:transition spd="med">
+    <mc:Fallback xmlns="">
+      <p:transition spd="slow">
         <p:fade/>
       </p:transition>
     </mc:Fallback>
   </mc:AlternateContent>
-  <p:timing>
-    <p:tnLst>
-      <p:par>
-        <p:cTn id="1" dur="indefinite" restart="never" nodeType="tmRoot"/>
-      </p:par>
-    </p:tnLst>
-  </p:timing>
 </p:sld>
 </file>
 
@@ -8582,7 +9308,13 @@
   <p:cSld>
     <p:spTree>
       <p:nvGrpSpPr>
-        <p:cNvPr id="1" name=""/>
+        <p:cNvPr id="1" name="">
+          <a:extLst>
+            <a:ext uri="{FF2B5EF4-FFF2-40B4-BE49-F238E27FC236}">
+              <a16:creationId xmlns:a16="http://schemas.microsoft.com/office/drawing/2014/main" id="{D20FC440-553F-AE04-1285-69E18651A888}"/>
+            </a:ext>
+          </a:extLst>
+        </p:cNvPr>
         <p:cNvGrpSpPr/>
         <p:nvPr/>
       </p:nvGrpSpPr>
@@ -8596,43 +9328,44 @@
       </p:grpSpPr>
       <p:sp>
         <p:nvSpPr>
-          <p:cNvPr id="3" name="Content Placeholder 2"/>
-          <p:cNvSpPr>
-            <a:spLocks noGrp="1"/>
-          </p:cNvSpPr>
-          <p:nvPr>
-            <p:ph idx="1"/>
-          </p:nvPr>
-        </p:nvSpPr>
-        <p:spPr>
-          <a:xfrm>
-            <a:off x="756138" y="2523393"/>
-            <a:ext cx="10981592" cy="2517124"/>
-          </a:xfrm>
-        </p:spPr>
-        <p:txBody>
-          <a:bodyPr>
-            <a:normAutofit/>
-          </a:bodyPr>
+          <p:cNvPr id="2" name="Заглавие 1">
+            <a:extLst>
+              <a:ext uri="{FF2B5EF4-FFF2-40B4-BE49-F238E27FC236}">
+                <a16:creationId xmlns:a16="http://schemas.microsoft.com/office/drawing/2014/main" id="{CE67CAAF-8AD0-70D0-22A4-F86846873D96}"/>
+              </a:ext>
+            </a:extLst>
+          </p:cNvPr>
+          <p:cNvSpPr>
+            <a:spLocks noGrp="1"/>
+          </p:cNvSpPr>
+          <p:nvPr>
+            <p:ph type="title"/>
+          </p:nvPr>
+        </p:nvSpPr>
+        <p:spPr/>
+        <p:txBody>
+          <a:bodyPr/>
           <a:lstStyle/>
           <a:p>
-            <a:pPr marL="0" indent="0" algn="ctr">
-              <a:buNone/>
-            </a:pPr>
-            <a:r>
-              <a:rPr lang="bg-BG" sz="2400" dirty="0" smtClean="0"/>
-              <a:t>Чрез нашата система може да обявите тези лекарства до болници в същия регион, които имат недостиг от това лекарство</a:t>
-            </a:r>
+            <a:endParaRPr lang="en-GB"/>
           </a:p>
         </p:txBody>
       </p:sp>
       <p:pic>
         <p:nvPicPr>
-          <p:cNvPr id="4" name="Picture 3"/>
+          <p:cNvPr id="5" name="Контейнер за съдържание 4" descr="Картина, която съдържа текст, екранна снимка, софтуер, Компютърна икона">
+            <a:extLst>
+              <a:ext uri="{FF2B5EF4-FFF2-40B4-BE49-F238E27FC236}">
+                <a16:creationId xmlns:a16="http://schemas.microsoft.com/office/drawing/2014/main" id="{883C97D5-FD19-4A91-9DE6-68C7A4489892}"/>
+              </a:ext>
+            </a:extLst>
+          </p:cNvPr>
           <p:cNvPicPr>
-            <a:picLocks noChangeAspect="1"/>
+            <a:picLocks noGrp="1" noChangeAspect="1"/>
           </p:cNvPicPr>
-          <p:nvPr/>
+          <p:nvPr>
+            <p:ph idx="1"/>
+          </p:nvPr>
         </p:nvPicPr>
         <p:blipFill>
           <a:blip r:embed="rId2">
@@ -8648,165 +9381,21 @@
         </p:blipFill>
         <p:spPr>
           <a:xfrm>
-            <a:off x="4335779" y="3751574"/>
-            <a:ext cx="4034497" cy="2577886"/>
-          </a:xfrm>
-          <a:prstGeom prst="rect">
-            <a:avLst/>
-          </a:prstGeom>
+            <a:off x="0" y="352124"/>
+            <a:ext cx="12167191" cy="5864853"/>
+          </a:xfrm>
         </p:spPr>
       </p:pic>
     </p:spTree>
     <p:extLst>
       <p:ext uri="{BB962C8B-B14F-4D97-AF65-F5344CB8AC3E}">
-        <p14:creationId xmlns:p14="http://schemas.microsoft.com/office/powerpoint/2010/main" val="2901385136"/>
+        <p14:creationId xmlns:p14="http://schemas.microsoft.com/office/powerpoint/2010/main" val="345923431"/>
       </p:ext>
     </p:extLst>
   </p:cSld>
   <p:clrMapOvr>
     <a:masterClrMapping/>
   </p:clrMapOvr>
-  <mc:AlternateContent xmlns:mc="http://schemas.openxmlformats.org/markup-compatibility/2006">
-    <mc:Choice xmlns:p14="http://schemas.microsoft.com/office/powerpoint/2010/main" Requires="p14">
-      <p:transition spd="med" p14:dur="700">
-        <p:fade/>
-      </p:transition>
-    </mc:Choice>
-    <mc:Fallback>
-      <p:transition spd="med">
-        <p:fade/>
-      </p:transition>
-    </mc:Fallback>
-  </mc:AlternateContent>
-  <p:timing>
-    <p:tnLst>
-      <p:par>
-        <p:cTn id="1" dur="indefinite" restart="never" nodeType="tmRoot">
-          <p:childTnLst>
-            <p:seq concurrent="1" nextAc="seek">
-              <p:cTn id="2" dur="indefinite" nodeType="mainSeq">
-                <p:childTnLst>
-                  <p:par>
-                    <p:cTn id="3" fill="hold">
-                      <p:stCondLst>
-                        <p:cond delay="indefinite"/>
-                      </p:stCondLst>
-                      <p:childTnLst>
-                        <p:par>
-                          <p:cTn id="4" fill="hold">
-                            <p:stCondLst>
-                              <p:cond delay="0"/>
-                            </p:stCondLst>
-                            <p:childTnLst>
-                              <p:par>
-                                <p:cTn id="5" presetID="22" presetClass="entr" presetSubtype="8" fill="hold" grpId="0" nodeType="clickEffect">
-                                  <p:stCondLst>
-                                    <p:cond delay="0"/>
-                                  </p:stCondLst>
-                                  <p:childTnLst>
-                                    <p:set>
-                                      <p:cBhvr>
-                                        <p:cTn id="6" dur="1" fill="hold">
-                                          <p:stCondLst>
-                                            <p:cond delay="0"/>
-                                          </p:stCondLst>
-                                        </p:cTn>
-                                        <p:tgtEl>
-                                          <p:spTgt spid="3">
-                                            <p:txEl>
-                                              <p:pRg st="0" end="0"/>
-                                            </p:txEl>
-                                          </p:spTgt>
-                                        </p:tgtEl>
-                                        <p:attrNameLst>
-                                          <p:attrName>style.visibility</p:attrName>
-                                        </p:attrNameLst>
-                                      </p:cBhvr>
-                                      <p:to>
-                                        <p:strVal val="visible"/>
-                                      </p:to>
-                                    </p:set>
-                                    <p:animEffect transition="in" filter="wipe(left)">
-                                      <p:cBhvr>
-                                        <p:cTn id="7" dur="1250"/>
-                                        <p:tgtEl>
-                                          <p:spTgt spid="3">
-                                            <p:txEl>
-                                              <p:pRg st="0" end="0"/>
-                                            </p:txEl>
-                                          </p:spTgt>
-                                        </p:tgtEl>
-                                      </p:cBhvr>
-                                    </p:animEffect>
-                                  </p:childTnLst>
-                                </p:cTn>
-                              </p:par>
-                              <p:par>
-                                <p:cTn id="8" presetID="6" presetClass="entr" presetSubtype="32" fill="hold" nodeType="withEffect">
-                                  <p:stCondLst>
-                                    <p:cond delay="500"/>
-                                  </p:stCondLst>
-                                  <p:childTnLst>
-                                    <p:set>
-                                      <p:cBhvr>
-                                        <p:cTn id="9" dur="1" fill="hold">
-                                          <p:stCondLst>
-                                            <p:cond delay="0"/>
-                                          </p:stCondLst>
-                                        </p:cTn>
-                                        <p:tgtEl>
-                                          <p:spTgt spid="4"/>
-                                        </p:tgtEl>
-                                        <p:attrNameLst>
-                                          <p:attrName>style.visibility</p:attrName>
-                                        </p:attrNameLst>
-                                      </p:cBhvr>
-                                      <p:to>
-                                        <p:strVal val="visible"/>
-                                      </p:to>
-                                    </p:set>
-                                    <p:animEffect transition="in" filter="circle(out)">
-                                      <p:cBhvr>
-                                        <p:cTn id="10" dur="2000"/>
-                                        <p:tgtEl>
-                                          <p:spTgt spid="4"/>
-                                        </p:tgtEl>
-                                      </p:cBhvr>
-                                    </p:animEffect>
-                                  </p:childTnLst>
-                                </p:cTn>
-                              </p:par>
-                            </p:childTnLst>
-                          </p:cTn>
-                        </p:par>
-                      </p:childTnLst>
-                    </p:cTn>
-                  </p:par>
-                </p:childTnLst>
-              </p:cTn>
-              <p:prevCondLst>
-                <p:cond evt="onPrev" delay="0">
-                  <p:tgtEl>
-                    <p:sldTgt/>
-                  </p:tgtEl>
-                </p:cond>
-              </p:prevCondLst>
-              <p:nextCondLst>
-                <p:cond evt="onNext" delay="0">
-                  <p:tgtEl>
-                    <p:sldTgt/>
-                  </p:tgtEl>
-                </p:cond>
-              </p:nextCondLst>
-            </p:seq>
-          </p:childTnLst>
-        </p:cTn>
-      </p:par>
-    </p:tnLst>
-    <p:bldLst>
-      <p:bldP spid="3" grpId="0" build="p"/>
-    </p:bldLst>
-  </p:timing>
 </p:sld>
 </file>
 
@@ -8815,7 +9404,13 @@
   <p:cSld>
     <p:spTree>
       <p:nvGrpSpPr>
-        <p:cNvPr id="1" name=""/>
+        <p:cNvPr id="1" name="">
+          <a:extLst>
+            <a:ext uri="{FF2B5EF4-FFF2-40B4-BE49-F238E27FC236}">
+              <a16:creationId xmlns:a16="http://schemas.microsoft.com/office/drawing/2014/main" id="{70D1EF09-0AA4-ACED-D552-BDADF4876992}"/>
+            </a:ext>
+          </a:extLst>
+        </p:cNvPr>
         <p:cNvGrpSpPr/>
         <p:nvPr/>
       </p:nvGrpSpPr>
@@ -8829,7 +9424,13 @@
       </p:grpSpPr>
       <p:sp>
         <p:nvSpPr>
-          <p:cNvPr id="2" name="Title 1"/>
+          <p:cNvPr id="2" name="Заглавие 1">
+            <a:extLst>
+              <a:ext uri="{FF2B5EF4-FFF2-40B4-BE49-F238E27FC236}">
+                <a16:creationId xmlns:a16="http://schemas.microsoft.com/office/drawing/2014/main" id="{9DA9A2D0-2DDC-087F-43A3-69A4D42FE5E4}"/>
+              </a:ext>
+            </a:extLst>
+          </p:cNvPr>
           <p:cNvSpPr>
             <a:spLocks noGrp="1"/>
           </p:cNvSpPr>
@@ -8837,60 +9438,60 @@
             <p:ph type="title"/>
           </p:nvPr>
         </p:nvSpPr>
-        <p:spPr>
-          <a:xfrm>
-            <a:off x="685800" y="1988363"/>
-            <a:ext cx="10820400" cy="2802467"/>
-          </a:xfrm>
-        </p:spPr>
-        <p:txBody>
-          <a:bodyPr>
-            <a:noAutofit/>
-          </a:bodyPr>
+        <p:spPr/>
+        <p:txBody>
+          <a:bodyPr/>
           <a:lstStyle/>
           <a:p>
-            <a:pPr algn="ctr"/>
-            <a:r>
-              <a:rPr lang="bg-BG" sz="6600" b="1" dirty="0" smtClean="0"/>
-              <a:t>КАКВИ СА ПОЛЗИТЕ ОТ ТОВА</a:t>
-            </a:r>
-            <a:r>
-              <a:rPr lang="bg-BG" sz="6600" b="1" dirty="0"/>
-              <a:t>?</a:t>
-            </a:r>
-            <a:endParaRPr lang="en-US" sz="6600" b="1" dirty="0"/>
-          </a:p>
-        </p:txBody>
-      </p:sp>
+            <a:endParaRPr lang="en-GB"/>
+          </a:p>
+        </p:txBody>
+      </p:sp>
+      <p:pic>
+        <p:nvPicPr>
+          <p:cNvPr id="5" name="Контейнер за съдържание 4" descr="Картина, която съдържа текст, екранна снимка, софтуер, Компютърна икона&#10;&#10;Генерираното от ИИ съдържание може да е неправилно.">
+            <a:extLst>
+              <a:ext uri="{FF2B5EF4-FFF2-40B4-BE49-F238E27FC236}">
+                <a16:creationId xmlns:a16="http://schemas.microsoft.com/office/drawing/2014/main" id="{2E78D745-7F1D-37BA-AC1A-E3A1D10924BD}"/>
+              </a:ext>
+            </a:extLst>
+          </p:cNvPr>
+          <p:cNvPicPr>
+            <a:picLocks noGrp="1" noChangeAspect="1"/>
+          </p:cNvPicPr>
+          <p:nvPr>
+            <p:ph idx="1"/>
+          </p:nvPr>
+        </p:nvPicPr>
+        <p:blipFill>
+          <a:blip r:embed="rId2">
+            <a:extLst>
+              <a:ext uri="{28A0092B-C50C-407E-A947-70E740481C1C}">
+                <a14:useLocalDpi xmlns:a14="http://schemas.microsoft.com/office/drawing/2010/main" val="0"/>
+              </a:ext>
+            </a:extLst>
+          </a:blip>
+          <a:stretch>
+            <a:fillRect/>
+          </a:stretch>
+        </p:blipFill>
+        <p:spPr>
+          <a:xfrm>
+            <a:off x="0" y="585842"/>
+            <a:ext cx="12192000" cy="6296129"/>
+          </a:xfrm>
+        </p:spPr>
+      </p:pic>
     </p:spTree>
     <p:extLst>
       <p:ext uri="{BB962C8B-B14F-4D97-AF65-F5344CB8AC3E}">
-        <p14:creationId xmlns:p14="http://schemas.microsoft.com/office/powerpoint/2010/main" val="1234824994"/>
+        <p14:creationId xmlns:p14="http://schemas.microsoft.com/office/powerpoint/2010/main" val="2039280386"/>
       </p:ext>
     </p:extLst>
   </p:cSld>
   <p:clrMapOvr>
     <a:masterClrMapping/>
   </p:clrMapOvr>
-  <mc:AlternateContent xmlns:mc="http://schemas.openxmlformats.org/markup-compatibility/2006">
-    <mc:Choice xmlns:p15="http://schemas.microsoft.com/office/powerpoint/2012/main" Requires="p15">
-      <p:transition xmlns:p14="http://schemas.microsoft.com/office/powerpoint/2010/main" spd="slow" p14:dur="2000">
-        <p15:prstTrans prst="drape"/>
-      </p:transition>
-    </mc:Choice>
-    <mc:Fallback>
-      <p:transition spd="slow">
-        <p:fade/>
-      </p:transition>
-    </mc:Fallback>
-  </mc:AlternateContent>
-  <p:timing>
-    <p:tnLst>
-      <p:par>
-        <p:cTn id="1" dur="indefinite" restart="never" nodeType="tmRoot"/>
-      </p:par>
-    </p:tnLst>
-  </p:timing>
 </p:sld>
 </file>
 
@@ -8913,480 +9514,56 @@
       </p:grpSpPr>
       <p:sp>
         <p:nvSpPr>
-          <p:cNvPr id="3" name="Content Placeholder 2"/>
-          <p:cNvSpPr>
-            <a:spLocks noGrp="1"/>
-          </p:cNvSpPr>
-          <p:nvPr>
-            <p:ph idx="1"/>
-          </p:nvPr>
-        </p:nvSpPr>
-        <p:spPr>
-          <a:xfrm>
-            <a:off x="764931" y="3094893"/>
-            <a:ext cx="10964008" cy="2719347"/>
-          </a:xfrm>
-        </p:spPr>
-        <p:txBody>
-          <a:bodyPr anchor="ctr">
+          <p:cNvPr id="2" name="Title 1"/>
+          <p:cNvSpPr>
+            <a:spLocks noGrp="1"/>
+          </p:cNvSpPr>
+          <p:nvPr>
+            <p:ph type="title"/>
+          </p:nvPr>
+        </p:nvSpPr>
+        <p:spPr>
+          <a:xfrm>
+            <a:off x="685800" y="1761716"/>
+            <a:ext cx="10820400" cy="2802467"/>
+          </a:xfrm>
+        </p:spPr>
+        <p:txBody>
+          <a:bodyPr>
             <a:normAutofit/>
           </a:bodyPr>
           <a:lstStyle/>
           <a:p>
-            <a:pPr algn="ctr">
-              <a:buFont typeface="Wingdings" panose="05000000000000000000" pitchFamily="2" charset="2"/>
-              <a:buChar char="§"/>
-            </a:pPr>
-            <a:r>
-              <a:rPr lang="bg-BG" sz="2400" dirty="0" smtClean="0"/>
-              <a:t>Спестява </a:t>
-            </a:r>
-            <a:r>
-              <a:rPr lang="bg-BG" sz="2400" dirty="0" smtClean="0"/>
-              <a:t>милиони левове за </a:t>
-            </a:r>
-            <a:r>
-              <a:rPr lang="bg-BG" sz="2400" dirty="0" smtClean="0"/>
-              <a:t>болниците!!!</a:t>
-            </a:r>
-            <a:endParaRPr lang="bg-BG" sz="2400" dirty="0" smtClean="0"/>
-          </a:p>
-          <a:p>
-            <a:pPr algn="ctr">
-              <a:buFont typeface="Wingdings" panose="05000000000000000000" pitchFamily="2" charset="2"/>
-              <a:buChar char="§"/>
-            </a:pPr>
-            <a:r>
-              <a:rPr lang="bg-BG" sz="2400" dirty="0" smtClean="0"/>
-              <a:t>Без повече </a:t>
-            </a:r>
-            <a:r>
-              <a:rPr lang="bg-BG" sz="2400" dirty="0" smtClean="0"/>
-              <a:t>изхвърляне на </a:t>
-            </a:r>
-            <a:r>
-              <a:rPr lang="bg-BG" sz="2400" dirty="0" smtClean="0"/>
-              <a:t>лекарства!!</a:t>
-            </a:r>
-            <a:endParaRPr lang="bg-BG" sz="2400" dirty="0" smtClean="0"/>
-          </a:p>
-          <a:p>
-            <a:pPr algn="ctr">
-              <a:buFont typeface="Wingdings" panose="05000000000000000000" pitchFamily="2" charset="2"/>
-              <a:buChar char="§"/>
-            </a:pPr>
-            <a:r>
-              <a:rPr lang="bg-BG" sz="2400" dirty="0" smtClean="0"/>
-              <a:t>Опазва </a:t>
-            </a:r>
-            <a:r>
-              <a:rPr lang="bg-BG" sz="2400" dirty="0" smtClean="0"/>
-              <a:t>на околната </a:t>
-            </a:r>
-            <a:r>
-              <a:rPr lang="bg-BG" sz="2400" dirty="0" smtClean="0"/>
-              <a:t>среда!</a:t>
-            </a:r>
-            <a:endParaRPr lang="bg-BG" sz="2400" dirty="0" smtClean="0"/>
-          </a:p>
-        </p:txBody>
-      </p:sp>
-      <p:pic>
-        <p:nvPicPr>
-          <p:cNvPr id="5" name="Picture 4"/>
-          <p:cNvPicPr>
-            <a:picLocks noChangeAspect="1"/>
-          </p:cNvPicPr>
-          <p:nvPr/>
-        </p:nvPicPr>
-        <p:blipFill>
-          <a:blip r:embed="rId2">
-            <a:extLst>
-              <a:ext uri="{28A0092B-C50C-407E-A947-70E740481C1C}">
-                <a14:useLocalDpi xmlns:a14="http://schemas.microsoft.com/office/drawing/2010/main" val="0"/>
-              </a:ext>
-            </a:extLst>
-          </a:blip>
-          <a:stretch>
-            <a:fillRect/>
-          </a:stretch>
-        </p:blipFill>
-        <p:spPr>
-          <a:xfrm>
-            <a:off x="7489581" y="0"/>
-            <a:ext cx="4951535" cy="3301023"/>
-          </a:xfrm>
-          <a:prstGeom prst="rect">
-            <a:avLst/>
-          </a:prstGeom>
-        </p:spPr>
-      </p:pic>
-      <p:pic>
-        <p:nvPicPr>
-          <p:cNvPr id="7" name="Picture 6"/>
-          <p:cNvPicPr>
-            <a:picLocks noChangeAspect="1"/>
-          </p:cNvPicPr>
-          <p:nvPr/>
-        </p:nvPicPr>
-        <p:blipFill>
-          <a:blip r:embed="rId3">
-            <a:extLst>
-              <a:ext uri="{28A0092B-C50C-407E-A947-70E740481C1C}">
-                <a14:useLocalDpi xmlns:a14="http://schemas.microsoft.com/office/drawing/2010/main" val="0"/>
-              </a:ext>
-            </a:extLst>
-          </a:blip>
-          <a:stretch>
-            <a:fillRect/>
-          </a:stretch>
-        </p:blipFill>
-        <p:spPr>
-          <a:xfrm>
-            <a:off x="302967" y="4111463"/>
-            <a:ext cx="2466610" cy="2466610"/>
-          </a:xfrm>
-          <a:prstGeom prst="rect">
-            <a:avLst/>
-          </a:prstGeom>
-        </p:spPr>
-      </p:pic>
+            <a:pPr algn="ctr"/>
+            <a:r>
+              <a:rPr lang="en-US" sz="6000" b="1" dirty="0"/>
+              <a:t>AND THE BEST OF ALL…</a:t>
+            </a:r>
+          </a:p>
+        </p:txBody>
+      </p:sp>
     </p:spTree>
     <p:extLst>
       <p:ext uri="{BB962C8B-B14F-4D97-AF65-F5344CB8AC3E}">
-        <p14:creationId xmlns:p14="http://schemas.microsoft.com/office/powerpoint/2010/main" val="2996237578"/>
+        <p14:creationId xmlns:p14="http://schemas.microsoft.com/office/powerpoint/2010/main" val="1399139950"/>
       </p:ext>
     </p:extLst>
   </p:cSld>
   <p:clrMapOvr>
     <a:masterClrMapping/>
   </p:clrMapOvr>
-  <mc:AlternateContent xmlns:mc="http://schemas.openxmlformats.org/markup-compatibility/2006">
-    <mc:Choice xmlns:p14="http://schemas.microsoft.com/office/powerpoint/2010/main" Requires="p14">
-      <p:transition spd="slow" p14:dur="1500">
-        <p:split orient="vert"/>
+  <mc:AlternateContent xmlns:mc="http://schemas.openxmlformats.org/markup-compatibility/2006" xmlns:p14="http://schemas.microsoft.com/office/powerpoint/2010/main">
+    <mc:Choice Requires="p14">
+      <p:transition spd="med" p14:dur="700">
+        <p:fade/>
       </p:transition>
     </mc:Choice>
-    <mc:Fallback>
-      <p:transition spd="slow">
-        <p:split orient="vert"/>
+    <mc:Fallback xmlns="">
+      <p:transition spd="med">
+        <p:fade/>
       </p:transition>
     </mc:Fallback>
   </mc:AlternateContent>
-  <p:timing>
-    <p:tnLst>
-      <p:par>
-        <p:cTn id="1" dur="indefinite" restart="never" nodeType="tmRoot">
-          <p:childTnLst>
-            <p:seq concurrent="1" nextAc="seek">
-              <p:cTn id="2" dur="indefinite" nodeType="mainSeq">
-                <p:childTnLst>
-                  <p:par>
-                    <p:cTn id="3" fill="hold">
-                      <p:stCondLst>
-                        <p:cond delay="indefinite"/>
-                      </p:stCondLst>
-                      <p:childTnLst>
-                        <p:par>
-                          <p:cTn id="4" fill="hold">
-                            <p:stCondLst>
-                              <p:cond delay="0"/>
-                            </p:stCondLst>
-                            <p:childTnLst>
-                              <p:par>
-                                <p:cTn id="5" presetID="6" presetClass="entr" presetSubtype="32" fill="hold" nodeType="clickEffect">
-                                  <p:stCondLst>
-                                    <p:cond delay="250"/>
-                                  </p:stCondLst>
-                                  <p:childTnLst>
-                                    <p:set>
-                                      <p:cBhvr>
-                                        <p:cTn id="6" dur="1" fill="hold">
-                                          <p:stCondLst>
-                                            <p:cond delay="0"/>
-                                          </p:stCondLst>
-                                        </p:cTn>
-                                        <p:tgtEl>
-                                          <p:spTgt spid="5"/>
-                                        </p:tgtEl>
-                                        <p:attrNameLst>
-                                          <p:attrName>style.visibility</p:attrName>
-                                        </p:attrNameLst>
-                                      </p:cBhvr>
-                                      <p:to>
-                                        <p:strVal val="visible"/>
-                                      </p:to>
-                                    </p:set>
-                                    <p:animEffect transition="in" filter="circle(out)">
-                                      <p:cBhvr>
-                                        <p:cTn id="7" dur="1000"/>
-                                        <p:tgtEl>
-                                          <p:spTgt spid="5"/>
-                                        </p:tgtEl>
-                                      </p:cBhvr>
-                                    </p:animEffect>
-                                  </p:childTnLst>
-                                </p:cTn>
-                              </p:par>
-                              <p:par>
-                                <p:cTn id="8" presetID="22" presetClass="entr" presetSubtype="8" fill="hold" grpId="0" nodeType="withEffect">
-                                  <p:stCondLst>
-                                    <p:cond delay="0"/>
-                                  </p:stCondLst>
-                                  <p:childTnLst>
-                                    <p:set>
-                                      <p:cBhvr>
-                                        <p:cTn id="9" dur="1" fill="hold">
-                                          <p:stCondLst>
-                                            <p:cond delay="0"/>
-                                          </p:stCondLst>
-                                        </p:cTn>
-                                        <p:tgtEl>
-                                          <p:spTgt spid="3">
-                                            <p:txEl>
-                                              <p:pRg st="0" end="0"/>
-                                            </p:txEl>
-                                          </p:spTgt>
-                                        </p:tgtEl>
-                                        <p:attrNameLst>
-                                          <p:attrName>style.visibility</p:attrName>
-                                        </p:attrNameLst>
-                                      </p:cBhvr>
-                                      <p:to>
-                                        <p:strVal val="visible"/>
-                                      </p:to>
-                                    </p:set>
-                                    <p:animEffect transition="in" filter="wipe(left)">
-                                      <p:cBhvr>
-                                        <p:cTn id="10" dur="1500"/>
-                                        <p:tgtEl>
-                                          <p:spTgt spid="3">
-                                            <p:txEl>
-                                              <p:pRg st="0" end="0"/>
-                                            </p:txEl>
-                                          </p:spTgt>
-                                        </p:tgtEl>
-                                      </p:cBhvr>
-                                    </p:animEffect>
-                                  </p:childTnLst>
-                                </p:cTn>
-                              </p:par>
-                            </p:childTnLst>
-                          </p:cTn>
-                        </p:par>
-                        <p:par>
-                          <p:cTn id="11" fill="hold">
-                            <p:stCondLst>
-                              <p:cond delay="1500"/>
-                            </p:stCondLst>
-                            <p:childTnLst>
-                              <p:par>
-                                <p:cTn id="12" presetID="22" presetClass="entr" presetSubtype="8" fill="hold" grpId="0" nodeType="afterEffect">
-                                  <p:stCondLst>
-                                    <p:cond delay="0"/>
-                                  </p:stCondLst>
-                                  <p:childTnLst>
-                                    <p:set>
-                                      <p:cBhvr>
-                                        <p:cTn id="13" dur="1" fill="hold">
-                                          <p:stCondLst>
-                                            <p:cond delay="0"/>
-                                          </p:stCondLst>
-                                        </p:cTn>
-                                        <p:tgtEl>
-                                          <p:spTgt spid="3">
-                                            <p:txEl>
-                                              <p:pRg st="1" end="1"/>
-                                            </p:txEl>
-                                          </p:spTgt>
-                                        </p:tgtEl>
-                                        <p:attrNameLst>
-                                          <p:attrName>style.visibility</p:attrName>
-                                        </p:attrNameLst>
-                                      </p:cBhvr>
-                                      <p:to>
-                                        <p:strVal val="visible"/>
-                                      </p:to>
-                                    </p:set>
-                                    <p:animEffect transition="in" filter="wipe(left)">
-                                      <p:cBhvr>
-                                        <p:cTn id="14" dur="1500"/>
-                                        <p:tgtEl>
-                                          <p:spTgt spid="3">
-                                            <p:txEl>
-                                              <p:pRg st="1" end="1"/>
-                                            </p:txEl>
-                                          </p:spTgt>
-                                        </p:tgtEl>
-                                      </p:cBhvr>
-                                    </p:animEffect>
-                                  </p:childTnLst>
-                                </p:cTn>
-                              </p:par>
-                            </p:childTnLst>
-                          </p:cTn>
-                        </p:par>
-                        <p:par>
-                          <p:cTn id="15" fill="hold">
-                            <p:stCondLst>
-                              <p:cond delay="3000"/>
-                            </p:stCondLst>
-                            <p:childTnLst>
-                              <p:par>
-                                <p:cTn id="16" presetID="22" presetClass="entr" presetSubtype="8" fill="hold" grpId="0" nodeType="afterEffect">
-                                  <p:stCondLst>
-                                    <p:cond delay="0"/>
-                                  </p:stCondLst>
-                                  <p:childTnLst>
-                                    <p:set>
-                                      <p:cBhvr>
-                                        <p:cTn id="17" dur="1" fill="hold">
-                                          <p:stCondLst>
-                                            <p:cond delay="0"/>
-                                          </p:stCondLst>
-                                        </p:cTn>
-                                        <p:tgtEl>
-                                          <p:spTgt spid="3">
-                                            <p:txEl>
-                                              <p:pRg st="2" end="2"/>
-                                            </p:txEl>
-                                          </p:spTgt>
-                                        </p:tgtEl>
-                                        <p:attrNameLst>
-                                          <p:attrName>style.visibility</p:attrName>
-                                        </p:attrNameLst>
-                                      </p:cBhvr>
-                                      <p:to>
-                                        <p:strVal val="visible"/>
-                                      </p:to>
-                                    </p:set>
-                                    <p:animEffect transition="in" filter="wipe(left)">
-                                      <p:cBhvr>
-                                        <p:cTn id="18" dur="1500"/>
-                                        <p:tgtEl>
-                                          <p:spTgt spid="3">
-                                            <p:txEl>
-                                              <p:pRg st="2" end="2"/>
-                                            </p:txEl>
-                                          </p:spTgt>
-                                        </p:tgtEl>
-                                      </p:cBhvr>
-                                    </p:animEffect>
-                                  </p:childTnLst>
-                                </p:cTn>
-                              </p:par>
-                              <p:par>
-                                <p:cTn id="19" presetID="42" presetClass="entr" presetSubtype="0" fill="hold" nodeType="withEffect">
-                                  <p:stCondLst>
-                                    <p:cond delay="0"/>
-                                  </p:stCondLst>
-                                  <p:childTnLst>
-                                    <p:set>
-                                      <p:cBhvr>
-                                        <p:cTn id="20" dur="1" fill="hold">
-                                          <p:stCondLst>
-                                            <p:cond delay="0"/>
-                                          </p:stCondLst>
-                                        </p:cTn>
-                                        <p:tgtEl>
-                                          <p:spTgt spid="7"/>
-                                        </p:tgtEl>
-                                        <p:attrNameLst>
-                                          <p:attrName>style.visibility</p:attrName>
-                                        </p:attrNameLst>
-                                      </p:cBhvr>
-                                      <p:to>
-                                        <p:strVal val="visible"/>
-                                      </p:to>
-                                    </p:set>
-                                    <p:animEffect transition="in" filter="fade">
-                                      <p:cBhvr>
-                                        <p:cTn id="21" dur="1000"/>
-                                        <p:tgtEl>
-                                          <p:spTgt spid="7"/>
-                                        </p:tgtEl>
-                                      </p:cBhvr>
-                                    </p:animEffect>
-                                    <p:anim calcmode="lin" valueType="num">
-                                      <p:cBhvr>
-                                        <p:cTn id="22" dur="1000" fill="hold"/>
-                                        <p:tgtEl>
-                                          <p:spTgt spid="7"/>
-                                        </p:tgtEl>
-                                        <p:attrNameLst>
-                                          <p:attrName>ppt_x</p:attrName>
-                                        </p:attrNameLst>
-                                      </p:cBhvr>
-                                      <p:tavLst>
-                                        <p:tav tm="0">
-                                          <p:val>
-                                            <p:strVal val="#ppt_x"/>
-                                          </p:val>
-                                        </p:tav>
-                                        <p:tav tm="100000">
-                                          <p:val>
-                                            <p:strVal val="#ppt_x"/>
-                                          </p:val>
-                                        </p:tav>
-                                      </p:tavLst>
-                                    </p:anim>
-                                    <p:anim calcmode="lin" valueType="num">
-                                      <p:cBhvr>
-                                        <p:cTn id="23" dur="1000" fill="hold"/>
-                                        <p:tgtEl>
-                                          <p:spTgt spid="7"/>
-                                        </p:tgtEl>
-                                        <p:attrNameLst>
-                                          <p:attrName>ppt_y</p:attrName>
-                                        </p:attrNameLst>
-                                      </p:cBhvr>
-                                      <p:tavLst>
-                                        <p:tav tm="0">
-                                          <p:val>
-                                            <p:strVal val="#ppt_y+.1"/>
-                                          </p:val>
-                                        </p:tav>
-                                        <p:tav tm="100000">
-                                          <p:val>
-                                            <p:strVal val="#ppt_y"/>
-                                          </p:val>
-                                        </p:tav>
-                                      </p:tavLst>
-                                    </p:anim>
-                                  </p:childTnLst>
-                                </p:cTn>
-                              </p:par>
-                            </p:childTnLst>
-                          </p:cTn>
-                        </p:par>
-                      </p:childTnLst>
-                    </p:cTn>
-                  </p:par>
-                </p:childTnLst>
-              </p:cTn>
-              <p:prevCondLst>
-                <p:cond evt="onPrev" delay="0">
-                  <p:tgtEl>
-                    <p:sldTgt/>
-                  </p:tgtEl>
-                </p:cond>
-              </p:prevCondLst>
-              <p:nextCondLst>
-                <p:cond evt="onNext" delay="0">
-                  <p:tgtEl>
-                    <p:sldTgt/>
-                  </p:tgtEl>
-                </p:cond>
-              </p:nextCondLst>
-            </p:seq>
-          </p:childTnLst>
-        </p:cTn>
-      </p:par>
-    </p:tnLst>
-    <p:bldLst>
-      <p:bldP spid="3" grpId="0" uiExpand="1" build="p"/>
-    </p:bldLst>
-  </p:timing>
 </p:sld>
 </file>
 
